--- a/ppts/06Service.pptx
+++ b/ppts/06Service.pptx
@@ -41,10 +41,10 @@
     <p:sldId id="1100" r:id="rId32"/>
     <p:sldId id="1101" r:id="rId33"/>
     <p:sldId id="1103" r:id="rId34"/>
-    <p:sldId id="1102" r:id="rId35"/>
+    <p:sldId id="1124" r:id="rId35"/>
     <p:sldId id="1104" r:id="rId36"/>
-    <p:sldId id="1105" r:id="rId37"/>
-    <p:sldId id="1106" r:id="rId38"/>
+    <p:sldId id="1106" r:id="rId37"/>
+    <p:sldId id="1122" r:id="rId38"/>
     <p:sldId id="1107" r:id="rId39"/>
     <p:sldId id="1108" r:id="rId40"/>
     <p:sldId id="1109" r:id="rId41"/>
@@ -259,7 +259,7 @@
           <a:p>
             <a:fld id="{648057B7-EFC7-4AC6-B479-CDD44EB7D654}" type="datetimeFigureOut">
               <a:rPr lang="ko-KR" altLang="en-US" smtClean="0"/>
-              <a:t>20-01-30</a:t>
+              <a:t>20-01-31</a:t>
             </a:fld>
             <a:endParaRPr lang="ko-KR" altLang="en-US"/>
           </a:p>
@@ -766,7 +766,7 @@
           <a:p>
             <a:fld id="{92DC3DFC-D19E-4489-81A0-2BEACF4D5BEA}" type="datetime1">
               <a:rPr lang="ko-KR" altLang="en-US" smtClean="0"/>
-              <a:t>20-01-30</a:t>
+              <a:t>20-01-31</a:t>
             </a:fld>
             <a:endParaRPr lang="ko-KR" altLang="en-US"/>
           </a:p>
@@ -1442,7 +1442,7 @@
           <a:p>
             <a:fld id="{D6186EA6-D9DB-42E3-9CF4-5FF064BCCBD4}" type="datetime1">
               <a:rPr lang="ko-KR" altLang="en-US" smtClean="0"/>
-              <a:t>20-01-30</a:t>
+              <a:t>20-01-31</a:t>
             </a:fld>
             <a:endParaRPr lang="ko-KR" altLang="en-US"/>
           </a:p>
@@ -1600,7 +1600,7 @@
           <a:p>
             <a:fld id="{E42C130B-BDA3-4432-AD22-7228F2591A72}" type="datetime1">
               <a:rPr lang="ko-KR" altLang="en-US" smtClean="0"/>
-              <a:t>20-01-30</a:t>
+              <a:t>20-01-31</a:t>
             </a:fld>
             <a:endParaRPr lang="ko-KR" altLang="en-US"/>
           </a:p>
@@ -1864,7 +1864,7 @@
           <a:p>
             <a:fld id="{3C649B2E-AC5C-4CA1-A2FD-F4A945DECCCA}" type="datetime1">
               <a:rPr lang="ko-KR" altLang="en-US" smtClean="0"/>
-              <a:t>20-01-30</a:t>
+              <a:t>20-01-31</a:t>
             </a:fld>
             <a:endParaRPr lang="ko-KR" altLang="en-US"/>
           </a:p>
@@ -1958,7 +1958,7 @@
           <a:p>
             <a:fld id="{AC778754-33AA-481A-B885-58843B94B2EC}" type="datetime1">
               <a:rPr lang="ko-KR" altLang="en-US" smtClean="0"/>
-              <a:t>20-01-30</a:t>
+              <a:t>20-01-31</a:t>
             </a:fld>
             <a:endParaRPr lang="ko-KR" altLang="en-US"/>
           </a:p>
@@ -2180,7 +2180,7 @@
           </a:ln>
           <a:extLst>
             <a:ext uri="{C572A759-6A51-4108-AA02-DFA0A04FC94B}">
-              <ma14:wrappingTextBoxFlag xmlns:ma14="http://schemas.microsoft.com/office/mac/drawingml/2011/main" xmlns="" val="1"/>
+              <ma14:wrappingTextBoxFlag xmlns="" xmlns:ma14="http://schemas.microsoft.com/office/mac/drawingml/2011/main" val="1"/>
             </a:ext>
           </a:extLst>
         </p:spPr>
@@ -3074,7 +3074,7 @@
             <a:fld id="{AC778754-33AA-481A-B885-58843B94B2EC}" type="datetime1">
               <a:rPr lang="ko-KR" altLang="en-US" smtClean="0"/>
               <a:pPr/>
-              <a:t>20-01-30</a:t>
+              <a:t>20-01-31</a:t>
             </a:fld>
             <a:endParaRPr lang="ko-KR" altLang="en-US" dirty="0"/>
           </a:p>
@@ -9605,13 +9605,7 @@
               <a:rPr lang="ko-KR" altLang="en-US" dirty="0" smtClean="0">
                 <a:sym typeface="Wingdings" panose="05000000000000000000" pitchFamily="2" charset="2"/>
               </a:rPr>
-              <a:t>브로드캐스트 </a:t>
-            </a:r>
-            <a:r>
-              <a:rPr lang="ko-KR" altLang="en-US" dirty="0" smtClean="0">
-                <a:sym typeface="Wingdings" panose="05000000000000000000" pitchFamily="2" charset="2"/>
-              </a:rPr>
-              <a:t>수신자는 </a:t>
+              <a:t>브로드캐스트 수신자는 </a:t>
             </a:r>
             <a:r>
               <a:rPr lang="ko-KR" altLang="en-US" dirty="0" err="1" smtClean="0">
@@ -9653,19 +9647,7 @@
               <a:rPr lang="ko-KR" altLang="en-US" dirty="0" smtClean="0">
                 <a:sym typeface="Wingdings" panose="05000000000000000000" pitchFamily="2" charset="2"/>
               </a:rPr>
-              <a:t>메소드를 사용해서 시스템에 등록할 </a:t>
-            </a:r>
-            <a:r>
-              <a:rPr lang="ko-KR" altLang="en-US" dirty="0" smtClean="0">
-                <a:sym typeface="Wingdings" panose="05000000000000000000" pitchFamily="2" charset="2"/>
-              </a:rPr>
-              <a:t>수도 </a:t>
-            </a:r>
-            <a:r>
-              <a:rPr lang="ko-KR" altLang="en-US" dirty="0" smtClean="0">
-                <a:sym typeface="Wingdings" panose="05000000000000000000" pitchFamily="2" charset="2"/>
-              </a:rPr>
-              <a:t>있습니다</a:t>
+              <a:t>메소드를 사용해서 시스템에 등록할 수도 있습니다</a:t>
             </a:r>
             <a:r>
               <a:rPr lang="en-US" altLang="ko-KR" dirty="0" smtClean="0">
@@ -10283,25 +10265,66 @@
                 </a:solidFill>
                 <a:sym typeface="Wingdings" panose="05000000000000000000" pitchFamily="2" charset="2"/>
               </a:rPr>
-              <a:t>가 </a:t>
-            </a:r>
-            <a:r>
-              <a:rPr lang="ko-KR" altLang="en-US" dirty="0" smtClean="0">
+              <a:t>가 자동으로 추가 됩니다</a:t>
+            </a:r>
+            <a:r>
+              <a:rPr lang="en-US" altLang="ko-KR" dirty="0" smtClean="0">
                 <a:solidFill>
                   <a:srgbClr val="C00000"/>
                 </a:solidFill>
                 <a:sym typeface="Wingdings" panose="05000000000000000000" pitchFamily="2" charset="2"/>
               </a:rPr>
-              <a:t>자동으로 </a:t>
-            </a:r>
-            <a:r>
-              <a:rPr lang="ko-KR" altLang="en-US" dirty="0" smtClean="0">
+              <a:t>. </a:t>
+            </a:r>
+          </a:p>
+          <a:p>
+            <a:pPr lvl="1"/>
+            <a:r>
+              <a:rPr lang="en-US" altLang="ko-KR" dirty="0" smtClean="0">
+                <a:sym typeface="Wingdings" panose="05000000000000000000" pitchFamily="2" charset="2"/>
+              </a:rPr>
+              <a:t>AndrodiManifest.xml </a:t>
+            </a:r>
+            <a:r>
+              <a:rPr lang="ko-KR" altLang="en-US" dirty="0" smtClean="0">
+                <a:sym typeface="Wingdings" panose="05000000000000000000" pitchFamily="2" charset="2"/>
+              </a:rPr>
+              <a:t>파일 안에는 앱 구성 요소를 등록해야 하며 새로 만들어진 브로드캐스트 수신자도 앱 구성요소이므로 이 파일에 </a:t>
+            </a:r>
+            <a:r>
+              <a:rPr lang="ko-KR" altLang="en-US" b="1" dirty="0" smtClean="0">
+                <a:sym typeface="Wingdings" panose="05000000000000000000" pitchFamily="2" charset="2"/>
+              </a:rPr>
+              <a:t>자동으로 등록 됩니다</a:t>
+            </a:r>
+            <a:r>
+              <a:rPr lang="en-US" altLang="ko-KR" b="1" dirty="0" smtClean="0">
+                <a:sym typeface="Wingdings" panose="05000000000000000000" pitchFamily="2" charset="2"/>
+              </a:rPr>
+              <a:t>. </a:t>
+            </a:r>
+          </a:p>
+          <a:p>
+            <a:r>
+              <a:rPr lang="en-US" altLang="ko-KR" dirty="0" smtClean="0">
+                <a:sym typeface="Wingdings" panose="05000000000000000000" pitchFamily="2" charset="2"/>
+              </a:rPr>
+              <a:t>AndroidManifest.xml </a:t>
+            </a:r>
+            <a:r>
+              <a:rPr lang="ko-KR" altLang="en-US" dirty="0" smtClean="0">
+                <a:sym typeface="Wingdings" panose="05000000000000000000" pitchFamily="2" charset="2"/>
+              </a:rPr>
+              <a:t>파일을 열어 다음과 같이 </a:t>
+            </a:r>
+            <a:r>
+              <a:rPr lang="en-US" altLang="ko-KR" dirty="0" smtClean="0">
                 <a:solidFill>
                   <a:srgbClr val="C00000"/>
                 </a:solidFill>
                 <a:sym typeface="Wingdings" panose="05000000000000000000" pitchFamily="2" charset="2"/>
               </a:rPr>
-              <a:t>추가 </a:t>
+              <a:t>&lt;intent-filter&gt;</a:t>
             </a:r>
             <a:r>
               <a:rPr lang="ko-KR" altLang="en-US" dirty="0" smtClean="0">
@@ -10310,7 +10333,7 @@
                 </a:solidFill>
                 <a:sym typeface="Wingdings" panose="05000000000000000000" pitchFamily="2" charset="2"/>
               </a:rPr>
-              <a:t>됩니다</a:t>
+              <a:t>를 직접 추가 합니다</a:t>
             </a:r>
             <a:r>
               <a:rPr lang="en-US" altLang="ko-KR" dirty="0" smtClean="0">
@@ -10321,98 +10344,6 @@
               </a:rPr>
               <a:t>. </a:t>
             </a:r>
-          </a:p>
-          <a:p>
-            <a:pPr lvl="1"/>
-            <a:r>
-              <a:rPr lang="en-US" altLang="ko-KR" dirty="0" smtClean="0">
-                <a:sym typeface="Wingdings" panose="05000000000000000000" pitchFamily="2" charset="2"/>
-              </a:rPr>
-              <a:t>AndrodiManifest.xml </a:t>
-            </a:r>
-            <a:r>
-              <a:rPr lang="ko-KR" altLang="en-US" dirty="0" smtClean="0">
-                <a:sym typeface="Wingdings" panose="05000000000000000000" pitchFamily="2" charset="2"/>
-              </a:rPr>
-              <a:t>파일 안에는 앱 구성 요소를 등록해야 하며 새로 만들어진 브로드캐스트 수신자도 앱 구성요소이므로 이 파일에 </a:t>
-            </a:r>
-            <a:r>
-              <a:rPr lang="ko-KR" altLang="en-US" b="1" dirty="0" smtClean="0">
-                <a:sym typeface="Wingdings" panose="05000000000000000000" pitchFamily="2" charset="2"/>
-              </a:rPr>
-              <a:t>자동으로 등록 됩니다</a:t>
-            </a:r>
-            <a:r>
-              <a:rPr lang="en-US" altLang="ko-KR" b="1" dirty="0" smtClean="0">
-                <a:sym typeface="Wingdings" panose="05000000000000000000" pitchFamily="2" charset="2"/>
-              </a:rPr>
-              <a:t>. </a:t>
-            </a:r>
-          </a:p>
-          <a:p>
-            <a:r>
-              <a:rPr lang="en-US" altLang="ko-KR" dirty="0" smtClean="0">
-                <a:sym typeface="Wingdings" panose="05000000000000000000" pitchFamily="2" charset="2"/>
-              </a:rPr>
-              <a:t>AndroidManifest.xml </a:t>
-            </a:r>
-            <a:r>
-              <a:rPr lang="ko-KR" altLang="en-US" dirty="0" smtClean="0">
-                <a:sym typeface="Wingdings" panose="05000000000000000000" pitchFamily="2" charset="2"/>
-              </a:rPr>
-              <a:t>파일을 열어 다음과 같이 </a:t>
-            </a:r>
-            <a:r>
-              <a:rPr lang="en-US" altLang="ko-KR" dirty="0" smtClean="0">
-                <a:solidFill>
-                  <a:srgbClr val="C00000"/>
-                </a:solidFill>
-                <a:sym typeface="Wingdings" panose="05000000000000000000" pitchFamily="2" charset="2"/>
-              </a:rPr>
-              <a:t>&lt;intent-filter&gt;</a:t>
-            </a:r>
-            <a:r>
-              <a:rPr lang="ko-KR" altLang="en-US" dirty="0" smtClean="0">
-                <a:solidFill>
-                  <a:srgbClr val="C00000"/>
-                </a:solidFill>
-                <a:sym typeface="Wingdings" panose="05000000000000000000" pitchFamily="2" charset="2"/>
-              </a:rPr>
-              <a:t>를 </a:t>
-            </a:r>
-            <a:r>
-              <a:rPr lang="ko-KR" altLang="en-US" dirty="0" smtClean="0">
-                <a:solidFill>
-                  <a:srgbClr val="C00000"/>
-                </a:solidFill>
-                <a:sym typeface="Wingdings" panose="05000000000000000000" pitchFamily="2" charset="2"/>
-              </a:rPr>
-              <a:t>직접</a:t>
-            </a:r>
-            <a:r>
-              <a:rPr lang="ko-KR" altLang="en-US" dirty="0" smtClean="0">
-                <a:solidFill>
-                  <a:srgbClr val="C00000"/>
-                </a:solidFill>
-                <a:sym typeface="Wingdings" panose="05000000000000000000" pitchFamily="2" charset="2"/>
-              </a:rPr>
-              <a:t> 추가 합니다</a:t>
-            </a:r>
-            <a:r>
-              <a:rPr lang="en-US" altLang="ko-KR" dirty="0" smtClean="0">
-                <a:solidFill>
-                  <a:srgbClr val="C00000"/>
-                </a:solidFill>
-                <a:sym typeface="Wingdings" panose="05000000000000000000" pitchFamily="2" charset="2"/>
-              </a:rPr>
-              <a:t>. </a:t>
-            </a:r>
-            <a:endParaRPr lang="en-US" altLang="ko-KR" dirty="0" smtClean="0">
-              <a:solidFill>
-                <a:srgbClr val="C00000"/>
-              </a:solidFill>
-              <a:sym typeface="Wingdings" panose="05000000000000000000" pitchFamily="2" charset="2"/>
-            </a:endParaRPr>
           </a:p>
           <a:p>
             <a:pPr lvl="1"/>
@@ -13954,13 +13885,7 @@
               <a:rPr lang="ko-KR" altLang="en-US" dirty="0" smtClean="0">
                 <a:sym typeface="Wingdings" panose="05000000000000000000" pitchFamily="2" charset="2"/>
               </a:rPr>
-              <a:t>데이터를 </a:t>
-            </a:r>
-            <a:r>
-              <a:rPr lang="ko-KR" altLang="en-US" dirty="0" smtClean="0">
-                <a:sym typeface="Wingdings" panose="05000000000000000000" pitchFamily="2" charset="2"/>
-              </a:rPr>
-              <a:t>확인하려면</a:t>
+              <a:t>데이터를 확인하려면</a:t>
             </a:r>
             <a:r>
               <a:rPr lang="en-US" altLang="ko-KR" dirty="0" smtClean="0">
@@ -17976,16 +17901,22 @@
               <a:t> 내용을 </a:t>
             </a:r>
             <a:r>
-              <a:rPr lang="en-US" altLang="ko-KR" dirty="0" smtClean="0">
+              <a:rPr lang="en-US" altLang="ko-KR" b="1" dirty="0" smtClean="0">
                 <a:sym typeface="Wingdings" panose="05000000000000000000" pitchFamily="2" charset="2"/>
               </a:rPr>
               <a:t>Logcat</a:t>
             </a:r>
             <a:r>
-              <a:rPr lang="ko-KR" altLang="en-US" dirty="0" smtClean="0">
-                <a:sym typeface="Wingdings" panose="05000000000000000000" pitchFamily="2" charset="2"/>
-              </a:rPr>
-              <a:t>이 아니라 사용자가 보는 화면에 나타내려고 합니다</a:t>
+              <a:rPr lang="ko-KR" altLang="en-US" b="1" dirty="0" smtClean="0">
+                <a:sym typeface="Wingdings" panose="05000000000000000000" pitchFamily="2" charset="2"/>
+              </a:rPr>
+              <a:t>이 아니라 사용자가 보는 화면</a:t>
+            </a:r>
+            <a:r>
+              <a:rPr lang="ko-KR" altLang="en-US" dirty="0" smtClean="0">
+                <a:sym typeface="Wingdings" panose="05000000000000000000" pitchFamily="2" charset="2"/>
+              </a:rPr>
+              <a:t>에 나타내려고 합니다</a:t>
             </a:r>
             <a:r>
               <a:rPr lang="en-US" altLang="ko-KR" dirty="0" smtClean="0">
@@ -17999,7 +17930,13 @@
               <a:rPr lang="ko-KR" altLang="en-US" dirty="0" smtClean="0">
                 <a:sym typeface="Wingdings" panose="05000000000000000000" pitchFamily="2" charset="2"/>
               </a:rPr>
-              <a:t>문제는 브로드캐스트 수신자는 화면이 없으므로</a:t>
+              <a:t>문제는 브로드캐스트 수신자는 </a:t>
+            </a:r>
+            <a:r>
+              <a:rPr lang="ko-KR" altLang="en-US" b="1" dirty="0" smtClean="0">
+                <a:sym typeface="Wingdings" panose="05000000000000000000" pitchFamily="2" charset="2"/>
+              </a:rPr>
+              <a:t>화면이 없으므로</a:t>
             </a:r>
             <a:r>
               <a:rPr lang="en-US" altLang="ko-KR" dirty="0" smtClean="0">
@@ -18052,22 +17989,28 @@
               <a:t>따라서 브로드캐스트 수신자에서 인텐트 객체를 만들고 </a:t>
             </a:r>
             <a:r>
-              <a:rPr lang="en-US" altLang="ko-KR" dirty="0" err="1" smtClean="0">
+              <a:rPr lang="en-US" altLang="ko-KR" b="1" dirty="0" err="1" smtClean="0">
                 <a:sym typeface="Wingdings" panose="05000000000000000000" pitchFamily="2" charset="2"/>
               </a:rPr>
               <a:t>startActivity</a:t>
             </a:r>
             <a:r>
-              <a:rPr lang="en-US" altLang="ko-KR" dirty="0" smtClean="0">
+              <a:rPr lang="en-US" altLang="ko-KR" b="1" dirty="0" smtClean="0">
                 <a:sym typeface="Wingdings" panose="05000000000000000000" pitchFamily="2" charset="2"/>
               </a:rPr>
               <a:t>() </a:t>
             </a:r>
             <a:r>
-              <a:rPr lang="ko-KR" altLang="en-US" dirty="0" smtClean="0">
-                <a:sym typeface="Wingdings" panose="05000000000000000000" pitchFamily="2" charset="2"/>
-              </a:rPr>
-              <a:t>메소드를 사용해 액티비티 쪽으로 인텐트 객체를 전달해야 합니다</a:t>
+              <a:rPr lang="ko-KR" altLang="en-US" b="1" dirty="0" smtClean="0">
+                <a:sym typeface="Wingdings" panose="05000000000000000000" pitchFamily="2" charset="2"/>
+              </a:rPr>
+              <a:t>메소드를 사용해 액티비티 쪽으로 인텐트 객체를 전달</a:t>
+            </a:r>
+            <a:r>
+              <a:rPr lang="ko-KR" altLang="en-US" dirty="0" smtClean="0">
+                <a:sym typeface="Wingdings" panose="05000000000000000000" pitchFamily="2" charset="2"/>
+              </a:rPr>
+              <a:t>해야 합니다</a:t>
             </a:r>
             <a:r>
               <a:rPr lang="en-US" altLang="ko-KR" dirty="0" smtClean="0">
@@ -18139,10 +18082,22 @@
               <a:rPr lang="ko-KR" altLang="en-US" dirty="0" smtClean="0">
                 <a:sym typeface="Wingdings" panose="05000000000000000000" pitchFamily="2" charset="2"/>
               </a:rPr>
-              <a:t>문자 내용을 화면에 보여 주려면 먼저 액티비티를 만듭니다</a:t>
-            </a:r>
-            <a:r>
-              <a:rPr lang="en-US" altLang="ko-KR" dirty="0" smtClean="0">
+              <a:t>문자 내용을 화면에 보여 주려면 먼저 </a:t>
+            </a:r>
+            <a:r>
+              <a:rPr lang="ko-KR" altLang="en-US" b="1" dirty="0" smtClean="0">
+                <a:solidFill>
+                  <a:srgbClr val="C00000"/>
+                </a:solidFill>
+                <a:sym typeface="Wingdings" panose="05000000000000000000" pitchFamily="2" charset="2"/>
+              </a:rPr>
+              <a:t>액티비티를 만듭니다</a:t>
+            </a:r>
+            <a:r>
+              <a:rPr lang="en-US" altLang="ko-KR" b="1" dirty="0" smtClean="0">
+                <a:solidFill>
+                  <a:srgbClr val="C00000"/>
+                </a:solidFill>
                 <a:sym typeface="Wingdings" panose="05000000000000000000" pitchFamily="2" charset="2"/>
               </a:rPr>
               <a:t>. </a:t>
@@ -18258,19 +18213,19 @@
               <a:t>레이아웃 파일 </a:t>
             </a:r>
             <a:r>
-              <a:rPr lang="en-US" altLang="ko-KR" dirty="0" smtClean="0">
+              <a:rPr lang="en-US" altLang="ko-KR" b="1" dirty="0" smtClean="0">
                 <a:sym typeface="Wingdings" panose="05000000000000000000" pitchFamily="2" charset="2"/>
               </a:rPr>
               <a:t>activity_sms.xml </a:t>
             </a:r>
             <a:r>
-              <a:rPr lang="ko-KR" altLang="en-US" dirty="0" smtClean="0">
+              <a:rPr lang="ko-KR" altLang="en-US" b="1" dirty="0" smtClean="0">
                 <a:sym typeface="Wingdings" panose="05000000000000000000" pitchFamily="2" charset="2"/>
               </a:rPr>
               <a:t>과 소스 파일 </a:t>
             </a:r>
             <a:r>
-              <a:rPr lang="en-US" altLang="ko-KR" dirty="0" smtClean="0">
+              <a:rPr lang="en-US" altLang="ko-KR" b="1" dirty="0" smtClean="0">
                 <a:sym typeface="Wingdings" panose="05000000000000000000" pitchFamily="2" charset="2"/>
               </a:rPr>
               <a:t>SmsActivity.java </a:t>
@@ -19097,8 +19052,8 @@
         </p:blipFill>
         <p:spPr>
           <a:xfrm>
-            <a:off x="767408" y="2791479"/>
-            <a:ext cx="7787999" cy="3918623"/>
+            <a:off x="983432" y="2900174"/>
+            <a:ext cx="7571975" cy="3809928"/>
           </a:xfrm>
           <a:prstGeom prst="rect">
             <a:avLst/>
@@ -19121,8 +19076,8 @@
         </p:blipFill>
         <p:spPr>
           <a:xfrm>
-            <a:off x="8882286" y="2812076"/>
-            <a:ext cx="2378374" cy="3898026"/>
+            <a:off x="8976320" y="2966192"/>
+            <a:ext cx="2284340" cy="3743909"/>
           </a:xfrm>
           <a:prstGeom prst="rect">
             <a:avLst/>
@@ -19298,6 +19253,17 @@
               <a:rPr lang="en-US" altLang="ko-KR" dirty="0" smtClean="0">
                 <a:sym typeface="Wingdings" panose="05000000000000000000" pitchFamily="2" charset="2"/>
               </a:rPr>
+              <a:t/>
+            </a:r>
+            <a:br>
+              <a:rPr lang="en-US" altLang="ko-KR" dirty="0" smtClean="0">
+                <a:sym typeface="Wingdings" panose="05000000000000000000" pitchFamily="2" charset="2"/>
+              </a:rPr>
+            </a:br>
+            <a:r>
+              <a:rPr lang="en-US" altLang="ko-KR" dirty="0" smtClean="0">
+                <a:sym typeface="Wingdings" panose="05000000000000000000" pitchFamily="2" charset="2"/>
+              </a:rPr>
               <a:t>onCreate() </a:t>
             </a:r>
             <a:r>
@@ -19313,19 +19279,19 @@
               <a:t> 안에서 </a:t>
             </a:r>
             <a:r>
-              <a:rPr lang="en-US" altLang="ko-KR" dirty="0" err="1" smtClean="0">
+              <a:rPr lang="en-US" altLang="ko-KR" b="1" dirty="0" err="1" smtClean="0">
                 <a:sym typeface="Wingdings" panose="05000000000000000000" pitchFamily="2" charset="2"/>
               </a:rPr>
               <a:t>getIntent</a:t>
             </a:r>
             <a:r>
-              <a:rPr lang="en-US" altLang="ko-KR" dirty="0" smtClean="0">
+              <a:rPr lang="en-US" altLang="ko-KR" b="1" dirty="0" smtClean="0">
                 <a:sym typeface="Wingdings" panose="05000000000000000000" pitchFamily="2" charset="2"/>
               </a:rPr>
               <a:t>() </a:t>
             </a:r>
             <a:r>
-              <a:rPr lang="ko-KR" altLang="en-US" dirty="0" smtClean="0">
+              <a:rPr lang="ko-KR" altLang="en-US" b="1" dirty="0" smtClean="0">
                 <a:sym typeface="Wingdings" panose="05000000000000000000" pitchFamily="2" charset="2"/>
               </a:rPr>
               <a:t>메소드를 호출하여 </a:t>
@@ -19354,10 +19320,63 @@
           </a:p>
           <a:p>
             <a:r>
+              <a:rPr lang="en-US" altLang="ko-KR" b="1" dirty="0" err="1" smtClean="0">
+                <a:solidFill>
+                  <a:srgbClr val="C00000"/>
+                </a:solidFill>
+                <a:sym typeface="Wingdings" panose="05000000000000000000" pitchFamily="2" charset="2"/>
+              </a:rPr>
+              <a:t>onNewIntent</a:t>
+            </a:r>
+            <a:r>
+              <a:rPr lang="en-US" altLang="ko-KR" b="1" dirty="0" smtClean="0">
+                <a:solidFill>
+                  <a:srgbClr val="C00000"/>
+                </a:solidFill>
+                <a:sym typeface="Wingdings" panose="05000000000000000000" pitchFamily="2" charset="2"/>
+              </a:rPr>
+              <a:t>() </a:t>
+            </a:r>
+            <a:r>
+              <a:rPr lang="ko-KR" altLang="en-US" b="1" dirty="0" smtClean="0">
+                <a:solidFill>
+                  <a:srgbClr val="C00000"/>
+                </a:solidFill>
+                <a:sym typeface="Wingdings" panose="05000000000000000000" pitchFamily="2" charset="2"/>
+              </a:rPr>
+              <a:t>메소드를 재정의하여</a:t>
+            </a:r>
+            <a:r>
+              <a:rPr lang="ko-KR" altLang="en-US" dirty="0" smtClean="0">
+                <a:sym typeface="Wingdings" panose="05000000000000000000" pitchFamily="2" charset="2"/>
+              </a:rPr>
+              <a:t> 이 액티비티가 이미 만들어져 있는 상태에서 전달받은 </a:t>
+            </a:r>
+            <a:r>
+              <a:rPr lang="ko-KR" altLang="en-US" dirty="0" err="1" smtClean="0">
+                <a:sym typeface="Wingdings" panose="05000000000000000000" pitchFamily="2" charset="2"/>
+              </a:rPr>
+              <a:t>인텐트도</a:t>
+            </a:r>
+            <a:r>
+              <a:rPr lang="ko-KR" altLang="en-US" dirty="0" smtClean="0">
+                <a:sym typeface="Wingdings" panose="05000000000000000000" pitchFamily="2" charset="2"/>
+              </a:rPr>
+              <a:t> 처리하도록 합니다</a:t>
+            </a:r>
+            <a:r>
+              <a:rPr lang="en-US" altLang="ko-KR" dirty="0" smtClean="0">
+                <a:sym typeface="Wingdings" panose="05000000000000000000" pitchFamily="2" charset="2"/>
+              </a:rPr>
+              <a:t>.</a:t>
+            </a:r>
+          </a:p>
+          <a:p>
+            <a:r>
               <a:rPr lang="en-US" altLang="ko-KR" dirty="0" err="1" smtClean="0">
                 <a:sym typeface="Wingdings" panose="05000000000000000000" pitchFamily="2" charset="2"/>
               </a:rPr>
-              <a:t>onNewIntent</a:t>
+              <a:t>processIntent</a:t>
             </a:r>
             <a:r>
               <a:rPr lang="en-US" altLang="ko-KR" dirty="0" smtClean="0">
@@ -19366,69 +19385,37 @@
               <a:t>() </a:t>
             </a:r>
             <a:r>
-              <a:rPr lang="ko-KR" altLang="en-US" dirty="0" smtClean="0">
-                <a:sym typeface="Wingdings" panose="05000000000000000000" pitchFamily="2" charset="2"/>
-              </a:rPr>
-              <a:t>메소드를 재정의하여 이 액티비티가 이미 만들어져 있는 상태에서 전달받은 </a:t>
-            </a:r>
-            <a:r>
               <a:rPr lang="ko-KR" altLang="en-US" dirty="0" err="1" smtClean="0">
                 <a:sym typeface="Wingdings" panose="05000000000000000000" pitchFamily="2" charset="2"/>
               </a:rPr>
-              <a:t>인텐트도</a:t>
-            </a:r>
-            <a:r>
-              <a:rPr lang="ko-KR" altLang="en-US" dirty="0" smtClean="0">
-                <a:sym typeface="Wingdings" panose="05000000000000000000" pitchFamily="2" charset="2"/>
-              </a:rPr>
-              <a:t> 처리하도록 합니다</a:t>
-            </a:r>
-            <a:r>
-              <a:rPr lang="en-US" altLang="ko-KR" dirty="0" smtClean="0">
-                <a:sym typeface="Wingdings" panose="05000000000000000000" pitchFamily="2" charset="2"/>
-              </a:rPr>
-              <a:t>.</a:t>
-            </a:r>
-          </a:p>
-          <a:p>
-            <a:r>
-              <a:rPr lang="en-US" altLang="ko-KR" dirty="0" err="1" smtClean="0">
-                <a:sym typeface="Wingdings" panose="05000000000000000000" pitchFamily="2" charset="2"/>
-              </a:rPr>
-              <a:t>processIntent</a:t>
-            </a:r>
-            <a:r>
-              <a:rPr lang="en-US" altLang="ko-KR" dirty="0" smtClean="0">
-                <a:sym typeface="Wingdings" panose="05000000000000000000" pitchFamily="2" charset="2"/>
-              </a:rPr>
-              <a:t>() </a:t>
-            </a:r>
-            <a:r>
-              <a:rPr lang="ko-KR" altLang="en-US" dirty="0" err="1" smtClean="0">
-                <a:sym typeface="Wingdings" panose="05000000000000000000" pitchFamily="2" charset="2"/>
-              </a:rPr>
               <a:t>메소드</a:t>
             </a:r>
             <a:r>
               <a:rPr lang="ko-KR" altLang="en-US" dirty="0" smtClean="0">
                 <a:sym typeface="Wingdings" panose="05000000000000000000" pitchFamily="2" charset="2"/>
               </a:rPr>
-              <a:t> 안에서는 인텐트 객체 안에 들어 있는 부가 데이터를 꺼내서 </a:t>
-            </a:r>
-            <a:r>
-              <a:rPr lang="ko-KR" altLang="en-US" dirty="0" err="1" smtClean="0">
+              <a:t> 안에서는 </a:t>
+            </a:r>
+            <a:r>
+              <a:rPr lang="ko-KR" altLang="en-US" b="1" dirty="0" smtClean="0">
+                <a:sym typeface="Wingdings" panose="05000000000000000000" pitchFamily="2" charset="2"/>
+              </a:rPr>
+              <a:t>인텐트 객체 안에 들어 있는 부가 데이터를 꺼내서 </a:t>
+            </a:r>
+            <a:r>
+              <a:rPr lang="ko-KR" altLang="en-US" b="1" dirty="0" err="1" smtClean="0">
                 <a:sym typeface="Wingdings" panose="05000000000000000000" pitchFamily="2" charset="2"/>
               </a:rPr>
               <a:t>입력상자에</a:t>
             </a:r>
             <a:r>
-              <a:rPr lang="ko-KR" altLang="en-US" dirty="0" smtClean="0">
+              <a:rPr lang="ko-KR" altLang="en-US" b="1" dirty="0" smtClean="0">
                 <a:sym typeface="Wingdings" panose="05000000000000000000" pitchFamily="2" charset="2"/>
               </a:rPr>
               <a:t> 설정합니다</a:t>
             </a:r>
             <a:r>
-              <a:rPr lang="en-US" altLang="ko-KR" dirty="0" smtClean="0">
+              <a:rPr lang="en-US" altLang="ko-KR" b="1" dirty="0" smtClean="0">
                 <a:sym typeface="Wingdings" panose="05000000000000000000" pitchFamily="2" charset="2"/>
               </a:rPr>
               <a:t>.</a:t>
@@ -19702,49 +19689,79 @@
               <a:buNone/>
             </a:pPr>
             <a:r>
-              <a:rPr lang="en-US" altLang="ko-KR" b="1" dirty="0" smtClean="0">
+              <a:rPr lang="en-US" altLang="ko-KR" b="1" dirty="0">
                 <a:sym typeface="Wingdings" panose="05000000000000000000" pitchFamily="2" charset="2"/>
               </a:rPr>
               <a:t>SmsActivity.java </a:t>
             </a:r>
             <a:r>
-              <a:rPr lang="ko-KR" altLang="en-US" b="1" dirty="0" smtClean="0">
+              <a:rPr lang="ko-KR" altLang="en-US" b="1" dirty="0">
                 <a:sym typeface="Wingdings" panose="05000000000000000000" pitchFamily="2" charset="2"/>
               </a:rPr>
               <a:t>코딩</a:t>
             </a:r>
             <a:r>
-              <a:rPr lang="en-US" altLang="ko-KR" b="1" dirty="0" smtClean="0">
+              <a:rPr lang="en-US" altLang="ko-KR" b="1" dirty="0">
                 <a:sym typeface="Wingdings" panose="05000000000000000000" pitchFamily="2" charset="2"/>
               </a:rPr>
               <a:t>:</a:t>
             </a:r>
             <a:r>
-              <a:rPr lang="en-US" altLang="ko-KR" dirty="0" smtClean="0">
+              <a:rPr lang="en-US" altLang="ko-KR" dirty="0">
                 <a:sym typeface="Wingdings" panose="05000000000000000000" pitchFamily="2" charset="2"/>
               </a:rPr>
               <a:t> </a:t>
             </a:r>
             <a:r>
-              <a:rPr lang="ko-KR" altLang="en-US" dirty="0" smtClean="0">
+              <a:rPr lang="ko-KR" altLang="en-US" dirty="0">
                 <a:sym typeface="Wingdings" panose="05000000000000000000" pitchFamily="2" charset="2"/>
               </a:rPr>
               <a:t>이제 수신한 </a:t>
             </a:r>
             <a:r>
-              <a:rPr lang="en-US" altLang="ko-KR" dirty="0" smtClean="0">
+              <a:rPr lang="en-US" altLang="ko-KR" dirty="0">
                 <a:sym typeface="Wingdings" panose="05000000000000000000" pitchFamily="2" charset="2"/>
               </a:rPr>
               <a:t>SMS </a:t>
             </a:r>
             <a:r>
-              <a:rPr lang="ko-KR" altLang="en-US" dirty="0" smtClean="0">
-                <a:sym typeface="Wingdings" panose="05000000000000000000" pitchFamily="2" charset="2"/>
-              </a:rPr>
-              <a:t>내용을 보여줄 소스 코드를 작성합니다</a:t>
-            </a:r>
-            <a:r>
-              <a:rPr lang="en-US" altLang="ko-KR" dirty="0" smtClean="0">
+              <a:rPr lang="ko-KR" altLang="en-US" dirty="0">
+                <a:sym typeface="Wingdings" panose="05000000000000000000" pitchFamily="2" charset="2"/>
+              </a:rPr>
+              <a:t>내용을 </a:t>
+            </a:r>
+            <a:r>
+              <a:rPr lang="en-US" altLang="ko-KR" dirty="0" err="1">
+                <a:sym typeface="Wingdings" panose="05000000000000000000" pitchFamily="2" charset="2"/>
+              </a:rPr>
+              <a:t>onNewIntent</a:t>
+            </a:r>
+            <a:r>
+              <a:rPr lang="en-US" altLang="ko-KR" dirty="0">
+                <a:sym typeface="Wingdings" panose="05000000000000000000" pitchFamily="2" charset="2"/>
+              </a:rPr>
+              <a:t>()</a:t>
+            </a:r>
+            <a:r>
+              <a:rPr lang="ko-KR" altLang="en-US" dirty="0">
+                <a:sym typeface="Wingdings" panose="05000000000000000000" pitchFamily="2" charset="2"/>
+              </a:rPr>
+              <a:t>로</a:t>
+            </a:r>
+            <a:r>
+              <a:rPr lang="en-US" altLang="ko-KR" dirty="0">
+                <a:sym typeface="Wingdings" panose="05000000000000000000" pitchFamily="2" charset="2"/>
+              </a:rPr>
+              <a:t> </a:t>
+            </a:r>
+            <a:r>
+              <a:rPr lang="ko-KR" altLang="en-US" dirty="0">
+                <a:sym typeface="Wingdings" panose="05000000000000000000" pitchFamily="2" charset="2"/>
+              </a:rPr>
+              <a:t>받아서 보여주는 소스 코드를 작성합니다</a:t>
+            </a:r>
+            <a:r>
+              <a:rPr lang="en-US" altLang="ko-KR" dirty="0">
                 <a:sym typeface="Wingdings" panose="05000000000000000000" pitchFamily="2" charset="2"/>
               </a:rPr>
               <a:t>. </a:t>
@@ -19854,7 +19871,7 @@
         <p:spPr>
           <a:xfrm>
             <a:off x="397825" y="1268760"/>
-            <a:ext cx="11303387" cy="4770537"/>
+            <a:ext cx="11303387" cy="5355312"/>
           </a:xfrm>
           <a:prstGeom prst="rect">
             <a:avLst/>
@@ -19879,38 +19896,50 @@
           <a:lstStyle/>
           <a:p>
             <a:r>
-              <a:rPr lang="en-US" altLang="ko-KR" sz="1600" dirty="0">
-                <a:latin typeface="Consolas" panose="020B0609020204030204" pitchFamily="49" charset="0"/>
-              </a:rPr>
-              <a:t>public class SmsActivity extends AppCompatActivity {</a:t>
-            </a:r>
-          </a:p>
-          <a:p>
-            <a:r>
-              <a:rPr lang="en-US" altLang="ko-KR" sz="1600" dirty="0">
+              <a:rPr lang="en-US" altLang="ko-KR" dirty="0">
+                <a:latin typeface="Consolas" panose="020B0609020204030204" pitchFamily="49" charset="0"/>
+              </a:rPr>
+              <a:t>public class </a:t>
+            </a:r>
+            <a:r>
+              <a:rPr lang="en-US" altLang="ko-KR" b="1" dirty="0">
+                <a:latin typeface="Consolas" panose="020B0609020204030204" pitchFamily="49" charset="0"/>
+              </a:rPr>
+              <a:t>SmsActivity</a:t>
+            </a:r>
+            <a:r>
+              <a:rPr lang="en-US" altLang="ko-KR" dirty="0">
+                <a:latin typeface="Consolas" panose="020B0609020204030204" pitchFamily="49" charset="0"/>
+              </a:rPr>
+              <a:t> extends AppCompatActivity {</a:t>
+            </a:r>
+          </a:p>
+          <a:p>
+            <a:r>
+              <a:rPr lang="en-US" altLang="ko-KR" dirty="0">
                 <a:latin typeface="Consolas" panose="020B0609020204030204" pitchFamily="49" charset="0"/>
               </a:rPr>
               <a:t>    EditText </a:t>
             </a:r>
             <a:r>
-              <a:rPr lang="en-US" altLang="ko-KR" sz="1600" dirty="0" err="1" smtClean="0">
+              <a:rPr lang="en-US" altLang="ko-KR" dirty="0" err="1" smtClean="0">
                 <a:latin typeface="Consolas" panose="020B0609020204030204" pitchFamily="49" charset="0"/>
               </a:rPr>
               <a:t>EditText</a:t>
             </a:r>
             <a:r>
-              <a:rPr lang="en-US" altLang="ko-KR" sz="1600" dirty="0" smtClean="0">
+              <a:rPr lang="en-US" altLang="ko-KR" dirty="0" smtClean="0">
                 <a:latin typeface="Consolas" panose="020B0609020204030204" pitchFamily="49" charset="0"/>
               </a:rPr>
               <a:t>, editText2, editText3;</a:t>
             </a:r>
-            <a:endParaRPr lang="en-US" altLang="ko-KR" sz="1600" dirty="0">
+            <a:endParaRPr lang="en-US" altLang="ko-KR" dirty="0">
               <a:latin typeface="Consolas" panose="020B0609020204030204" pitchFamily="49" charset="0"/>
             </a:endParaRPr>
           </a:p>
           <a:p>
             <a:r>
-              <a:rPr lang="en-US" altLang="ko-KR" sz="1600" dirty="0">
+              <a:rPr lang="en-US" altLang="ko-KR" dirty="0">
                 <a:latin typeface="Consolas" panose="020B0609020204030204" pitchFamily="49" charset="0"/>
               </a:rPr>
               <a:t>    @Override</a:t>
@@ -19918,15 +19947,30 @@
           </a:p>
           <a:p>
             <a:r>
-              <a:rPr lang="en-US" altLang="ko-KR" sz="1600" dirty="0">
-                <a:latin typeface="Consolas" panose="020B0609020204030204" pitchFamily="49" charset="0"/>
-              </a:rPr>
-              <a:t>    protected void onCreate(Bundle savedInstanceState) {</a:t>
-            </a:r>
-          </a:p>
-          <a:p>
-            <a:r>
-              <a:rPr lang="en-US" altLang="ko-KR" sz="1600" dirty="0">
+              <a:rPr lang="en-US" altLang="ko-KR" dirty="0">
+                <a:latin typeface="Consolas" panose="020B0609020204030204" pitchFamily="49" charset="0"/>
+              </a:rPr>
+              <a:t>    protected void </a:t>
+            </a:r>
+            <a:r>
+              <a:rPr lang="en-US" altLang="ko-KR" b="1" dirty="0">
+                <a:solidFill>
+                  <a:srgbClr val="C00000"/>
+                </a:solidFill>
+                <a:latin typeface="Consolas" panose="020B0609020204030204" pitchFamily="49" charset="0"/>
+              </a:rPr>
+              <a:t>onCreate(</a:t>
+            </a:r>
+            <a:r>
+              <a:rPr lang="en-US" altLang="ko-KR" dirty="0">
+                <a:latin typeface="Consolas" panose="020B0609020204030204" pitchFamily="49" charset="0"/>
+              </a:rPr>
+              <a:t>Bundle savedInstanceState) {</a:t>
+            </a:r>
+          </a:p>
+          <a:p>
+            <a:r>
+              <a:rPr lang="en-US" altLang="ko-KR" dirty="0">
                 <a:latin typeface="Consolas" panose="020B0609020204030204" pitchFamily="49" charset="0"/>
               </a:rPr>
               <a:t>        super.onCreate(savedInstanceState);</a:t>
@@ -19934,56 +19978,56 @@
           </a:p>
           <a:p>
             <a:r>
-              <a:rPr lang="en-US" altLang="ko-KR" sz="1600" dirty="0">
+              <a:rPr lang="en-US" altLang="ko-KR" dirty="0">
                 <a:latin typeface="Consolas" panose="020B0609020204030204" pitchFamily="49" charset="0"/>
               </a:rPr>
               <a:t>        setContentView(</a:t>
             </a:r>
             <a:r>
-              <a:rPr lang="en-US" altLang="ko-KR" sz="1600" dirty="0" err="1">
+              <a:rPr lang="en-US" altLang="ko-KR" dirty="0" err="1">
                 <a:latin typeface="Consolas" panose="020B0609020204030204" pitchFamily="49" charset="0"/>
               </a:rPr>
               <a:t>R.layout.activity_sms</a:t>
             </a:r>
             <a:r>
-              <a:rPr lang="en-US" altLang="ko-KR" sz="1600" dirty="0" smtClean="0">
+              <a:rPr lang="en-US" altLang="ko-KR" dirty="0" smtClean="0">
                 <a:latin typeface="Consolas" panose="020B0609020204030204" pitchFamily="49" charset="0"/>
               </a:rPr>
               <a:t>);</a:t>
             </a:r>
           </a:p>
           <a:p>
-            <a:endParaRPr lang="en-US" altLang="ko-KR" sz="1600" dirty="0">
+            <a:endParaRPr lang="en-US" altLang="ko-KR" dirty="0">
               <a:latin typeface="Consolas" panose="020B0609020204030204" pitchFamily="49" charset="0"/>
             </a:endParaRPr>
           </a:p>
           <a:p>
             <a:r>
-              <a:rPr lang="en-US" altLang="ko-KR" sz="1600" dirty="0">
+              <a:rPr lang="en-US" altLang="ko-KR" dirty="0">
                 <a:latin typeface="Consolas" panose="020B0609020204030204" pitchFamily="49" charset="0"/>
               </a:rPr>
               <a:t>        </a:t>
             </a:r>
             <a:r>
-              <a:rPr lang="en-US" altLang="ko-KR" sz="1600" dirty="0" err="1">
+              <a:rPr lang="en-US" altLang="ko-KR" dirty="0" err="1">
                 <a:latin typeface="Consolas" panose="020B0609020204030204" pitchFamily="49" charset="0"/>
               </a:rPr>
               <a:t>editText</a:t>
             </a:r>
             <a:r>
-              <a:rPr lang="en-US" altLang="ko-KR" sz="1600" dirty="0">
+              <a:rPr lang="en-US" altLang="ko-KR" dirty="0">
                 <a:latin typeface="Consolas" panose="020B0609020204030204" pitchFamily="49" charset="0"/>
               </a:rPr>
               <a:t> = findViewById(</a:t>
             </a:r>
             <a:r>
-              <a:rPr lang="en-US" altLang="ko-KR" sz="1600" dirty="0" err="1">
+              <a:rPr lang="en-US" altLang="ko-KR" dirty="0" err="1">
                 <a:latin typeface="Consolas" panose="020B0609020204030204" pitchFamily="49" charset="0"/>
               </a:rPr>
               <a:t>R.id.editText</a:t>
             </a:r>
             <a:r>
-              <a:rPr lang="en-US" altLang="ko-KR" sz="1600" dirty="0">
+              <a:rPr lang="en-US" altLang="ko-KR" dirty="0">
                 <a:latin typeface="Consolas" panose="020B0609020204030204" pitchFamily="49" charset="0"/>
               </a:rPr>
               <a:t>);</a:t>
@@ -19991,7 +20035,7 @@
           </a:p>
           <a:p>
             <a:r>
-              <a:rPr lang="en-US" altLang="ko-KR" sz="1600" dirty="0">
+              <a:rPr lang="en-US" altLang="ko-KR" dirty="0">
                 <a:latin typeface="Consolas" panose="020B0609020204030204" pitchFamily="49" charset="0"/>
               </a:rPr>
               <a:t>        editText2 = findViewById(R.id.editText2);</a:t>
@@ -19999,50 +20043,50 @@
           </a:p>
           <a:p>
             <a:r>
-              <a:rPr lang="en-US" altLang="ko-KR" sz="1600" dirty="0">
+              <a:rPr lang="en-US" altLang="ko-KR" dirty="0">
                 <a:latin typeface="Consolas" panose="020B0609020204030204" pitchFamily="49" charset="0"/>
               </a:rPr>
               <a:t>        editText3 = findViewById(R.id.editText3</a:t>
             </a:r>
             <a:r>
-              <a:rPr lang="en-US" altLang="ko-KR" sz="1600" dirty="0" smtClean="0">
+              <a:rPr lang="en-US" altLang="ko-KR" dirty="0" smtClean="0">
                 <a:latin typeface="Consolas" panose="020B0609020204030204" pitchFamily="49" charset="0"/>
               </a:rPr>
               <a:t>);</a:t>
             </a:r>
           </a:p>
           <a:p>
-            <a:endParaRPr lang="en-US" altLang="ko-KR" sz="1600" dirty="0">
+            <a:endParaRPr lang="en-US" altLang="ko-KR" dirty="0">
               <a:latin typeface="Consolas" panose="020B0609020204030204" pitchFamily="49" charset="0"/>
             </a:endParaRPr>
           </a:p>
           <a:p>
             <a:r>
-              <a:rPr lang="en-US" altLang="ko-KR" sz="1600" dirty="0">
+              <a:rPr lang="en-US" altLang="ko-KR" dirty="0">
                 <a:latin typeface="Consolas" panose="020B0609020204030204" pitchFamily="49" charset="0"/>
               </a:rPr>
               <a:t>        Button </a:t>
             </a:r>
             <a:r>
-              <a:rPr lang="en-US" altLang="ko-KR" sz="1600" dirty="0" err="1">
+              <a:rPr lang="en-US" altLang="ko-KR" dirty="0" err="1">
                 <a:latin typeface="Consolas" panose="020B0609020204030204" pitchFamily="49" charset="0"/>
               </a:rPr>
               <a:t>button</a:t>
             </a:r>
             <a:r>
-              <a:rPr lang="en-US" altLang="ko-KR" sz="1600" dirty="0">
+              <a:rPr lang="en-US" altLang="ko-KR" dirty="0">
                 <a:latin typeface="Consolas" panose="020B0609020204030204" pitchFamily="49" charset="0"/>
               </a:rPr>
               <a:t> = findViewById(</a:t>
             </a:r>
             <a:r>
-              <a:rPr lang="en-US" altLang="ko-KR" sz="1600" dirty="0" err="1">
+              <a:rPr lang="en-US" altLang="ko-KR" dirty="0" err="1">
                 <a:latin typeface="Consolas" panose="020B0609020204030204" pitchFamily="49" charset="0"/>
               </a:rPr>
               <a:t>R.id.button</a:t>
             </a:r>
             <a:r>
-              <a:rPr lang="en-US" altLang="ko-KR" sz="1600" dirty="0">
+              <a:rPr lang="en-US" altLang="ko-KR" dirty="0">
                 <a:latin typeface="Consolas" panose="020B0609020204030204" pitchFamily="49" charset="0"/>
               </a:rPr>
               <a:t>);</a:t>
@@ -20050,31 +20094,31 @@
           </a:p>
           <a:p>
             <a:r>
-              <a:rPr lang="en-US" altLang="ko-KR" sz="1600" dirty="0">
+              <a:rPr lang="en-US" altLang="ko-KR" dirty="0">
                 <a:latin typeface="Consolas" panose="020B0609020204030204" pitchFamily="49" charset="0"/>
               </a:rPr>
               <a:t>        </a:t>
             </a:r>
             <a:r>
-              <a:rPr lang="en-US" altLang="ko-KR" sz="1600" dirty="0" err="1">
+              <a:rPr lang="en-US" altLang="ko-KR" dirty="0" err="1">
                 <a:latin typeface="Consolas" panose="020B0609020204030204" pitchFamily="49" charset="0"/>
               </a:rPr>
               <a:t>button.setOnClickListener</a:t>
             </a:r>
             <a:r>
-              <a:rPr lang="en-US" altLang="ko-KR" sz="1600" dirty="0">
+              <a:rPr lang="en-US" altLang="ko-KR" dirty="0">
                 <a:latin typeface="Consolas" panose="020B0609020204030204" pitchFamily="49" charset="0"/>
               </a:rPr>
               <a:t>(new </a:t>
             </a:r>
             <a:r>
-              <a:rPr lang="en-US" altLang="ko-KR" sz="1600" dirty="0" err="1">
+              <a:rPr lang="en-US" altLang="ko-KR" dirty="0" err="1">
                 <a:latin typeface="Consolas" panose="020B0609020204030204" pitchFamily="49" charset="0"/>
               </a:rPr>
               <a:t>View.OnClickListener</a:t>
             </a:r>
             <a:r>
-              <a:rPr lang="en-US" altLang="ko-KR" sz="1600" dirty="0">
+              <a:rPr lang="en-US" altLang="ko-KR" dirty="0">
                 <a:latin typeface="Consolas" panose="020B0609020204030204" pitchFamily="49" charset="0"/>
               </a:rPr>
               <a:t>() {</a:t>
@@ -20082,7 +20126,7 @@
           </a:p>
           <a:p>
             <a:r>
-              <a:rPr lang="en-US" altLang="ko-KR" sz="1600" dirty="0">
+              <a:rPr lang="en-US" altLang="ko-KR" dirty="0">
                 <a:latin typeface="Consolas" panose="020B0609020204030204" pitchFamily="49" charset="0"/>
               </a:rPr>
               <a:t>            @Override</a:t>
@@ -20090,79 +20134,67 @@
           </a:p>
           <a:p>
             <a:r>
-              <a:rPr lang="en-US" altLang="ko-KR" sz="1600" dirty="0">
+              <a:rPr lang="en-US" altLang="ko-KR" dirty="0">
                 <a:latin typeface="Consolas" panose="020B0609020204030204" pitchFamily="49" charset="0"/>
               </a:rPr>
               <a:t>            public void onClick(View view) </a:t>
             </a:r>
             <a:r>
-              <a:rPr lang="en-US" altLang="ko-KR" sz="1600" dirty="0" smtClean="0">
-                <a:latin typeface="Consolas" panose="020B0609020204030204" pitchFamily="49" charset="0"/>
-              </a:rPr>
-              <a:t>{  </a:t>
-            </a:r>
-            <a:r>
-              <a:rPr lang="en-US" altLang="ko-KR" sz="1600" dirty="0">
-                <a:latin typeface="Consolas" panose="020B0609020204030204" pitchFamily="49" charset="0"/>
-              </a:rPr>
-              <a:t>finish</a:t>
-            </a:r>
-            <a:r>
-              <a:rPr lang="en-US" altLang="ko-KR" sz="1600" dirty="0" smtClean="0">
-                <a:latin typeface="Consolas" panose="020B0609020204030204" pitchFamily="49" charset="0"/>
-              </a:rPr>
-              <a:t>();  }</a:t>
-            </a:r>
-            <a:endParaRPr lang="en-US" altLang="ko-KR" sz="1600" dirty="0">
+              <a:rPr lang="en-US" altLang="ko-KR" dirty="0" smtClean="0">
+                <a:latin typeface="Consolas" panose="020B0609020204030204" pitchFamily="49" charset="0"/>
+              </a:rPr>
+              <a:t>{  _______________  }</a:t>
+            </a:r>
+            <a:endParaRPr lang="en-US" altLang="ko-KR" dirty="0">
               <a:latin typeface="Consolas" panose="020B0609020204030204" pitchFamily="49" charset="0"/>
             </a:endParaRPr>
           </a:p>
           <a:p>
             <a:r>
-              <a:rPr lang="en-US" altLang="ko-KR" sz="1600" dirty="0">
+              <a:rPr lang="en-US" altLang="ko-KR" dirty="0">
                 <a:latin typeface="Consolas" panose="020B0609020204030204" pitchFamily="49" charset="0"/>
               </a:rPr>
               <a:t>        </a:t>
             </a:r>
             <a:r>
-              <a:rPr lang="en-US" altLang="ko-KR" sz="1600" dirty="0" smtClean="0">
+              <a:rPr lang="en-US" altLang="ko-KR" dirty="0" smtClean="0">
                 <a:latin typeface="Consolas" panose="020B0609020204030204" pitchFamily="49" charset="0"/>
               </a:rPr>
               <a:t>});</a:t>
             </a:r>
           </a:p>
           <a:p>
-            <a:endParaRPr lang="en-US" altLang="ko-KR" sz="1600" dirty="0">
+            <a:endParaRPr lang="en-US" altLang="ko-KR" dirty="0">
               <a:latin typeface="Consolas" panose="020B0609020204030204" pitchFamily="49" charset="0"/>
             </a:endParaRPr>
           </a:p>
           <a:p>
             <a:r>
-              <a:rPr lang="en-US" altLang="ko-KR" sz="1600" dirty="0" smtClean="0">
+              <a:rPr lang="en-US" altLang="ko-KR" dirty="0" smtClean="0">
                 <a:latin typeface="Consolas" panose="020B0609020204030204" pitchFamily="49" charset="0"/>
               </a:rPr>
               <a:t>        </a:t>
             </a:r>
             <a:r>
-              <a:rPr lang="en-US" altLang="ko-KR" sz="1600" dirty="0" err="1" smtClean="0">
+              <a:rPr lang="en-US" altLang="ko-KR" dirty="0" err="1" smtClean="0">
                 <a:latin typeface="Consolas" panose="020B0609020204030204" pitchFamily="49" charset="0"/>
               </a:rPr>
               <a:t>processIntent</a:t>
             </a:r>
             <a:r>
-              <a:rPr lang="en-US" altLang="ko-KR" sz="1600" dirty="0" smtClean="0">
+              <a:rPr lang="en-US" altLang="ko-KR" dirty="0" smtClean="0">
                 <a:latin typeface="Consolas" panose="020B0609020204030204" pitchFamily="49" charset="0"/>
               </a:rPr>
               <a:t>(</a:t>
             </a:r>
             <a:r>
-              <a:rPr lang="en-US" altLang="ko-KR" sz="1600" dirty="0" err="1" smtClean="0">
+              <a:rPr lang="en-US" altLang="ko-KR" dirty="0" err="1" smtClean="0">
                 <a:latin typeface="Consolas" panose="020B0609020204030204" pitchFamily="49" charset="0"/>
               </a:rPr>
               <a:t>getIntent</a:t>
             </a:r>
             <a:r>
-              <a:rPr lang="en-US" altLang="ko-KR" sz="1600" dirty="0">
+              <a:rPr lang="en-US" altLang="ko-KR" dirty="0">
                 <a:latin typeface="Consolas" panose="020B0609020204030204" pitchFamily="49" charset="0"/>
               </a:rPr>
               <a:t>());</a:t>
@@ -20170,30 +20202,30 @@
           </a:p>
           <a:p>
             <a:r>
-              <a:rPr lang="en-US" altLang="ko-KR" sz="1600" dirty="0">
+              <a:rPr lang="en-US" altLang="ko-KR" dirty="0">
                 <a:latin typeface="Consolas" panose="020B0609020204030204" pitchFamily="49" charset="0"/>
               </a:rPr>
               <a:t>    </a:t>
             </a:r>
             <a:r>
-              <a:rPr lang="en-US" altLang="ko-KR" sz="1600" dirty="0" smtClean="0">
+              <a:rPr lang="en-US" altLang="ko-KR" dirty="0" smtClean="0">
                 <a:latin typeface="Consolas" panose="020B0609020204030204" pitchFamily="49" charset="0"/>
               </a:rPr>
               <a:t>} // </a:t>
             </a:r>
             <a:r>
-              <a:rPr lang="ko-KR" altLang="en-US" sz="1600" dirty="0" smtClean="0">
+              <a:rPr lang="ko-KR" altLang="en-US" dirty="0" smtClean="0">
                 <a:latin typeface="Consolas" panose="020B0609020204030204" pitchFamily="49" charset="0"/>
               </a:rPr>
               <a:t>여기 밑에 계속 코딩합니다</a:t>
             </a:r>
             <a:r>
-              <a:rPr lang="en-US" altLang="ko-KR" sz="1600" dirty="0" smtClean="0">
+              <a:rPr lang="en-US" altLang="ko-KR" dirty="0" smtClean="0">
                 <a:latin typeface="Consolas" panose="020B0609020204030204" pitchFamily="49" charset="0"/>
               </a:rPr>
               <a:t>. </a:t>
             </a:r>
-            <a:endParaRPr lang="en-US" altLang="ko-KR" sz="1600" dirty="0">
+            <a:endParaRPr lang="en-US" altLang="ko-KR" dirty="0">
               <a:latin typeface="Consolas" panose="020B0609020204030204" pitchFamily="49" charset="0"/>
             </a:endParaRPr>
           </a:p>
@@ -20207,7 +20239,7 @@
         </p:nvSpPr>
         <p:spPr>
           <a:xfrm>
-            <a:off x="4799856" y="5373216"/>
+            <a:off x="5091030" y="5918539"/>
             <a:ext cx="6007363" cy="338554"/>
           </a:xfrm>
           <a:prstGeom prst="rect">
@@ -20422,7 +20454,37 @@
               <a:rPr lang="ko-KR" altLang="en-US" dirty="0" smtClean="0">
                 <a:sym typeface="Wingdings" panose="05000000000000000000" pitchFamily="2" charset="2"/>
               </a:rPr>
-              <a:t>내용을 보여줄 소스 코드를 작성합니다</a:t>
+              <a:t>내용을 </a:t>
+            </a:r>
+            <a:r>
+              <a:rPr lang="en-US" altLang="ko-KR" dirty="0" err="1" smtClean="0">
+                <a:sym typeface="Wingdings" panose="05000000000000000000" pitchFamily="2" charset="2"/>
+              </a:rPr>
+              <a:t>onNewIntent</a:t>
+            </a:r>
+            <a:r>
+              <a:rPr lang="en-US" altLang="ko-KR" dirty="0" smtClean="0">
+                <a:sym typeface="Wingdings" panose="05000000000000000000" pitchFamily="2" charset="2"/>
+              </a:rPr>
+              <a:t>()</a:t>
+            </a:r>
+            <a:r>
+              <a:rPr lang="ko-KR" altLang="en-US" dirty="0" smtClean="0">
+                <a:sym typeface="Wingdings" panose="05000000000000000000" pitchFamily="2" charset="2"/>
+              </a:rPr>
+              <a:t>로</a:t>
+            </a:r>
+            <a:r>
+              <a:rPr lang="en-US" altLang="ko-KR" dirty="0" smtClean="0">
+                <a:sym typeface="Wingdings" panose="05000000000000000000" pitchFamily="2" charset="2"/>
+              </a:rPr>
+              <a:t> </a:t>
+            </a:r>
+            <a:r>
+              <a:rPr lang="ko-KR" altLang="en-US" dirty="0" smtClean="0">
+                <a:sym typeface="Wingdings" panose="05000000000000000000" pitchFamily="2" charset="2"/>
+              </a:rPr>
+              <a:t>받아서 보여주는 소스 코드를 작성합니다</a:t>
             </a:r>
             <a:r>
               <a:rPr lang="en-US" altLang="ko-KR" dirty="0" smtClean="0">
@@ -20535,7 +20597,7 @@
         <p:spPr>
           <a:xfrm>
             <a:off x="397825" y="1268760"/>
-            <a:ext cx="11303387" cy="4031873"/>
+            <a:ext cx="11303387" cy="5078313"/>
           </a:xfrm>
           <a:prstGeom prst="rect">
             <a:avLst/>
@@ -20560,13 +20622,13 @@
           <a:lstStyle/>
           <a:p>
             <a:r>
-              <a:rPr lang="en-US" altLang="ko-KR" sz="1600" dirty="0" smtClean="0">
+              <a:rPr lang="en-US" altLang="ko-KR" dirty="0" smtClean="0">
                 <a:latin typeface="Consolas" panose="020B0609020204030204" pitchFamily="49" charset="0"/>
               </a:rPr>
               <a:t>    @</a:t>
             </a:r>
             <a:r>
-              <a:rPr lang="en-US" altLang="ko-KR" sz="1600" dirty="0">
+              <a:rPr lang="en-US" altLang="ko-KR" dirty="0">
                 <a:latin typeface="Consolas" panose="020B0609020204030204" pitchFamily="49" charset="0"/>
               </a:rPr>
               <a:t>Override</a:t>
@@ -20574,25 +20636,31 @@
           </a:p>
           <a:p>
             <a:r>
-              <a:rPr lang="en-US" altLang="ko-KR" sz="1600" dirty="0">
+              <a:rPr lang="en-US" altLang="ko-KR" dirty="0">
                 <a:latin typeface="Consolas" panose="020B0609020204030204" pitchFamily="49" charset="0"/>
               </a:rPr>
               <a:t>    protected void </a:t>
             </a:r>
             <a:r>
-              <a:rPr lang="en-US" altLang="ko-KR" sz="1600" dirty="0" err="1">
-                <a:latin typeface="Consolas" panose="020B0609020204030204" pitchFamily="49" charset="0"/>
-              </a:rPr>
-              <a:t>onNewIntent</a:t>
-            </a:r>
-            <a:r>
-              <a:rPr lang="en-US" altLang="ko-KR" sz="1600" dirty="0">
-                <a:latin typeface="Consolas" panose="020B0609020204030204" pitchFamily="49" charset="0"/>
-              </a:rPr>
-              <a:t>(Intent intent) </a:t>
-            </a:r>
-            <a:r>
-              <a:rPr lang="en-US" altLang="ko-KR" sz="1600" dirty="0" smtClean="0">
+              <a:rPr lang="en-US" altLang="ko-KR" b="1" dirty="0" smtClean="0">
+                <a:latin typeface="Consolas" panose="020B0609020204030204" pitchFamily="49" charset="0"/>
+              </a:rPr>
+              <a:t>_________________________</a:t>
+            </a:r>
+            <a:r>
+              <a:rPr lang="en-US" altLang="ko-KR" dirty="0" smtClean="0">
+                <a:latin typeface="Consolas" panose="020B0609020204030204" pitchFamily="49" charset="0"/>
+              </a:rPr>
+              <a:t>(</a:t>
+            </a:r>
+            <a:r>
+              <a:rPr lang="en-US" altLang="ko-KR" dirty="0">
+                <a:latin typeface="Consolas" panose="020B0609020204030204" pitchFamily="49" charset="0"/>
+              </a:rPr>
+              <a:t>Intent intent) </a:t>
+            </a:r>
+            <a:r>
+              <a:rPr lang="en-US" altLang="ko-KR" dirty="0" smtClean="0">
                 <a:latin typeface="Consolas" panose="020B0609020204030204" pitchFamily="49" charset="0"/>
               </a:rPr>
               <a:t>{</a:t>
@@ -20600,31 +20668,31 @@
           </a:p>
           <a:p>
             <a:r>
-              <a:rPr lang="en-US" altLang="ko-KR" sz="1600" dirty="0">
+              <a:rPr lang="en-US" altLang="ko-KR" dirty="0">
                 <a:latin typeface="Consolas" panose="020B0609020204030204" pitchFamily="49" charset="0"/>
               </a:rPr>
               <a:t> </a:t>
             </a:r>
             <a:r>
-              <a:rPr lang="en-US" altLang="ko-KR" sz="1600" dirty="0" smtClean="0">
+              <a:rPr lang="en-US" altLang="ko-KR" dirty="0" smtClean="0">
                 <a:latin typeface="Consolas" panose="020B0609020204030204" pitchFamily="49" charset="0"/>
               </a:rPr>
               <a:t>       </a:t>
             </a:r>
             <a:r>
-              <a:rPr lang="en-US" altLang="ko-KR" sz="1600" dirty="0" err="1" smtClean="0">
+              <a:rPr lang="en-US" altLang="ko-KR" dirty="0" err="1" smtClean="0">
                 <a:latin typeface="Consolas" panose="020B0609020204030204" pitchFamily="49" charset="0"/>
               </a:rPr>
               <a:t>super.onNewIntent</a:t>
             </a:r>
             <a:r>
-              <a:rPr lang="en-US" altLang="ko-KR" sz="1600" dirty="0" smtClean="0">
+              <a:rPr lang="en-US" altLang="ko-KR" dirty="0" smtClean="0">
                 <a:latin typeface="Consolas" panose="020B0609020204030204" pitchFamily="49" charset="0"/>
               </a:rPr>
               <a:t>(intent</a:t>
             </a:r>
             <a:r>
-              <a:rPr lang="en-US" altLang="ko-KR" sz="1600" dirty="0">
+              <a:rPr lang="en-US" altLang="ko-KR" dirty="0">
                 <a:latin typeface="Consolas" panose="020B0609020204030204" pitchFamily="49" charset="0"/>
               </a:rPr>
               <a:t>);</a:t>
@@ -20632,61 +20700,61 @@
           </a:p>
           <a:p>
             <a:r>
-              <a:rPr lang="en-US" altLang="ko-KR" sz="1600" dirty="0">
+              <a:rPr lang="en-US" altLang="ko-KR" dirty="0">
                 <a:latin typeface="Consolas" panose="020B0609020204030204" pitchFamily="49" charset="0"/>
               </a:rPr>
               <a:t>        </a:t>
             </a:r>
             <a:r>
-              <a:rPr lang="en-US" altLang="ko-KR" sz="1600" dirty="0" err="1">
+              <a:rPr lang="en-US" altLang="ko-KR" dirty="0" err="1">
                 <a:latin typeface="Consolas" panose="020B0609020204030204" pitchFamily="49" charset="0"/>
               </a:rPr>
               <a:t>processIntent</a:t>
             </a:r>
             <a:r>
-              <a:rPr lang="en-US" altLang="ko-KR" sz="1600" dirty="0">
+              <a:rPr lang="en-US" altLang="ko-KR" dirty="0">
                 <a:latin typeface="Consolas" panose="020B0609020204030204" pitchFamily="49" charset="0"/>
               </a:rPr>
               <a:t>(intent</a:t>
             </a:r>
             <a:r>
-              <a:rPr lang="en-US" altLang="ko-KR" sz="1600" dirty="0" smtClean="0">
+              <a:rPr lang="en-US" altLang="ko-KR" dirty="0" smtClean="0">
                 <a:latin typeface="Consolas" panose="020B0609020204030204" pitchFamily="49" charset="0"/>
               </a:rPr>
               <a:t>);</a:t>
             </a:r>
-            <a:endParaRPr lang="en-US" altLang="ko-KR" sz="1600" dirty="0">
+            <a:endParaRPr lang="en-US" altLang="ko-KR" dirty="0">
               <a:latin typeface="Consolas" panose="020B0609020204030204" pitchFamily="49" charset="0"/>
             </a:endParaRPr>
           </a:p>
           <a:p>
             <a:r>
-              <a:rPr lang="en-US" altLang="ko-KR" sz="1600" dirty="0" smtClean="0">
+              <a:rPr lang="en-US" altLang="ko-KR" dirty="0" smtClean="0">
                 <a:latin typeface="Consolas" panose="020B0609020204030204" pitchFamily="49" charset="0"/>
               </a:rPr>
               <a:t>    }</a:t>
             </a:r>
           </a:p>
           <a:p>
-            <a:endParaRPr lang="en-US" altLang="ko-KR" sz="1600" dirty="0">
+            <a:endParaRPr lang="en-US" altLang="ko-KR" dirty="0">
               <a:latin typeface="Consolas" panose="020B0609020204030204" pitchFamily="49" charset="0"/>
             </a:endParaRPr>
           </a:p>
           <a:p>
             <a:r>
-              <a:rPr lang="en-US" altLang="ko-KR" sz="1600" dirty="0">
+              <a:rPr lang="en-US" altLang="ko-KR" dirty="0">
                 <a:latin typeface="Consolas" panose="020B0609020204030204" pitchFamily="49" charset="0"/>
               </a:rPr>
               <a:t>    private void </a:t>
             </a:r>
             <a:r>
-              <a:rPr lang="en-US" altLang="ko-KR" sz="1600" dirty="0" err="1">
+              <a:rPr lang="en-US" altLang="ko-KR" dirty="0" err="1">
                 <a:latin typeface="Consolas" panose="020B0609020204030204" pitchFamily="49" charset="0"/>
               </a:rPr>
               <a:t>processIntent</a:t>
             </a:r>
             <a:r>
-              <a:rPr lang="en-US" altLang="ko-KR" sz="1600" dirty="0">
+              <a:rPr lang="en-US" altLang="ko-KR" dirty="0">
                 <a:latin typeface="Consolas" panose="020B0609020204030204" pitchFamily="49" charset="0"/>
               </a:rPr>
               <a:t>(Intent intent) {</a:t>
@@ -20694,216 +20762,217 @@
           </a:p>
           <a:p>
             <a:r>
-              <a:rPr lang="en-US" altLang="ko-KR" sz="1600" dirty="0">
+              <a:rPr lang="en-US" altLang="ko-KR" dirty="0">
                 <a:latin typeface="Consolas" panose="020B0609020204030204" pitchFamily="49" charset="0"/>
               </a:rPr>
               <a:t>        if (intent </a:t>
             </a:r>
             <a:r>
-              <a:rPr lang="en-US" altLang="ko-KR" sz="1600" dirty="0" smtClean="0">
+              <a:rPr lang="en-US" altLang="ko-KR" dirty="0" smtClean="0">
                 <a:latin typeface="Consolas" panose="020B0609020204030204" pitchFamily="49" charset="0"/>
               </a:rPr>
               <a:t>== </a:t>
             </a:r>
             <a:r>
-              <a:rPr lang="en-US" altLang="ko-KR" sz="1600" dirty="0">
+              <a:rPr lang="en-US" altLang="ko-KR" dirty="0">
                 <a:latin typeface="Consolas" panose="020B0609020204030204" pitchFamily="49" charset="0"/>
               </a:rPr>
               <a:t>null) </a:t>
             </a:r>
             <a:r>
-              <a:rPr lang="en-US" altLang="ko-KR" sz="1600" dirty="0" smtClean="0">
+              <a:rPr lang="en-US" altLang="ko-KR" dirty="0" smtClean="0">
                 <a:latin typeface="Consolas" panose="020B0609020204030204" pitchFamily="49" charset="0"/>
               </a:rPr>
               <a:t>return; </a:t>
             </a:r>
-            <a:endParaRPr lang="en-US" altLang="ko-KR" sz="1600" dirty="0">
+          </a:p>
+          <a:p>
+            <a:endParaRPr lang="en-US" altLang="ko-KR" dirty="0">
               <a:latin typeface="Consolas" panose="020B0609020204030204" pitchFamily="49" charset="0"/>
             </a:endParaRPr>
           </a:p>
           <a:p>
             <a:r>
-              <a:rPr lang="en-US" altLang="ko-KR" sz="1600" dirty="0">
+              <a:rPr lang="en-US" altLang="ko-KR" dirty="0" smtClean="0">
+                <a:latin typeface="Consolas" panose="020B0609020204030204" pitchFamily="49" charset="0"/>
+              </a:rPr>
+              <a:t>        String </a:t>
+            </a:r>
+            <a:r>
+              <a:rPr lang="en-US" altLang="ko-KR" dirty="0">
+                <a:latin typeface="Consolas" panose="020B0609020204030204" pitchFamily="49" charset="0"/>
+              </a:rPr>
+              <a:t>sender = </a:t>
+            </a:r>
+            <a:r>
+              <a:rPr lang="en-US" altLang="ko-KR" dirty="0" err="1">
+                <a:latin typeface="Consolas" panose="020B0609020204030204" pitchFamily="49" charset="0"/>
+              </a:rPr>
+              <a:t>intent.getStringExtra</a:t>
+            </a:r>
+            <a:r>
+              <a:rPr lang="en-US" altLang="ko-KR" dirty="0">
+                <a:latin typeface="Consolas" panose="020B0609020204030204" pitchFamily="49" charset="0"/>
+              </a:rPr>
+              <a:t>("sender");</a:t>
+            </a:r>
+          </a:p>
+          <a:p>
+            <a:r>
+              <a:rPr lang="en-US" altLang="ko-KR" dirty="0">
                 <a:latin typeface="Consolas" panose="020B0609020204030204" pitchFamily="49" charset="0"/>
               </a:rPr>
               <a:t>        </a:t>
             </a:r>
             <a:r>
-              <a:rPr lang="en-US" altLang="ko-KR" sz="1600" dirty="0" smtClean="0">
+              <a:rPr lang="en-US" altLang="ko-KR" dirty="0" smtClean="0">
                 <a:latin typeface="Consolas" panose="020B0609020204030204" pitchFamily="49" charset="0"/>
               </a:rPr>
               <a:t>String </a:t>
             </a:r>
             <a:r>
-              <a:rPr lang="en-US" altLang="ko-KR" sz="1600" dirty="0">
-                <a:latin typeface="Consolas" panose="020B0609020204030204" pitchFamily="49" charset="0"/>
-              </a:rPr>
-              <a:t>sender = </a:t>
-            </a:r>
-            <a:r>
-              <a:rPr lang="en-US" altLang="ko-KR" sz="1600" dirty="0" err="1">
+              <a:rPr lang="en-US" altLang="ko-KR" dirty="0">
+                <a:latin typeface="Consolas" panose="020B0609020204030204" pitchFamily="49" charset="0"/>
+              </a:rPr>
+              <a:t>contents = </a:t>
+            </a:r>
+            <a:r>
+              <a:rPr lang="en-US" altLang="ko-KR" dirty="0" err="1">
                 <a:latin typeface="Consolas" panose="020B0609020204030204" pitchFamily="49" charset="0"/>
               </a:rPr>
               <a:t>intent.getStringExtra</a:t>
             </a:r>
             <a:r>
-              <a:rPr lang="en-US" altLang="ko-KR" sz="1600" dirty="0">
-                <a:latin typeface="Consolas" panose="020B0609020204030204" pitchFamily="49" charset="0"/>
-              </a:rPr>
-              <a:t>("sender");</a:t>
-            </a:r>
-          </a:p>
-          <a:p>
-            <a:r>
-              <a:rPr lang="en-US" altLang="ko-KR" sz="1600" dirty="0">
+              <a:rPr lang="en-US" altLang="ko-KR" dirty="0">
+                <a:latin typeface="Consolas" panose="020B0609020204030204" pitchFamily="49" charset="0"/>
+              </a:rPr>
+              <a:t>("contents");</a:t>
+            </a:r>
+          </a:p>
+          <a:p>
+            <a:r>
+              <a:rPr lang="en-US" altLang="ko-KR" dirty="0">
                 <a:latin typeface="Consolas" panose="020B0609020204030204" pitchFamily="49" charset="0"/>
               </a:rPr>
               <a:t>        </a:t>
             </a:r>
             <a:r>
-              <a:rPr lang="en-US" altLang="ko-KR" sz="1600" dirty="0" smtClean="0">
+              <a:rPr lang="en-US" altLang="ko-KR" dirty="0" smtClean="0">
                 <a:latin typeface="Consolas" panose="020B0609020204030204" pitchFamily="49" charset="0"/>
               </a:rPr>
               <a:t>String </a:t>
             </a:r>
             <a:r>
-              <a:rPr lang="en-US" altLang="ko-KR" sz="1600" dirty="0">
-                <a:latin typeface="Consolas" panose="020B0609020204030204" pitchFamily="49" charset="0"/>
-              </a:rPr>
-              <a:t>contents = </a:t>
-            </a:r>
-            <a:r>
-              <a:rPr lang="en-US" altLang="ko-KR" sz="1600" dirty="0" err="1">
+              <a:rPr lang="en-US" altLang="ko-KR" dirty="0">
+                <a:latin typeface="Consolas" panose="020B0609020204030204" pitchFamily="49" charset="0"/>
+              </a:rPr>
+              <a:t>receivedDate = </a:t>
+            </a:r>
+            <a:r>
+              <a:rPr lang="en-US" altLang="ko-KR" dirty="0" err="1">
                 <a:latin typeface="Consolas" panose="020B0609020204030204" pitchFamily="49" charset="0"/>
               </a:rPr>
               <a:t>intent.getStringExtra</a:t>
             </a:r>
             <a:r>
-              <a:rPr lang="en-US" altLang="ko-KR" sz="1600" dirty="0">
-                <a:latin typeface="Consolas" panose="020B0609020204030204" pitchFamily="49" charset="0"/>
-              </a:rPr>
-              <a:t>("contents");</a:t>
-            </a:r>
-          </a:p>
-          <a:p>
-            <a:r>
-              <a:rPr lang="en-US" altLang="ko-KR" sz="1600" dirty="0">
+              <a:rPr lang="en-US" altLang="ko-KR" dirty="0">
+                <a:latin typeface="Consolas" panose="020B0609020204030204" pitchFamily="49" charset="0"/>
+              </a:rPr>
+              <a:t>("receivedDate</a:t>
+            </a:r>
+            <a:r>
+              <a:rPr lang="en-US" altLang="ko-KR" dirty="0" smtClean="0">
+                <a:latin typeface="Consolas" panose="020B0609020204030204" pitchFamily="49" charset="0"/>
+              </a:rPr>
+              <a:t>");</a:t>
+            </a:r>
+          </a:p>
+          <a:p>
+            <a:endParaRPr lang="en-US" altLang="ko-KR" dirty="0">
+              <a:latin typeface="Consolas" panose="020B0609020204030204" pitchFamily="49" charset="0"/>
+            </a:endParaRPr>
+          </a:p>
+          <a:p>
+            <a:r>
+              <a:rPr lang="en-US" altLang="ko-KR" dirty="0">
                 <a:latin typeface="Consolas" panose="020B0609020204030204" pitchFamily="49" charset="0"/>
               </a:rPr>
               <a:t>        </a:t>
             </a:r>
             <a:r>
-              <a:rPr lang="en-US" altLang="ko-KR" sz="1600" dirty="0" smtClean="0">
-                <a:latin typeface="Consolas" panose="020B0609020204030204" pitchFamily="49" charset="0"/>
-              </a:rPr>
-              <a:t>String </a:t>
-            </a:r>
-            <a:r>
-              <a:rPr lang="en-US" altLang="ko-KR" sz="1600" dirty="0">
-                <a:latin typeface="Consolas" panose="020B0609020204030204" pitchFamily="49" charset="0"/>
-              </a:rPr>
-              <a:t>receivedDate = </a:t>
-            </a:r>
-            <a:r>
-              <a:rPr lang="en-US" altLang="ko-KR" sz="1600" dirty="0" err="1">
-                <a:latin typeface="Consolas" panose="020B0609020204030204" pitchFamily="49" charset="0"/>
-              </a:rPr>
-              <a:t>intent.getStringExtra</a:t>
-            </a:r>
-            <a:r>
-              <a:rPr lang="en-US" altLang="ko-KR" sz="1600" dirty="0">
-                <a:latin typeface="Consolas" panose="020B0609020204030204" pitchFamily="49" charset="0"/>
-              </a:rPr>
-              <a:t>("receivedDate</a:t>
-            </a:r>
-            <a:r>
-              <a:rPr lang="en-US" altLang="ko-KR" sz="1600" dirty="0" smtClean="0">
-                <a:latin typeface="Consolas" panose="020B0609020204030204" pitchFamily="49" charset="0"/>
-              </a:rPr>
-              <a:t>");</a:t>
-            </a:r>
-            <a:endParaRPr lang="en-US" altLang="ko-KR" sz="1600" dirty="0">
+              <a:rPr lang="en-US" altLang="ko-KR" dirty="0" err="1" smtClean="0">
+                <a:latin typeface="Consolas" panose="020B0609020204030204" pitchFamily="49" charset="0"/>
+              </a:rPr>
+              <a:t>editText.setText</a:t>
+            </a:r>
+            <a:r>
+              <a:rPr lang="en-US" altLang="ko-KR" dirty="0" smtClean="0">
+                <a:latin typeface="Consolas" panose="020B0609020204030204" pitchFamily="49" charset="0"/>
+              </a:rPr>
+              <a:t>(sender</a:t>
+            </a:r>
+            <a:r>
+              <a:rPr lang="en-US" altLang="ko-KR" dirty="0">
+                <a:latin typeface="Consolas" panose="020B0609020204030204" pitchFamily="49" charset="0"/>
+              </a:rPr>
+              <a:t>);</a:t>
+            </a:r>
+          </a:p>
+          <a:p>
+            <a:r>
+              <a:rPr lang="en-US" altLang="ko-KR" dirty="0">
+                <a:latin typeface="Consolas" panose="020B0609020204030204" pitchFamily="49" charset="0"/>
+              </a:rPr>
+              <a:t>        </a:t>
+            </a:r>
+            <a:r>
+              <a:rPr lang="en-US" altLang="ko-KR" dirty="0" smtClean="0">
+                <a:latin typeface="Consolas" panose="020B0609020204030204" pitchFamily="49" charset="0"/>
+              </a:rPr>
+              <a:t>editText2.setText(contents</a:t>
+            </a:r>
+            <a:r>
+              <a:rPr lang="en-US" altLang="ko-KR" dirty="0">
+                <a:latin typeface="Consolas" panose="020B0609020204030204" pitchFamily="49" charset="0"/>
+              </a:rPr>
+              <a:t>);</a:t>
+            </a:r>
+          </a:p>
+          <a:p>
+            <a:r>
+              <a:rPr lang="en-US" altLang="ko-KR" dirty="0">
+                <a:latin typeface="Consolas" panose="020B0609020204030204" pitchFamily="49" charset="0"/>
+              </a:rPr>
+              <a:t>        </a:t>
+            </a:r>
+            <a:r>
+              <a:rPr lang="en-US" altLang="ko-KR" dirty="0" smtClean="0">
+                <a:latin typeface="Consolas" panose="020B0609020204030204" pitchFamily="49" charset="0"/>
+              </a:rPr>
+              <a:t>editText3.setText(receivedDate);</a:t>
+            </a:r>
+            <a:endParaRPr lang="en-US" altLang="ko-KR" dirty="0">
               <a:latin typeface="Consolas" panose="020B0609020204030204" pitchFamily="49" charset="0"/>
             </a:endParaRPr>
           </a:p>
           <a:p>
             <a:r>
-              <a:rPr lang="en-US" altLang="ko-KR" sz="1600" dirty="0">
-                <a:latin typeface="Consolas" panose="020B0609020204030204" pitchFamily="49" charset="0"/>
-              </a:rPr>
-              <a:t>        </a:t>
-            </a:r>
-            <a:r>
-              <a:rPr lang="en-US" altLang="ko-KR" sz="1600" dirty="0" err="1" smtClean="0">
-                <a:latin typeface="Consolas" panose="020B0609020204030204" pitchFamily="49" charset="0"/>
-              </a:rPr>
-              <a:t>editText.setText</a:t>
-            </a:r>
-            <a:r>
-              <a:rPr lang="en-US" altLang="ko-KR" sz="1600" dirty="0" smtClean="0">
-                <a:latin typeface="Consolas" panose="020B0609020204030204" pitchFamily="49" charset="0"/>
-              </a:rPr>
-              <a:t>(sender</a:t>
-            </a:r>
-            <a:r>
-              <a:rPr lang="en-US" altLang="ko-KR" sz="1600" dirty="0">
-                <a:latin typeface="Consolas" panose="020B0609020204030204" pitchFamily="49" charset="0"/>
-              </a:rPr>
-              <a:t>);</a:t>
-            </a:r>
-          </a:p>
-          <a:p>
-            <a:r>
-              <a:rPr lang="en-US" altLang="ko-KR" sz="1600" dirty="0">
-                <a:latin typeface="Consolas" panose="020B0609020204030204" pitchFamily="49" charset="0"/>
-              </a:rPr>
-              <a:t>        </a:t>
-            </a:r>
-            <a:r>
-              <a:rPr lang="en-US" altLang="ko-KR" sz="1600" dirty="0" smtClean="0">
-                <a:latin typeface="Consolas" panose="020B0609020204030204" pitchFamily="49" charset="0"/>
-              </a:rPr>
-              <a:t>editText2.setText(contents</a:t>
-            </a:r>
-            <a:r>
-              <a:rPr lang="en-US" altLang="ko-KR" sz="1600" dirty="0">
-                <a:latin typeface="Consolas" panose="020B0609020204030204" pitchFamily="49" charset="0"/>
-              </a:rPr>
-              <a:t>);</a:t>
-            </a:r>
-          </a:p>
-          <a:p>
-            <a:r>
-              <a:rPr lang="en-US" altLang="ko-KR" sz="1600" dirty="0">
-                <a:latin typeface="Consolas" panose="020B0609020204030204" pitchFamily="49" charset="0"/>
-              </a:rPr>
-              <a:t>        </a:t>
-            </a:r>
-            <a:r>
-              <a:rPr lang="en-US" altLang="ko-KR" sz="1600" dirty="0" smtClean="0">
-                <a:latin typeface="Consolas" panose="020B0609020204030204" pitchFamily="49" charset="0"/>
-              </a:rPr>
-              <a:t>editText3.setText(receivedDate);</a:t>
-            </a:r>
-            <a:endParaRPr lang="en-US" altLang="ko-KR" sz="1600" dirty="0">
+              <a:rPr lang="en-US" altLang="ko-KR" dirty="0">
+                <a:latin typeface="Consolas" panose="020B0609020204030204" pitchFamily="49" charset="0"/>
+              </a:rPr>
+              <a:t>    }</a:t>
+            </a:r>
+          </a:p>
+          <a:p>
+            <a:r>
+              <a:rPr lang="en-US" altLang="ko-KR" dirty="0" smtClean="0">
+                <a:latin typeface="Consolas" panose="020B0609020204030204" pitchFamily="49" charset="0"/>
+              </a:rPr>
+              <a:t>} // end of SmsActivity.java</a:t>
+            </a:r>
+            <a:endParaRPr lang="en-US" altLang="ko-KR" dirty="0">
               <a:latin typeface="Consolas" panose="020B0609020204030204" pitchFamily="49" charset="0"/>
             </a:endParaRPr>
-          </a:p>
-          <a:p>
-            <a:r>
-              <a:rPr lang="en-US" altLang="ko-KR" sz="1600" dirty="0">
-                <a:latin typeface="Consolas" panose="020B0609020204030204" pitchFamily="49" charset="0"/>
-              </a:rPr>
-              <a:t>    }</a:t>
-            </a:r>
-          </a:p>
-          <a:p>
-            <a:r>
-              <a:rPr lang="en-US" altLang="ko-KR" sz="1600" dirty="0">
-                <a:latin typeface="Consolas" panose="020B0609020204030204" pitchFamily="49" charset="0"/>
-              </a:rPr>
-              <a:t>}</a:t>
-            </a:r>
           </a:p>
         </p:txBody>
       </p:sp>
@@ -20988,7 +21057,7 @@
     </p:spTree>
     <p:extLst>
       <p:ext uri="{BB962C8B-B14F-4D97-AF65-F5344CB8AC3E}">
-        <p14:creationId xmlns:p14="http://schemas.microsoft.com/office/powerpoint/2010/main" val="503868465"/>
+        <p14:creationId xmlns:p14="http://schemas.microsoft.com/office/powerpoint/2010/main" val="1960423366"/>
       </p:ext>
     </p:extLst>
   </p:cSld>
@@ -21248,8 +21317,8 @@
         </p:nvSpPr>
         <p:spPr>
           <a:xfrm>
-            <a:off x="397825" y="1268760"/>
-            <a:ext cx="11303387" cy="3785652"/>
+            <a:off x="453099" y="1268760"/>
+            <a:ext cx="11475549" cy="4247317"/>
           </a:xfrm>
           <a:prstGeom prst="rect">
             <a:avLst/>
@@ -21274,7 +21343,7 @@
           <a:lstStyle/>
           <a:p>
             <a:r>
-              <a:rPr lang="en-US" altLang="ko-KR" sz="1600" dirty="0">
+              <a:rPr lang="en-US" altLang="ko-KR" dirty="0">
                 <a:latin typeface="Consolas" panose="020B0609020204030204" pitchFamily="49" charset="0"/>
               </a:rPr>
               <a:t>public class SmsReceiver extends BroadcastReceiver {</a:t>
@@ -21282,73 +21351,73 @@
           </a:p>
           <a:p>
             <a:r>
-              <a:rPr lang="en-US" altLang="ko-KR" sz="1600" dirty="0">
+              <a:rPr lang="en-US" altLang="ko-KR" dirty="0">
                 <a:latin typeface="Consolas" panose="020B0609020204030204" pitchFamily="49" charset="0"/>
               </a:rPr>
               <a:t>    private static final String TAG = "Hustar</a:t>
             </a:r>
             <a:r>
-              <a:rPr lang="en-US" altLang="ko-KR" sz="1600" dirty="0" smtClean="0">
+              <a:rPr lang="en-US" altLang="ko-KR" dirty="0" smtClean="0">
                 <a:latin typeface="Consolas" panose="020B0609020204030204" pitchFamily="49" charset="0"/>
               </a:rPr>
               <a:t>";</a:t>
             </a:r>
-            <a:endParaRPr lang="en-US" altLang="ko-KR" sz="1600" dirty="0">
+            <a:endParaRPr lang="en-US" altLang="ko-KR" dirty="0">
               <a:latin typeface="Consolas" panose="020B0609020204030204" pitchFamily="49" charset="0"/>
             </a:endParaRPr>
           </a:p>
           <a:p>
             <a:r>
-              <a:rPr lang="en-US" altLang="ko-KR" sz="1600" dirty="0">
+              <a:rPr lang="en-US" altLang="ko-KR" dirty="0">
                 <a:latin typeface="Consolas" panose="020B0609020204030204" pitchFamily="49" charset="0"/>
               </a:rPr>
               <a:t>    public SimpleDateFormat format = new SimpleDateFormat("</a:t>
             </a:r>
             <a:r>
-              <a:rPr lang="en-US" altLang="ko-KR" sz="1600" dirty="0" err="1">
+              <a:rPr lang="en-US" altLang="ko-KR" dirty="0" err="1">
                 <a:latin typeface="Consolas" panose="020B0609020204030204" pitchFamily="49" charset="0"/>
               </a:rPr>
               <a:t>yyyy</a:t>
             </a:r>
             <a:r>
-              <a:rPr lang="en-US" altLang="ko-KR" sz="1600" dirty="0">
+              <a:rPr lang="en-US" altLang="ko-KR" dirty="0">
                 <a:latin typeface="Consolas" panose="020B0609020204030204" pitchFamily="49" charset="0"/>
               </a:rPr>
               <a:t>-MM-</a:t>
             </a:r>
             <a:r>
-              <a:rPr lang="en-US" altLang="ko-KR" sz="1600" dirty="0" err="1">
+              <a:rPr lang="en-US" altLang="ko-KR" dirty="0" err="1">
                 <a:latin typeface="Consolas" panose="020B0609020204030204" pitchFamily="49" charset="0"/>
               </a:rPr>
               <a:t>dd</a:t>
             </a:r>
             <a:r>
-              <a:rPr lang="en-US" altLang="ko-KR" sz="1600" dirty="0">
+              <a:rPr lang="en-US" altLang="ko-KR" dirty="0">
                 <a:latin typeface="Consolas" panose="020B0609020204030204" pitchFamily="49" charset="0"/>
               </a:rPr>
               <a:t> </a:t>
             </a:r>
             <a:r>
-              <a:rPr lang="en-US" altLang="ko-KR" sz="1600" dirty="0" err="1">
+              <a:rPr lang="en-US" altLang="ko-KR" dirty="0" err="1">
                 <a:latin typeface="Consolas" panose="020B0609020204030204" pitchFamily="49" charset="0"/>
               </a:rPr>
               <a:t>HH:mm:ss</a:t>
             </a:r>
             <a:r>
-              <a:rPr lang="en-US" altLang="ko-KR" sz="1600" dirty="0">
+              <a:rPr lang="en-US" altLang="ko-KR" dirty="0">
                 <a:latin typeface="Consolas" panose="020B0609020204030204" pitchFamily="49" charset="0"/>
               </a:rPr>
               <a:t>");</a:t>
             </a:r>
           </a:p>
           <a:p>
-            <a:endParaRPr lang="en-US" altLang="ko-KR" sz="1600" dirty="0">
+            <a:endParaRPr lang="en-US" altLang="ko-KR" dirty="0">
               <a:latin typeface="Consolas" panose="020B0609020204030204" pitchFamily="49" charset="0"/>
             </a:endParaRPr>
           </a:p>
           <a:p>
             <a:r>
-              <a:rPr lang="en-US" altLang="ko-KR" sz="1600" dirty="0">
+              <a:rPr lang="en-US" altLang="ko-KR" dirty="0">
                 <a:latin typeface="Consolas" panose="020B0609020204030204" pitchFamily="49" charset="0"/>
               </a:rPr>
               <a:t>    @Override</a:t>
@@ -21356,19 +21425,40 @@
           </a:p>
           <a:p>
             <a:r>
-              <a:rPr lang="en-US" altLang="ko-KR" sz="1600" dirty="0">
-                <a:latin typeface="Consolas" panose="020B0609020204030204" pitchFamily="49" charset="0"/>
-              </a:rPr>
-              <a:t>    public void onReceive(Context </a:t>
-            </a:r>
-            <a:r>
-              <a:rPr lang="en-US" altLang="ko-KR" sz="1600" dirty="0" err="1">
+              <a:rPr lang="en-US" altLang="ko-KR" dirty="0">
+                <a:latin typeface="Consolas" panose="020B0609020204030204" pitchFamily="49" charset="0"/>
+              </a:rPr>
+              <a:t>    public void </a:t>
+            </a:r>
+            <a:r>
+              <a:rPr lang="en-US" altLang="ko-KR" b="1" dirty="0" smtClean="0">
+                <a:solidFill>
+                  <a:srgbClr val="C00000"/>
+                </a:solidFill>
+                <a:latin typeface="Consolas" panose="020B0609020204030204" pitchFamily="49" charset="0"/>
+              </a:rPr>
+              <a:t>_________________</a:t>
+            </a:r>
+            <a:r>
+              <a:rPr lang="en-US" altLang="ko-KR" dirty="0" smtClean="0">
+                <a:latin typeface="Consolas" panose="020B0609020204030204" pitchFamily="49" charset="0"/>
+              </a:rPr>
+              <a:t>(</a:t>
+            </a:r>
+            <a:r>
+              <a:rPr lang="en-US" altLang="ko-KR" dirty="0">
+                <a:latin typeface="Consolas" panose="020B0609020204030204" pitchFamily="49" charset="0"/>
+              </a:rPr>
+              <a:t>Context </a:t>
+            </a:r>
+            <a:r>
+              <a:rPr lang="en-US" altLang="ko-KR" dirty="0" err="1">
                 <a:latin typeface="Consolas" panose="020B0609020204030204" pitchFamily="49" charset="0"/>
               </a:rPr>
               <a:t>context</a:t>
             </a:r>
             <a:r>
-              <a:rPr lang="en-US" altLang="ko-KR" sz="1600" dirty="0">
+              <a:rPr lang="en-US" altLang="ko-KR" dirty="0">
                 <a:latin typeface="Consolas" panose="020B0609020204030204" pitchFamily="49" charset="0"/>
               </a:rPr>
               <a:t>, Intent intent) {</a:t>
@@ -21376,56 +21466,127 @@
           </a:p>
           <a:p>
             <a:r>
-              <a:rPr lang="en-US" altLang="ko-KR" sz="1600" dirty="0">
-                <a:latin typeface="Consolas" panose="020B0609020204030204" pitchFamily="49" charset="0"/>
-              </a:rPr>
-              <a:t>        Log.i(TAG, "&gt;onReceive</a:t>
-            </a:r>
-            <a:r>
-              <a:rPr lang="en-US" altLang="ko-KR" sz="1600" dirty="0" smtClean="0">
-                <a:latin typeface="Consolas" panose="020B0609020204030204" pitchFamily="49" charset="0"/>
-              </a:rPr>
-              <a:t>()");</a:t>
-            </a:r>
-          </a:p>
-          <a:p>
-            <a:r>
-              <a:rPr lang="en-US" altLang="ko-KR" sz="1600" dirty="0" smtClean="0">
-                <a:latin typeface="Consolas" panose="020B0609020204030204" pitchFamily="49" charset="0"/>
-              </a:rPr>
-              <a:t>...</a:t>
-            </a:r>
-            <a:endParaRPr lang="en-US" altLang="ko-KR" sz="1600" dirty="0">
+              <a:rPr lang="en-US" altLang="ko-KR" dirty="0">
+                <a:latin typeface="Consolas" panose="020B0609020204030204" pitchFamily="49" charset="0"/>
+              </a:rPr>
+              <a:t>        </a:t>
+            </a:r>
+            <a:r>
+              <a:rPr lang="da-DK" altLang="ko-KR" dirty="0" smtClean="0">
+                <a:latin typeface="Consolas" panose="020B0609020204030204" pitchFamily="49" charset="0"/>
+              </a:rPr>
+              <a:t>Bundle </a:t>
+            </a:r>
+            <a:r>
+              <a:rPr lang="da-DK" altLang="ko-KR" dirty="0">
+                <a:latin typeface="Consolas" panose="020B0609020204030204" pitchFamily="49" charset="0"/>
+              </a:rPr>
+              <a:t>bundle = intent.getExtras();</a:t>
+            </a:r>
+          </a:p>
+          <a:p>
+            <a:r>
+              <a:rPr lang="da-DK" altLang="ko-KR" dirty="0">
+                <a:latin typeface="Consolas" panose="020B0609020204030204" pitchFamily="49" charset="0"/>
+              </a:rPr>
+              <a:t>        SmsMessage[] messages = parseSmsMessage(bundle</a:t>
+            </a:r>
+            <a:r>
+              <a:rPr lang="da-DK" altLang="ko-KR" dirty="0" smtClean="0">
+                <a:latin typeface="Consolas" panose="020B0609020204030204" pitchFamily="49" charset="0"/>
+              </a:rPr>
+              <a:t>);</a:t>
+            </a:r>
+            <a:endParaRPr lang="en-US" altLang="ko-KR" dirty="0">
               <a:latin typeface="Consolas" panose="020B0609020204030204" pitchFamily="49" charset="0"/>
             </a:endParaRPr>
           </a:p>
           <a:p>
-            <a:r>
-              <a:rPr lang="en-US" altLang="ko-KR" sz="1600" dirty="0">
-                <a:latin typeface="Consolas" panose="020B0609020204030204" pitchFamily="49" charset="0"/>
-              </a:rPr>
-              <a:t> </a:t>
-            </a:r>
-            <a:r>
-              <a:rPr lang="en-US" altLang="ko-KR" sz="1600" dirty="0" smtClean="0">
-                <a:latin typeface="Consolas" panose="020B0609020204030204" pitchFamily="49" charset="0"/>
-              </a:rPr>
-              <a:t>           Date </a:t>
-            </a:r>
-            <a:r>
-              <a:rPr lang="en-US" altLang="ko-KR" sz="1600" dirty="0">
-                <a:latin typeface="Consolas" panose="020B0609020204030204" pitchFamily="49" charset="0"/>
-              </a:rPr>
-              <a:t>receivedDate = new Date(messages[0].</a:t>
-            </a:r>
-            <a:r>
-              <a:rPr lang="en-US" altLang="ko-KR" sz="1600" dirty="0" err="1">
+            <a:endParaRPr lang="en-US" altLang="ko-KR" dirty="0" smtClean="0">
+              <a:latin typeface="Consolas" panose="020B0609020204030204" pitchFamily="49" charset="0"/>
+            </a:endParaRPr>
+          </a:p>
+          <a:p>
+            <a:r>
+              <a:rPr lang="en-US" altLang="ko-KR" dirty="0" smtClean="0">
+                <a:latin typeface="Consolas" panose="020B0609020204030204" pitchFamily="49" charset="0"/>
+              </a:rPr>
+              <a:t>        </a:t>
+            </a:r>
+            <a:r>
+              <a:rPr lang="en-US" altLang="ko-KR" dirty="0">
+                <a:latin typeface="Consolas" panose="020B0609020204030204" pitchFamily="49" charset="0"/>
+              </a:rPr>
+              <a:t>if (messages != null &amp;&amp; </a:t>
+            </a:r>
+            <a:r>
+              <a:rPr lang="en-US" altLang="ko-KR" dirty="0" err="1">
+                <a:latin typeface="Consolas" panose="020B0609020204030204" pitchFamily="49" charset="0"/>
+              </a:rPr>
+              <a:t>messages.length</a:t>
+            </a:r>
+            <a:r>
+              <a:rPr lang="en-US" altLang="ko-KR" dirty="0">
+                <a:latin typeface="Consolas" panose="020B0609020204030204" pitchFamily="49" charset="0"/>
+              </a:rPr>
+              <a:t> &gt; 0) {</a:t>
+            </a:r>
+          </a:p>
+          <a:p>
+            <a:r>
+              <a:rPr lang="en-US" altLang="ko-KR" dirty="0">
+                <a:latin typeface="Consolas" panose="020B0609020204030204" pitchFamily="49" charset="0"/>
+              </a:rPr>
+              <a:t>            String sender = messages[0].</a:t>
+            </a:r>
+            <a:r>
+              <a:rPr lang="en-US" altLang="ko-KR" dirty="0" err="1">
+                <a:latin typeface="Consolas" panose="020B0609020204030204" pitchFamily="49" charset="0"/>
+              </a:rPr>
+              <a:t>getOriginatingAddress</a:t>
+            </a:r>
+            <a:r>
+              <a:rPr lang="en-US" altLang="ko-KR" dirty="0">
+                <a:latin typeface="Consolas" panose="020B0609020204030204" pitchFamily="49" charset="0"/>
+              </a:rPr>
+              <a:t>();</a:t>
+            </a:r>
+          </a:p>
+          <a:p>
+            <a:r>
+              <a:rPr lang="en-US" altLang="ko-KR" dirty="0">
+                <a:latin typeface="Consolas" panose="020B0609020204030204" pitchFamily="49" charset="0"/>
+              </a:rPr>
+              <a:t>            String contents = messages[0].</a:t>
+            </a:r>
+            <a:r>
+              <a:rPr lang="en-US" altLang="ko-KR" dirty="0" err="1">
+                <a:latin typeface="Consolas" panose="020B0609020204030204" pitchFamily="49" charset="0"/>
+              </a:rPr>
+              <a:t>getMessageBody</a:t>
+            </a:r>
+            <a:r>
+              <a:rPr lang="en-US" altLang="ko-KR" dirty="0">
+                <a:latin typeface="Consolas" panose="020B0609020204030204" pitchFamily="49" charset="0"/>
+              </a:rPr>
+              <a:t>();</a:t>
+            </a:r>
+          </a:p>
+          <a:p>
+            <a:r>
+              <a:rPr lang="en-US" altLang="ko-KR" dirty="0">
+                <a:latin typeface="Consolas" panose="020B0609020204030204" pitchFamily="49" charset="0"/>
+              </a:rPr>
+              <a:t>            Date receivedDate = new Date(messages[0].</a:t>
+            </a:r>
+            <a:r>
+              <a:rPr lang="en-US" altLang="ko-KR" dirty="0" err="1">
                 <a:latin typeface="Consolas" panose="020B0609020204030204" pitchFamily="49" charset="0"/>
               </a:rPr>
               <a:t>getTimestampMillis</a:t>
             </a:r>
             <a:r>
-              <a:rPr lang="en-US" altLang="ko-KR" sz="1600" dirty="0">
+              <a:rPr lang="en-US" altLang="ko-KR" dirty="0">
                 <a:latin typeface="Consolas" panose="020B0609020204030204" pitchFamily="49" charset="0"/>
               </a:rPr>
               <a:t>());</a:t>
@@ -21433,46 +21594,50 @@
           </a:p>
           <a:p>
             <a:r>
-              <a:rPr lang="en-US" altLang="ko-KR" sz="1600" dirty="0">
-                <a:latin typeface="Consolas" panose="020B0609020204030204" pitchFamily="49" charset="0"/>
-              </a:rPr>
-              <a:t>            Log.i(TAG, "SMS received date : " + receivedDate.toString());</a:t>
-            </a:r>
-          </a:p>
-          <a:p>
-            <a:endParaRPr lang="en-US" altLang="ko-KR" sz="1600" dirty="0">
-              <a:latin typeface="Consolas" panose="020B0609020204030204" pitchFamily="49" charset="0"/>
-            </a:endParaRPr>
-          </a:p>
-          <a:p>
-            <a:r>
-              <a:rPr lang="en-US" altLang="ko-KR" sz="1600" dirty="0">
-                <a:latin typeface="Consolas" panose="020B0609020204030204" pitchFamily="49" charset="0"/>
-              </a:rPr>
-              <a:t>            sendToActivity(context, sender, contents, receivedDate);</a:t>
-            </a:r>
-          </a:p>
-          <a:p>
-            <a:r>
-              <a:rPr lang="en-US" altLang="ko-KR" sz="1600" dirty="0">
-                <a:latin typeface="Consolas" panose="020B0609020204030204" pitchFamily="49" charset="0"/>
-              </a:rPr>
-              <a:t>        }</a:t>
-            </a:r>
-          </a:p>
-          <a:p>
-            <a:r>
-              <a:rPr lang="en-US" altLang="ko-KR" sz="1600" dirty="0">
-                <a:latin typeface="Consolas" panose="020B0609020204030204" pitchFamily="49" charset="0"/>
-              </a:rPr>
-              <a:t>    }</a:t>
-            </a:r>
-            <a:endParaRPr lang="en-US" altLang="ko-KR" sz="1600" dirty="0" smtClean="0">
-              <a:latin typeface="Consolas" panose="020B0609020204030204" pitchFamily="49" charset="0"/>
-            </a:endParaRPr>
-          </a:p>
-          <a:p>
-            <a:endParaRPr lang="en-US" altLang="ko-KR" sz="1600" dirty="0">
+              <a:rPr lang="en-US" altLang="ko-KR" dirty="0">
+                <a:latin typeface="Consolas" panose="020B0609020204030204" pitchFamily="49" charset="0"/>
+              </a:rPr>
+              <a:t>            Log.i(TAG, "SMS</a:t>
+            </a:r>
+            <a:r>
+              <a:rPr lang="en-US" altLang="ko-KR" dirty="0" smtClean="0">
+                <a:latin typeface="Consolas" panose="020B0609020204030204" pitchFamily="49" charset="0"/>
+              </a:rPr>
+              <a:t>:" </a:t>
+            </a:r>
+            <a:r>
+              <a:rPr lang="en-US" altLang="ko-KR" dirty="0">
+                <a:latin typeface="Consolas" panose="020B0609020204030204" pitchFamily="49" charset="0"/>
+              </a:rPr>
+              <a:t>+ </a:t>
+            </a:r>
+            <a:r>
+              <a:rPr lang="en-US" altLang="ko-KR" dirty="0" smtClean="0">
+                <a:latin typeface="Consolas" panose="020B0609020204030204" pitchFamily="49" charset="0"/>
+              </a:rPr>
+              <a:t>sender + </a:t>
+            </a:r>
+            <a:r>
+              <a:rPr lang="en-US" altLang="ko-KR" dirty="0">
+                <a:latin typeface="Consolas" panose="020B0609020204030204" pitchFamily="49" charset="0"/>
+              </a:rPr>
+              <a:t>":" + contents + ":" + </a:t>
+            </a:r>
+            <a:r>
+              <a:rPr lang="en-US" altLang="ko-KR" dirty="0" smtClean="0">
+                <a:latin typeface="Consolas" panose="020B0609020204030204" pitchFamily="49" charset="0"/>
+              </a:rPr>
+              <a:t>receivedDate.toString</a:t>
+            </a:r>
+            <a:r>
+              <a:rPr lang="en-US" altLang="ko-KR" dirty="0">
+                <a:latin typeface="Consolas" panose="020B0609020204030204" pitchFamily="49" charset="0"/>
+              </a:rPr>
+              <a:t>());</a:t>
+            </a:r>
+          </a:p>
+          <a:p>
+            <a:endParaRPr lang="en-US" altLang="ko-KR" dirty="0">
               <a:latin typeface="Consolas" panose="020B0609020204030204" pitchFamily="49" charset="0"/>
             </a:endParaRPr>
           </a:p>
@@ -21487,7 +21652,7 @@
         <p:spPr>
           <a:xfrm flipV="1">
             <a:off x="414399" y="1830734"/>
-            <a:ext cx="9361039" cy="302122"/>
+            <a:ext cx="10660002" cy="446138"/>
           </a:xfrm>
           <a:prstGeom prst="roundRect">
             <a:avLst/>
@@ -21526,47 +21691,103 @@
       </p:sp>
       <p:sp>
         <p:nvSpPr>
-          <p:cNvPr id="8" name="모서리가 둥근 직사각형 7"/>
+          <p:cNvPr id="9" name="직사각형 8"/>
           <p:cNvSpPr/>
           <p:nvPr/>
         </p:nvSpPr>
         <p:spPr>
-          <a:xfrm flipV="1">
-            <a:off x="414398" y="3990974"/>
-            <a:ext cx="9361039" cy="302122"/>
+          <a:xfrm>
+            <a:off x="7896200" y="4918657"/>
+            <a:ext cx="3600400" cy="338554"/>
           </a:xfrm>
-          <a:prstGeom prst="roundRect">
+          <a:prstGeom prst="rect">
             <a:avLst/>
           </a:prstGeom>
           <a:solidFill>
-            <a:srgbClr val="FFFF00">
-              <a:alpha val="10000"/>
-            </a:srgbClr>
+            <a:srgbClr val="FFC000"/>
           </a:solidFill>
-          <a:ln w="3175"/>
+          <a:ln>
+            <a:solidFill>
+              <a:schemeClr val="bg1">
+                <a:lumMod val="75000"/>
+              </a:schemeClr>
+            </a:solidFill>
+          </a:ln>
         </p:spPr>
-        <p:style>
-          <a:lnRef idx="2">
-            <a:schemeClr val="accent1">
-              <a:shade val="50000"/>
-            </a:schemeClr>
-          </a:lnRef>
-          <a:fillRef idx="1">
-            <a:schemeClr val="accent1"/>
-          </a:fillRef>
-          <a:effectRef idx="0">
-            <a:schemeClr val="accent1"/>
-          </a:effectRef>
-          <a:fontRef idx="minor">
-            <a:schemeClr val="lt1"/>
-          </a:fontRef>
-        </p:style>
         <p:txBody>
-          <a:bodyPr rtlCol="0" anchor="ctr"/>
+          <a:bodyPr wrap="square">
+            <a:spAutoFit/>
+          </a:bodyPr>
           <a:lstStyle/>
           <a:p>
-            <a:pPr algn="ctr"/>
-            <a:endParaRPr lang="ko-KR" altLang="en-US"/>
+            <a:pPr latinLnBrk="0"/>
+            <a:r>
+              <a:rPr lang="en-US" altLang="ko-KR" sz="1600" dirty="0" err="1" smtClean="0">
+                <a:sym typeface="Wingdings" panose="05000000000000000000" pitchFamily="2" charset="2"/>
+              </a:rPr>
+              <a:t>smsActivity</a:t>
+            </a:r>
+            <a:r>
+              <a:rPr lang="ko-KR" altLang="en-US" sz="1600" dirty="0" smtClean="0">
+                <a:sym typeface="Wingdings" panose="05000000000000000000" pitchFamily="2" charset="2"/>
+              </a:rPr>
+              <a:t>로 인텐트를 보내는 </a:t>
+            </a:r>
+            <a:r>
+              <a:rPr lang="ko-KR" altLang="en-US" sz="1600" dirty="0" err="1" smtClean="0">
+                <a:sym typeface="Wingdings" panose="05000000000000000000" pitchFamily="2" charset="2"/>
+              </a:rPr>
+              <a:t>메소드</a:t>
+            </a:r>
+            <a:endParaRPr lang="ko-KR" altLang="en-US" sz="1600" dirty="0"/>
+          </a:p>
+        </p:txBody>
+      </p:sp>
+      <p:sp>
+        <p:nvSpPr>
+          <p:cNvPr id="10" name="직사각형 9"/>
+          <p:cNvSpPr/>
+          <p:nvPr/>
+        </p:nvSpPr>
+        <p:spPr>
+          <a:xfrm>
+            <a:off x="8328248" y="2216546"/>
+            <a:ext cx="3600400" cy="584775"/>
+          </a:xfrm>
+          <a:prstGeom prst="rect">
+            <a:avLst/>
+          </a:prstGeom>
+          <a:solidFill>
+            <a:srgbClr val="FFC000"/>
+          </a:solidFill>
+          <a:ln>
+            <a:solidFill>
+              <a:schemeClr val="bg1">
+                <a:lumMod val="75000"/>
+              </a:schemeClr>
+            </a:solidFill>
+          </a:ln>
+        </p:spPr>
+        <p:txBody>
+          <a:bodyPr wrap="square">
+            <a:spAutoFit/>
+          </a:bodyPr>
+          <a:lstStyle/>
+          <a:p>
+            <a:pPr latinLnBrk="0"/>
+            <a:r>
+              <a:rPr lang="ko-KR" altLang="en-US" sz="1600" dirty="0" smtClean="0">
+                <a:sym typeface="Wingdings" panose="05000000000000000000" pitchFamily="2" charset="2"/>
+              </a:rPr>
+              <a:t>사용자가 알아보기 좋은 날짜 형태로 만들기 위해 자바 클래스를 사용합니다</a:t>
+            </a:r>
+            <a:r>
+              <a:rPr lang="en-US" altLang="ko-KR" sz="1600" dirty="0" smtClean="0">
+                <a:sym typeface="Wingdings" panose="05000000000000000000" pitchFamily="2" charset="2"/>
+              </a:rPr>
+              <a:t>.</a:t>
+            </a:r>
+            <a:endParaRPr lang="ko-KR" altLang="en-US" sz="1600" dirty="0"/>
           </a:p>
         </p:txBody>
       </p:sp>
@@ -21834,7 +22055,7 @@
         <p:spPr>
           <a:xfrm>
             <a:off x="397825" y="1268760"/>
-            <a:ext cx="11303387" cy="4031873"/>
+            <a:ext cx="11530823" cy="3046988"/>
           </a:xfrm>
           <a:prstGeom prst="rect">
             <a:avLst/>
@@ -21859,10 +22080,16 @@
           <a:lstStyle/>
           <a:p>
             <a:r>
+              <a:rPr lang="en-US" altLang="ko-KR" sz="1600" dirty="0" smtClean="0">
+                <a:latin typeface="Consolas" panose="020B0609020204030204" pitchFamily="49" charset="0"/>
+              </a:rPr>
+              <a:t>            </a:t>
+            </a:r>
+            <a:r>
               <a:rPr lang="en-US" altLang="ko-KR" sz="1600" dirty="0">
                 <a:latin typeface="Consolas" panose="020B0609020204030204" pitchFamily="49" charset="0"/>
               </a:rPr>
-              <a:t>public class SmsReceiver extends BroadcastReceiver {</a:t>
+              <a:t>//// send data to activity, but don't create activity, but just use it.</a:t>
             </a:r>
           </a:p>
           <a:p>
@@ -21870,14 +22097,16 @@
               <a:rPr lang="en-US" altLang="ko-KR" sz="1600" dirty="0">
                 <a:latin typeface="Consolas" panose="020B0609020204030204" pitchFamily="49" charset="0"/>
               </a:rPr>
-              <a:t>    private static final String TAG = "Hustar</a:t>
+              <a:t>            Intent myIntent = new Intent</a:t>
             </a:r>
             <a:r>
               <a:rPr lang="en-US" altLang="ko-KR" sz="1600" dirty="0" smtClean="0">
                 <a:latin typeface="Consolas" panose="020B0609020204030204" pitchFamily="49" charset="0"/>
               </a:rPr>
-              <a:t>";</a:t>
-            </a:r>
+              <a:t>(_____________, __________________);</a:t>
+            </a:r>
+          </a:p>
+          <a:p>
             <a:endParaRPr lang="en-US" altLang="ko-KR" sz="1600" dirty="0">
               <a:latin typeface="Consolas" panose="020B0609020204030204" pitchFamily="49" charset="0"/>
             </a:endParaRPr>
@@ -21887,43 +22116,74 @@
               <a:rPr lang="en-US" altLang="ko-KR" sz="1600" dirty="0">
                 <a:latin typeface="Consolas" panose="020B0609020204030204" pitchFamily="49" charset="0"/>
               </a:rPr>
-              <a:t>    public SimpleDateFormat format = new SimpleDateFormat("</a:t>
+              <a:t>            myIntent.addFlags(Intent.FLAG_ACTIVITY_NEW_TASK |</a:t>
+            </a:r>
+          </a:p>
+          <a:p>
+            <a:r>
+              <a:rPr lang="en-US" altLang="ko-KR" sz="1600" dirty="0">
+                <a:latin typeface="Consolas" panose="020B0609020204030204" pitchFamily="49" charset="0"/>
+              </a:rPr>
+              <a:t>                    </a:t>
             </a:r>
             <a:r>
               <a:rPr lang="en-US" altLang="ko-KR" sz="1600" dirty="0" err="1">
                 <a:latin typeface="Consolas" panose="020B0609020204030204" pitchFamily="49" charset="0"/>
               </a:rPr>
-              <a:t>yyyy</a:t>
+              <a:t>Intent.FLAG_ACTIVITY_SINGLE_TOP|Intent.FLAG_ACTIVITY_CLEAR_TOP</a:t>
             </a:r>
             <a:r>
               <a:rPr lang="en-US" altLang="ko-KR" sz="1600" dirty="0">
                 <a:latin typeface="Consolas" panose="020B0609020204030204" pitchFamily="49" charset="0"/>
               </a:rPr>
-              <a:t>-MM-</a:t>
-            </a:r>
-            <a:r>
-              <a:rPr lang="en-US" altLang="ko-KR" sz="1600" dirty="0" err="1">
-                <a:latin typeface="Consolas" panose="020B0609020204030204" pitchFamily="49" charset="0"/>
-              </a:rPr>
-              <a:t>dd</a:t>
-            </a:r>
+              <a:t>);</a:t>
+            </a:r>
+          </a:p>
+          <a:p>
             <a:r>
               <a:rPr lang="en-US" altLang="ko-KR" sz="1600" dirty="0">
                 <a:latin typeface="Consolas" panose="020B0609020204030204" pitchFamily="49" charset="0"/>
               </a:rPr>
+              <a:t>            </a:t>
+            </a:r>
+            <a:endParaRPr lang="en-US" altLang="ko-KR" sz="1600" dirty="0" smtClean="0">
+              <a:latin typeface="Consolas" panose="020B0609020204030204" pitchFamily="49" charset="0"/>
+            </a:endParaRPr>
+          </a:p>
+          <a:p>
+            <a:r>
+              <a:rPr lang="en-US" altLang="ko-KR" sz="1600" dirty="0">
+                <a:latin typeface="Consolas" panose="020B0609020204030204" pitchFamily="49" charset="0"/>
+              </a:rPr>
               <a:t> </a:t>
             </a:r>
             <a:r>
-              <a:rPr lang="en-US" altLang="ko-KR" sz="1600" dirty="0" err="1">
-                <a:latin typeface="Consolas" panose="020B0609020204030204" pitchFamily="49" charset="0"/>
-              </a:rPr>
-              <a:t>HH:mm:ss</a:t>
+              <a:rPr lang="en-US" altLang="ko-KR" sz="1600" dirty="0" smtClean="0">
+                <a:latin typeface="Consolas" panose="020B0609020204030204" pitchFamily="49" charset="0"/>
+              </a:rPr>
+              <a:t>           myIntent.putExtra</a:t>
             </a:r>
             <a:r>
               <a:rPr lang="en-US" altLang="ko-KR" sz="1600" dirty="0">
                 <a:latin typeface="Consolas" panose="020B0609020204030204" pitchFamily="49" charset="0"/>
               </a:rPr>
-              <a:t>");</a:t>
+              <a:t>("sender", sender);</a:t>
+            </a:r>
+          </a:p>
+          <a:p>
+            <a:r>
+              <a:rPr lang="en-US" altLang="ko-KR" sz="1600" dirty="0">
+                <a:latin typeface="Consolas" panose="020B0609020204030204" pitchFamily="49" charset="0"/>
+              </a:rPr>
+              <a:t>            myIntent.putExtra("contents", contents);</a:t>
+            </a:r>
+          </a:p>
+          <a:p>
+            <a:r>
+              <a:rPr lang="en-US" altLang="ko-KR" sz="1600" dirty="0">
+                <a:latin typeface="Consolas" panose="020B0609020204030204" pitchFamily="49" charset="0"/>
+              </a:rPr>
+              <a:t>            myIntent.putExtra("receivedDate", format.format(receivedDate));</a:t>
             </a:r>
           </a:p>
           <a:p>
@@ -21936,7 +22196,7 @@
               <a:rPr lang="en-US" altLang="ko-KR" sz="1600" dirty="0">
                 <a:latin typeface="Consolas" panose="020B0609020204030204" pitchFamily="49" charset="0"/>
               </a:rPr>
-              <a:t>    @Override</a:t>
+              <a:t>            context.startActivity(myIntent);</a:t>
             </a:r>
           </a:p>
           <a:p>
@@ -21944,234 +22204,14 @@
               <a:rPr lang="en-US" altLang="ko-KR" sz="1600" dirty="0">
                 <a:latin typeface="Consolas" panose="020B0609020204030204" pitchFamily="49" charset="0"/>
               </a:rPr>
-              <a:t>    public void onReceive(Context </a:t>
-            </a:r>
-            <a:r>
-              <a:rPr lang="en-US" altLang="ko-KR" sz="1600" dirty="0" err="1">
-                <a:latin typeface="Consolas" panose="020B0609020204030204" pitchFamily="49" charset="0"/>
-              </a:rPr>
-              <a:t>context</a:t>
-            </a:r>
-            <a:r>
-              <a:rPr lang="en-US" altLang="ko-KR" sz="1600" dirty="0">
-                <a:latin typeface="Consolas" panose="020B0609020204030204" pitchFamily="49" charset="0"/>
-              </a:rPr>
-              <a:t>, Intent intent) {</a:t>
-            </a:r>
-          </a:p>
-          <a:p>
-            <a:r>
-              <a:rPr lang="en-US" altLang="ko-KR" sz="1600" dirty="0">
-                <a:latin typeface="Consolas" panose="020B0609020204030204" pitchFamily="49" charset="0"/>
-              </a:rPr>
-              <a:t>        Log.i(TAG, "&gt;onReceive</a:t>
+              <a:t>        </a:t>
             </a:r>
             <a:r>
               <a:rPr lang="en-US" altLang="ko-KR" sz="1600" dirty="0" smtClean="0">
                 <a:latin typeface="Consolas" panose="020B0609020204030204" pitchFamily="49" charset="0"/>
               </a:rPr>
-              <a:t>()");</a:t>
-            </a:r>
-          </a:p>
-          <a:p>
-            <a:r>
-              <a:rPr lang="en-US" altLang="ko-KR" sz="1600" dirty="0" smtClean="0">
-                <a:latin typeface="Consolas" panose="020B0609020204030204" pitchFamily="49" charset="0"/>
-              </a:rPr>
-              <a:t>...</a:t>
-            </a:r>
-            <a:endParaRPr lang="en-US" altLang="ko-KR" sz="1600" dirty="0">
-              <a:latin typeface="Consolas" panose="020B0609020204030204" pitchFamily="49" charset="0"/>
-            </a:endParaRPr>
-          </a:p>
-          <a:p>
-            <a:r>
-              <a:rPr lang="en-US" altLang="ko-KR" sz="1600" dirty="0">
-                <a:latin typeface="Consolas" panose="020B0609020204030204" pitchFamily="49" charset="0"/>
-              </a:rPr>
-              <a:t> </a:t>
-            </a:r>
-            <a:r>
-              <a:rPr lang="en-US" altLang="ko-KR" sz="1600" dirty="0" smtClean="0">
-                <a:latin typeface="Consolas" panose="020B0609020204030204" pitchFamily="49" charset="0"/>
-              </a:rPr>
-              <a:t>           Date </a:t>
-            </a:r>
-            <a:r>
-              <a:rPr lang="en-US" altLang="ko-KR" sz="1600" dirty="0">
-                <a:latin typeface="Consolas" panose="020B0609020204030204" pitchFamily="49" charset="0"/>
-              </a:rPr>
-              <a:t>receivedDate = new Date(messages[0].</a:t>
-            </a:r>
-            <a:r>
-              <a:rPr lang="en-US" altLang="ko-KR" sz="1600" dirty="0" err="1">
-                <a:latin typeface="Consolas" panose="020B0609020204030204" pitchFamily="49" charset="0"/>
-              </a:rPr>
-              <a:t>getTimestampMillis</a:t>
-            </a:r>
-            <a:r>
-              <a:rPr lang="en-US" altLang="ko-KR" sz="1600" dirty="0">
-                <a:latin typeface="Consolas" panose="020B0609020204030204" pitchFamily="49" charset="0"/>
-              </a:rPr>
-              <a:t>());</a:t>
-            </a:r>
-          </a:p>
-          <a:p>
-            <a:r>
-              <a:rPr lang="en-US" altLang="ko-KR" sz="1600" dirty="0">
-                <a:latin typeface="Consolas" panose="020B0609020204030204" pitchFamily="49" charset="0"/>
-              </a:rPr>
-              <a:t>            Log.i(TAG, "SMS received date : " + receivedDate.toString());</a:t>
-            </a:r>
-          </a:p>
-          <a:p>
-            <a:endParaRPr lang="en-US" altLang="ko-KR" sz="1600" dirty="0">
-              <a:latin typeface="Consolas" panose="020B0609020204030204" pitchFamily="49" charset="0"/>
-            </a:endParaRPr>
-          </a:p>
-          <a:p>
-            <a:r>
-              <a:rPr lang="en-US" altLang="ko-KR" sz="1600" dirty="0">
-                <a:latin typeface="Consolas" panose="020B0609020204030204" pitchFamily="49" charset="0"/>
-              </a:rPr>
-              <a:t>            sendToActivity(context, sender, contents, receivedDate);</a:t>
-            </a:r>
-          </a:p>
-          <a:p>
-            <a:r>
-              <a:rPr lang="en-US" altLang="ko-KR" sz="1600" dirty="0">
-                <a:latin typeface="Consolas" panose="020B0609020204030204" pitchFamily="49" charset="0"/>
-              </a:rPr>
-              <a:t>        }</a:t>
-            </a:r>
-          </a:p>
-          <a:p>
-            <a:r>
-              <a:rPr lang="en-US" altLang="ko-KR" sz="1600" dirty="0">
-                <a:latin typeface="Consolas" panose="020B0609020204030204" pitchFamily="49" charset="0"/>
-              </a:rPr>
-              <a:t>    }</a:t>
-            </a:r>
-            <a:endParaRPr lang="en-US" altLang="ko-KR" sz="1600" dirty="0" smtClean="0">
-              <a:latin typeface="Consolas" panose="020B0609020204030204" pitchFamily="49" charset="0"/>
-            </a:endParaRPr>
-          </a:p>
-          <a:p>
-            <a:endParaRPr lang="en-US" altLang="ko-KR" sz="1600" dirty="0" smtClean="0">
-              <a:latin typeface="Consolas" panose="020B0609020204030204" pitchFamily="49" charset="0"/>
-            </a:endParaRPr>
-          </a:p>
-          <a:p>
-            <a:r>
-              <a:rPr lang="en-US" altLang="ko-KR" sz="1600" dirty="0">
-                <a:latin typeface="Consolas" panose="020B0609020204030204" pitchFamily="49" charset="0"/>
-              </a:rPr>
-              <a:t>// </a:t>
-            </a:r>
-            <a:r>
-              <a:rPr lang="ko-KR" altLang="en-US" sz="1600" dirty="0">
-                <a:latin typeface="Consolas" panose="020B0609020204030204" pitchFamily="49" charset="0"/>
-              </a:rPr>
-              <a:t>여기에 계속 코딩합니다</a:t>
-            </a:r>
-            <a:r>
-              <a:rPr lang="en-US" altLang="ko-KR" sz="1600" dirty="0">
-                <a:latin typeface="Consolas" panose="020B0609020204030204" pitchFamily="49" charset="0"/>
-              </a:rPr>
-              <a:t>. </a:t>
-            </a:r>
-          </a:p>
-        </p:txBody>
-      </p:sp>
-      <p:sp>
-        <p:nvSpPr>
-          <p:cNvPr id="7" name="모서리가 둥근 직사각형 6"/>
-          <p:cNvSpPr/>
-          <p:nvPr/>
-        </p:nvSpPr>
-        <p:spPr>
-          <a:xfrm flipV="1">
-            <a:off x="414399" y="1830734"/>
-            <a:ext cx="9361039" cy="302122"/>
-          </a:xfrm>
-          <a:prstGeom prst="roundRect">
-            <a:avLst/>
-          </a:prstGeom>
-          <a:solidFill>
-            <a:srgbClr val="FFFF00">
-              <a:alpha val="10000"/>
-            </a:srgbClr>
-          </a:solidFill>
-          <a:ln w="3175"/>
-        </p:spPr>
-        <p:style>
-          <a:lnRef idx="2">
-            <a:schemeClr val="accent1">
-              <a:shade val="50000"/>
-            </a:schemeClr>
-          </a:lnRef>
-          <a:fillRef idx="1">
-            <a:schemeClr val="accent1"/>
-          </a:fillRef>
-          <a:effectRef idx="0">
-            <a:schemeClr val="accent1"/>
-          </a:effectRef>
-          <a:fontRef idx="minor">
-            <a:schemeClr val="lt1"/>
-          </a:fontRef>
-        </p:style>
-        <p:txBody>
-          <a:bodyPr rtlCol="0" anchor="ctr"/>
-          <a:lstStyle/>
-          <a:p>
-            <a:pPr algn="ctr"/>
-            <a:endParaRPr lang="ko-KR" altLang="en-US"/>
-          </a:p>
-        </p:txBody>
-      </p:sp>
-      <p:sp>
-        <p:nvSpPr>
-          <p:cNvPr id="8" name="모서리가 둥근 직사각형 7"/>
-          <p:cNvSpPr/>
-          <p:nvPr/>
-        </p:nvSpPr>
-        <p:spPr>
-          <a:xfrm flipV="1">
-            <a:off x="414398" y="3990974"/>
-            <a:ext cx="9361039" cy="302122"/>
-          </a:xfrm>
-          <a:prstGeom prst="roundRect">
-            <a:avLst/>
-          </a:prstGeom>
-          <a:solidFill>
-            <a:srgbClr val="FFFF00">
-              <a:alpha val="10000"/>
-            </a:srgbClr>
-          </a:solidFill>
-          <a:ln w="3175"/>
-        </p:spPr>
-        <p:style>
-          <a:lnRef idx="2">
-            <a:schemeClr val="accent1">
-              <a:shade val="50000"/>
-            </a:schemeClr>
-          </a:lnRef>
-          <a:fillRef idx="1">
-            <a:schemeClr val="accent1"/>
-          </a:fillRef>
-          <a:effectRef idx="0">
-            <a:schemeClr val="accent1"/>
-          </a:effectRef>
-          <a:fontRef idx="minor">
-            <a:schemeClr val="lt1"/>
-          </a:fontRef>
-        </p:style>
-        <p:txBody>
-          <a:bodyPr rtlCol="0" anchor="ctr"/>
-          <a:lstStyle/>
-          <a:p>
-            <a:pPr algn="ctr"/>
-            <a:endParaRPr lang="ko-KR" altLang="en-US"/>
+              <a:t>}</a:t>
+            </a:r>
           </a:p>
         </p:txBody>
       </p:sp>
@@ -22183,8 +22223,8 @@
         </p:nvSpPr>
         <p:spPr>
           <a:xfrm>
-            <a:off x="8328248" y="4147153"/>
-            <a:ext cx="3600400" cy="338554"/>
+            <a:off x="7187763" y="3309537"/>
+            <a:ext cx="4752528" cy="1323439"/>
           </a:xfrm>
           <a:prstGeom prst="rect">
             <a:avLst/>
@@ -22208,51 +22248,103 @@
           <a:p>
             <a:pPr latinLnBrk="0"/>
             <a:r>
-              <a:rPr lang="en-US" altLang="ko-KR" sz="1600" dirty="0" err="1" smtClean="0">
-                <a:sym typeface="Wingdings" panose="05000000000000000000" pitchFamily="2" charset="2"/>
-              </a:rPr>
-              <a:t>smsActivity</a:t>
-            </a:r>
-            <a:r>
               <a:rPr lang="ko-KR" altLang="en-US" sz="1600" dirty="0" smtClean="0">
                 <a:sym typeface="Wingdings" panose="05000000000000000000" pitchFamily="2" charset="2"/>
               </a:rPr>
-              <a:t>로 인텐트를 보내는 </a:t>
+              <a:t>브로드캐스트 수신자는 화면이 없으므로 </a:t>
             </a:r>
             <a:r>
               <a:rPr lang="ko-KR" altLang="en-US" sz="1600" dirty="0" err="1" smtClean="0">
                 <a:sym typeface="Wingdings" panose="05000000000000000000" pitchFamily="2" charset="2"/>
               </a:rPr>
-              <a:t>메소드</a:t>
-            </a:r>
-            <a:endParaRPr lang="ko-KR" altLang="en-US" sz="1600" dirty="0"/>
+              <a:t>인텐트에</a:t>
+            </a:r>
+            <a:r>
+              <a:rPr lang="ko-KR" altLang="en-US" sz="1600" dirty="0" smtClean="0">
+                <a:sym typeface="Wingdings" panose="05000000000000000000" pitchFamily="2" charset="2"/>
+              </a:rPr>
+              <a:t>  </a:t>
+            </a:r>
+            <a:r>
+              <a:rPr lang="en-US" altLang="ko-KR" sz="1600" dirty="0" smtClean="0">
+                <a:sym typeface="Wingdings" panose="05000000000000000000" pitchFamily="2" charset="2"/>
+              </a:rPr>
+              <a:t>FLAG_ACTIVITY_NEW_TASK </a:t>
+            </a:r>
+            <a:r>
+              <a:rPr lang="ko-KR" altLang="en-US" sz="1600" dirty="0" smtClean="0">
+                <a:sym typeface="Wingdings" panose="05000000000000000000" pitchFamily="2" charset="2"/>
+              </a:rPr>
+              <a:t>플래그를 추가해야 합니다</a:t>
+            </a:r>
+            <a:r>
+              <a:rPr lang="en-US" altLang="ko-KR" sz="1600" dirty="0" smtClean="0">
+                <a:sym typeface="Wingdings" panose="05000000000000000000" pitchFamily="2" charset="2"/>
+              </a:rPr>
+              <a:t>. </a:t>
+            </a:r>
+            <a:r>
+              <a:rPr lang="ko-KR" altLang="en-US" sz="1600" dirty="0">
+                <a:sym typeface="Wingdings" panose="05000000000000000000" pitchFamily="2" charset="2"/>
+              </a:rPr>
+              <a:t> </a:t>
+            </a:r>
+            <a:r>
+              <a:rPr lang="ko-KR" altLang="en-US" sz="1600" dirty="0" smtClean="0">
+                <a:sym typeface="Wingdings" panose="05000000000000000000" pitchFamily="2" charset="2"/>
+              </a:rPr>
+              <a:t>이미 메모리에 </a:t>
+            </a:r>
+            <a:r>
+              <a:rPr lang="en-US" altLang="ko-KR" sz="1600" dirty="0" smtClean="0">
+                <a:sym typeface="Wingdings" panose="05000000000000000000" pitchFamily="2" charset="2"/>
+              </a:rPr>
+              <a:t>SmsActivity</a:t>
+            </a:r>
+            <a:r>
+              <a:rPr lang="ko-KR" altLang="en-US" sz="1600" dirty="0" smtClean="0">
+                <a:sym typeface="Wingdings" panose="05000000000000000000" pitchFamily="2" charset="2"/>
+              </a:rPr>
+              <a:t>가 있으므로 액티비티를 중복해서 만들지 않도록 </a:t>
+            </a:r>
+            <a:r>
+              <a:rPr lang="en-US" altLang="ko-KR" sz="1600" dirty="0" smtClean="0">
+                <a:sym typeface="Wingdings" panose="05000000000000000000" pitchFamily="2" charset="2"/>
+              </a:rPr>
+              <a:t>FLAG_ACTIVITY_SINGLE_TOP</a:t>
+            </a:r>
+            <a:r>
+              <a:rPr lang="ko-KR" altLang="en-US" sz="1600" dirty="0">
+                <a:sym typeface="Wingdings" panose="05000000000000000000" pitchFamily="2" charset="2"/>
+              </a:rPr>
+              <a:t> </a:t>
+            </a:r>
+            <a:r>
+              <a:rPr lang="ko-KR" altLang="en-US" sz="1600" dirty="0" smtClean="0">
+                <a:sym typeface="Wingdings" panose="05000000000000000000" pitchFamily="2" charset="2"/>
+              </a:rPr>
+              <a:t>도 추가해야 합니다 </a:t>
+            </a:r>
+            <a:endParaRPr lang="en-US" altLang="ko-KR" sz="1600" dirty="0" smtClean="0">
+              <a:sym typeface="Wingdings" panose="05000000000000000000" pitchFamily="2" charset="2"/>
+            </a:endParaRPr>
           </a:p>
         </p:txBody>
       </p:sp>
       <p:sp>
         <p:nvSpPr>
-          <p:cNvPr id="10" name="직사각형 9"/>
+          <p:cNvPr id="6" name="직사각형 5"/>
           <p:cNvSpPr/>
           <p:nvPr/>
         </p:nvSpPr>
         <p:spPr>
           <a:xfrm>
-            <a:off x="8328248" y="2112996"/>
-            <a:ext cx="3600400" cy="584775"/>
+            <a:off x="392807" y="5293579"/>
+            <a:ext cx="11337396" cy="1077218"/>
           </a:xfrm>
           <a:prstGeom prst="rect">
             <a:avLst/>
           </a:prstGeom>
-          <a:solidFill>
-            <a:srgbClr val="FFC000"/>
-          </a:solidFill>
-          <a:ln>
-            <a:solidFill>
-              <a:schemeClr val="bg1">
-                <a:lumMod val="75000"/>
-              </a:schemeClr>
-            </a:solidFill>
-          </a:ln>
         </p:spPr>
         <p:txBody>
           <a:bodyPr wrap="square">
@@ -22260,27 +22352,128 @@
           </a:bodyPr>
           <a:lstStyle/>
           <a:p>
-            <a:pPr latinLnBrk="0"/>
+            <a:pPr marL="285750" indent="-285750">
+              <a:buFont typeface="Arial" panose="020B0604020202020204" pitchFamily="34" charset="0"/>
+              <a:buChar char="•"/>
+            </a:pPr>
             <a:r>
               <a:rPr lang="ko-KR" altLang="en-US" sz="1600" dirty="0" smtClean="0">
                 <a:sym typeface="Wingdings" panose="05000000000000000000" pitchFamily="2" charset="2"/>
               </a:rPr>
-              <a:t>사용자가 알아보기 좋은 날짜 형태로 만들기 위해 자바 클래스를 사용합니다</a:t>
+              <a:t>이번 실습에서 브로드캐스트 수신자는 </a:t>
+            </a:r>
+            <a:r>
+              <a:rPr lang="ko-KR" altLang="en-US" sz="1600" dirty="0" err="1" smtClean="0">
+                <a:sym typeface="Wingdings" panose="05000000000000000000" pitchFamily="2" charset="2"/>
+              </a:rPr>
+              <a:t>매니페스트</a:t>
+            </a:r>
+            <a:r>
+              <a:rPr lang="ko-KR" altLang="en-US" sz="1600" dirty="0" smtClean="0">
+                <a:sym typeface="Wingdings" panose="05000000000000000000" pitchFamily="2" charset="2"/>
+              </a:rPr>
+              <a:t> 파일 안에 </a:t>
             </a:r>
             <a:r>
               <a:rPr lang="en-US" altLang="ko-KR" sz="1600" dirty="0" smtClean="0">
                 <a:sym typeface="Wingdings" panose="05000000000000000000" pitchFamily="2" charset="2"/>
               </a:rPr>
-              <a:t>.</a:t>
-            </a:r>
-            <a:endParaRPr lang="ko-KR" altLang="en-US" sz="1600" dirty="0"/>
+              <a:t>&lt;receiver&gt; </a:t>
+            </a:r>
+            <a:r>
+              <a:rPr lang="ko-KR" altLang="en-US" sz="1600" dirty="0" smtClean="0">
+                <a:sym typeface="Wingdings" panose="05000000000000000000" pitchFamily="2" charset="2"/>
+              </a:rPr>
+              <a:t>태그로 추가되어 있지만 </a:t>
+            </a:r>
+            <a:r>
+              <a:rPr lang="ko-KR" altLang="en-US" sz="1600" dirty="0" err="1" smtClean="0">
+                <a:sym typeface="Wingdings" panose="05000000000000000000" pitchFamily="2" charset="2"/>
+              </a:rPr>
+              <a:t>매니페스트에</a:t>
+            </a:r>
+            <a:r>
+              <a:rPr lang="ko-KR" altLang="en-US" sz="1600" dirty="0" smtClean="0">
+                <a:sym typeface="Wingdings" panose="05000000000000000000" pitchFamily="2" charset="2"/>
+              </a:rPr>
+              <a:t> 등록하지 않고 소스 파일에서 </a:t>
+            </a:r>
+            <a:r>
+              <a:rPr lang="en-US" altLang="ko-KR" sz="1600" dirty="0" err="1" smtClean="0">
+                <a:sym typeface="Wingdings" panose="05000000000000000000" pitchFamily="2" charset="2"/>
+              </a:rPr>
+              <a:t>registerReceiver</a:t>
+            </a:r>
+            <a:r>
+              <a:rPr lang="en-US" altLang="ko-KR" sz="1600" dirty="0" smtClean="0">
+                <a:sym typeface="Wingdings" panose="05000000000000000000" pitchFamily="2" charset="2"/>
+              </a:rPr>
+              <a:t>() </a:t>
+            </a:r>
+            <a:r>
+              <a:rPr lang="ko-KR" altLang="en-US" sz="1600" dirty="0" smtClean="0">
+                <a:sym typeface="Wingdings" panose="05000000000000000000" pitchFamily="2" charset="2"/>
+              </a:rPr>
+              <a:t>메소드를 사용해 등록할 수도 있습니다</a:t>
+            </a:r>
+            <a:r>
+              <a:rPr lang="en-US" altLang="ko-KR" sz="1600" dirty="0" smtClean="0">
+                <a:sym typeface="Wingdings" panose="05000000000000000000" pitchFamily="2" charset="2"/>
+              </a:rPr>
+              <a:t>. </a:t>
+            </a:r>
+          </a:p>
+          <a:p>
+            <a:pPr marL="285750" indent="-285750">
+              <a:buFont typeface="Arial" panose="020B0604020202020204" pitchFamily="34" charset="0"/>
+              <a:buChar char="•"/>
+            </a:pPr>
+            <a:r>
+              <a:rPr lang="ko-KR" altLang="en-US" sz="1600" dirty="0" smtClean="0">
+                <a:sym typeface="Wingdings" panose="05000000000000000000" pitchFamily="2" charset="2"/>
+              </a:rPr>
+              <a:t>이렇게 소스 파일에서 등록하면 화면이 사용자에게 보일 때만 브로드캐스트 수신자에서 메시지를 받도록 만들 수 있습니다</a:t>
+            </a:r>
+            <a:r>
+              <a:rPr lang="en-US" altLang="ko-KR" sz="1600" dirty="0" smtClean="0">
+                <a:sym typeface="Wingdings" panose="05000000000000000000" pitchFamily="2" charset="2"/>
+              </a:rPr>
+              <a:t>. </a:t>
+            </a:r>
+            <a:r>
+              <a:rPr lang="ko-KR" altLang="en-US" sz="1600" dirty="0" smtClean="0">
+                <a:sym typeface="Wingdings" panose="05000000000000000000" pitchFamily="2" charset="2"/>
+              </a:rPr>
+              <a:t>따라서 필요에 따라 </a:t>
+            </a:r>
+            <a:r>
+              <a:rPr lang="ko-KR" altLang="en-US" sz="1600" dirty="0" err="1" smtClean="0">
+                <a:sym typeface="Wingdings" panose="05000000000000000000" pitchFamily="2" charset="2"/>
+              </a:rPr>
+              <a:t>매니페스트</a:t>
+            </a:r>
+            <a:r>
+              <a:rPr lang="ko-KR" altLang="en-US" sz="1600" dirty="0" smtClean="0">
+                <a:sym typeface="Wingdings" panose="05000000000000000000" pitchFamily="2" charset="2"/>
+              </a:rPr>
+              <a:t> 파일에 등록하거나 또는 소스 파일에서 등록하여 사용합니다</a:t>
+            </a:r>
+            <a:r>
+              <a:rPr lang="en-US" altLang="ko-KR" sz="1600" dirty="0" smtClean="0">
+                <a:sym typeface="Wingdings" panose="05000000000000000000" pitchFamily="2" charset="2"/>
+              </a:rPr>
+              <a:t>. </a:t>
+            </a:r>
+            <a:endParaRPr lang="en-US" altLang="ko-KR" sz="1600" dirty="0">
+              <a:sym typeface="Wingdings" panose="05000000000000000000" pitchFamily="2" charset="2"/>
+            </a:endParaRPr>
           </a:p>
         </p:txBody>
       </p:sp>
     </p:spTree>
     <p:extLst>
       <p:ext uri="{BB962C8B-B14F-4D97-AF65-F5344CB8AC3E}">
-        <p14:creationId xmlns:p14="http://schemas.microsoft.com/office/powerpoint/2010/main" val="2852041257"/>
+        <p14:creationId xmlns:p14="http://schemas.microsoft.com/office/powerpoint/2010/main" val="2312025971"/>
       </p:ext>
     </p:extLst>
   </p:cSld>
@@ -22380,67 +22573,6 @@
             <a:pPr marL="0" indent="0">
               <a:buNone/>
             </a:pPr>
-            <a:r>
-              <a:rPr lang="en-US" altLang="ko-KR" b="1" dirty="0" smtClean="0">
-                <a:sym typeface="Wingdings" panose="05000000000000000000" pitchFamily="2" charset="2"/>
-              </a:rPr>
-              <a:t>SmsReceiver.java </a:t>
-            </a:r>
-            <a:r>
-              <a:rPr lang="ko-KR" altLang="en-US" b="1" dirty="0" smtClean="0">
-                <a:sym typeface="Wingdings" panose="05000000000000000000" pitchFamily="2" charset="2"/>
-              </a:rPr>
-              <a:t>코딩</a:t>
-            </a:r>
-            <a:r>
-              <a:rPr lang="en-US" altLang="ko-KR" b="1" dirty="0" smtClean="0">
-                <a:sym typeface="Wingdings" panose="05000000000000000000" pitchFamily="2" charset="2"/>
-              </a:rPr>
-              <a:t>:</a:t>
-            </a:r>
-            <a:r>
-              <a:rPr lang="en-US" altLang="ko-KR" dirty="0" smtClean="0">
-                <a:sym typeface="Wingdings" panose="05000000000000000000" pitchFamily="2" charset="2"/>
-              </a:rPr>
-              <a:t> SmsReceiver.java</a:t>
-            </a:r>
-            <a:r>
-              <a:rPr lang="ko-KR" altLang="en-US" dirty="0" smtClean="0">
-                <a:sym typeface="Wingdings" panose="05000000000000000000" pitchFamily="2" charset="2"/>
-              </a:rPr>
-              <a:t>에서 </a:t>
-            </a:r>
-            <a:r>
-              <a:rPr lang="en-US" altLang="ko-KR" dirty="0" smtClean="0">
-                <a:sym typeface="Wingdings" panose="05000000000000000000" pitchFamily="2" charset="2"/>
-              </a:rPr>
-              <a:t>SmsActivity</a:t>
-            </a:r>
-            <a:r>
-              <a:rPr lang="ko-KR" altLang="en-US" dirty="0" smtClean="0">
-                <a:sym typeface="Wingdings" panose="05000000000000000000" pitchFamily="2" charset="2"/>
-              </a:rPr>
-              <a:t>로 인텐트를 전달하는 코드를 추가해야 합니다</a:t>
-            </a:r>
-            <a:r>
-              <a:rPr lang="en-US" altLang="ko-KR" dirty="0" smtClean="0">
-                <a:sym typeface="Wingdings" panose="05000000000000000000" pitchFamily="2" charset="2"/>
-              </a:rPr>
-              <a:t>. </a:t>
-            </a:r>
-          </a:p>
-          <a:p>
-            <a:pPr marL="0" indent="0">
-              <a:buNone/>
-            </a:pPr>
-            <a:endParaRPr lang="en-US" altLang="ko-KR" dirty="0" smtClean="0">
-              <a:sym typeface="Wingdings" panose="05000000000000000000" pitchFamily="2" charset="2"/>
-            </a:endParaRPr>
-          </a:p>
-          <a:p>
-            <a:pPr marL="0" indent="0">
-              <a:buNone/>
-            </a:pPr>
             <a:endParaRPr lang="en-US" altLang="ko-KR" dirty="0">
               <a:sym typeface="Wingdings" panose="05000000000000000000" pitchFamily="2" charset="2"/>
             </a:endParaRPr>
@@ -22540,8 +22672,8 @@
         </p:nvSpPr>
         <p:spPr>
           <a:xfrm>
-            <a:off x="397825" y="1268760"/>
-            <a:ext cx="11530823" cy="3785652"/>
+            <a:off x="397825" y="836712"/>
+            <a:ext cx="11530823" cy="4031873"/>
           </a:xfrm>
           <a:prstGeom prst="rect">
             <a:avLst/>
@@ -22566,62 +22698,84 @@
           <a:lstStyle/>
           <a:p>
             <a:r>
+              <a:rPr lang="en-US" altLang="ko-KR" sz="1600">
+                <a:latin typeface="Consolas" panose="020B0609020204030204" pitchFamily="49" charset="0"/>
+              </a:rPr>
+              <a:t> </a:t>
+            </a:r>
+            <a:r>
+              <a:rPr lang="en-US" altLang="ko-KR" sz="1600" smtClean="0">
+                <a:latin typeface="Consolas" panose="020B0609020204030204" pitchFamily="49" charset="0"/>
+              </a:rPr>
+              <a:t>   private </a:t>
+            </a:r>
+            <a:r>
+              <a:rPr lang="en-US" altLang="ko-KR" sz="1600" dirty="0" err="1">
+                <a:latin typeface="Consolas" panose="020B0609020204030204" pitchFamily="49" charset="0"/>
+              </a:rPr>
+              <a:t>SmsMessage</a:t>
+            </a:r>
+            <a:r>
               <a:rPr lang="en-US" altLang="ko-KR" sz="1600" dirty="0">
                 <a:latin typeface="Consolas" panose="020B0609020204030204" pitchFamily="49" charset="0"/>
               </a:rPr>
-              <a:t> </a:t>
-            </a:r>
-            <a:r>
-              <a:rPr lang="en-US" altLang="ko-KR" sz="1600" dirty="0" smtClean="0">
-                <a:latin typeface="Consolas" panose="020B0609020204030204" pitchFamily="49" charset="0"/>
-              </a:rPr>
-              <a:t>   private </a:t>
+              <a:t>[] </a:t>
+            </a:r>
+            <a:r>
+              <a:rPr lang="en-US" altLang="ko-KR" sz="1600" dirty="0" err="1">
+                <a:latin typeface="Consolas" panose="020B0609020204030204" pitchFamily="49" charset="0"/>
+              </a:rPr>
+              <a:t>parseSmsMessage</a:t>
             </a:r>
             <a:r>
               <a:rPr lang="en-US" altLang="ko-KR" sz="1600" dirty="0">
                 <a:latin typeface="Consolas" panose="020B0609020204030204" pitchFamily="49" charset="0"/>
               </a:rPr>
-              <a:t>void sendToActivity(Context </a:t>
+              <a:t>(Bundle bundle) {</a:t>
+            </a:r>
+          </a:p>
+          <a:p>
+            <a:r>
+              <a:rPr lang="en-US" altLang="ko-KR" sz="1600" dirty="0">
+                <a:latin typeface="Consolas" panose="020B0609020204030204" pitchFamily="49" charset="0"/>
+              </a:rPr>
+              <a:t>        Object[] </a:t>
             </a:r>
             <a:r>
               <a:rPr lang="en-US" altLang="ko-KR" sz="1600" dirty="0" err="1">
                 <a:latin typeface="Consolas" panose="020B0609020204030204" pitchFamily="49" charset="0"/>
               </a:rPr>
-              <a:t>context</a:t>
+              <a:t>objs</a:t>
             </a:r>
             <a:r>
               <a:rPr lang="en-US" altLang="ko-KR" sz="1600" dirty="0">
                 <a:latin typeface="Consolas" panose="020B0609020204030204" pitchFamily="49" charset="0"/>
               </a:rPr>
-              <a:t>, String sender, String contents, Date receivedDate) {</a:t>
-            </a:r>
-          </a:p>
-          <a:p>
+              <a:t> = (Object[]) </a:t>
+            </a:r>
+            <a:r>
+              <a:rPr lang="en-US" altLang="ko-KR" sz="1600" dirty="0" err="1">
+                <a:latin typeface="Consolas" panose="020B0609020204030204" pitchFamily="49" charset="0"/>
+              </a:rPr>
+              <a:t>bundle.get</a:t>
+            </a:r>
             <a:r>
               <a:rPr lang="en-US" altLang="ko-KR" sz="1600" dirty="0">
                 <a:latin typeface="Consolas" panose="020B0609020204030204" pitchFamily="49" charset="0"/>
               </a:rPr>
-              <a:t>        </a:t>
-            </a:r>
-          </a:p>
-          <a:p>
-            <a:r>
-              <a:rPr lang="en-US" altLang="ko-KR" sz="1600" dirty="0" smtClean="0">
-                <a:latin typeface="Consolas" panose="020B0609020204030204" pitchFamily="49" charset="0"/>
-              </a:rPr>
-              <a:t>        Intent </a:t>
+              <a:t>("</a:t>
+            </a:r>
+            <a:r>
+              <a:rPr lang="en-US" altLang="ko-KR" sz="1600" dirty="0" err="1">
+                <a:latin typeface="Consolas" panose="020B0609020204030204" pitchFamily="49" charset="0"/>
+              </a:rPr>
+              <a:t>pdus</a:t>
             </a:r>
             <a:r>
               <a:rPr lang="en-US" altLang="ko-KR" sz="1600" dirty="0">
                 <a:latin typeface="Consolas" panose="020B0609020204030204" pitchFamily="49" charset="0"/>
               </a:rPr>
-              <a:t>myIntent = new Intent(context, SmsActivity.class</a:t>
-            </a:r>
-            <a:r>
-              <a:rPr lang="en-US" altLang="ko-KR" sz="1600" dirty="0" smtClean="0">
-                <a:latin typeface="Consolas" panose="020B0609020204030204" pitchFamily="49" charset="0"/>
-              </a:rPr>
-              <a:t>);</a:t>
+              <a:t>");</a:t>
             </a:r>
           </a:p>
           <a:p>
@@ -22637,18 +22791,263 @@
               <a:t>        </a:t>
             </a:r>
             <a:r>
+              <a:rPr lang="en-US" altLang="ko-KR" sz="1600" dirty="0" err="1">
+                <a:latin typeface="Consolas" panose="020B0609020204030204" pitchFamily="49" charset="0"/>
+              </a:rPr>
+              <a:t>SmsMessage</a:t>
+            </a:r>
+            <a:r>
+              <a:rPr lang="en-US" altLang="ko-KR" sz="1600" dirty="0">
+                <a:latin typeface="Consolas" panose="020B0609020204030204" pitchFamily="49" charset="0"/>
+              </a:rPr>
+              <a:t>[] messages = new </a:t>
+            </a:r>
+            <a:r>
+              <a:rPr lang="en-US" altLang="ko-KR" sz="1600" dirty="0" err="1">
+                <a:latin typeface="Consolas" panose="020B0609020204030204" pitchFamily="49" charset="0"/>
+              </a:rPr>
+              <a:t>SmsMessage</a:t>
+            </a:r>
+            <a:r>
+              <a:rPr lang="en-US" altLang="ko-KR" sz="1600" dirty="0">
+                <a:latin typeface="Consolas" panose="020B0609020204030204" pitchFamily="49" charset="0"/>
+              </a:rPr>
+              <a:t>[</a:t>
+            </a:r>
+            <a:r>
+              <a:rPr lang="en-US" altLang="ko-KR" sz="1600" dirty="0" err="1">
+                <a:latin typeface="Consolas" panose="020B0609020204030204" pitchFamily="49" charset="0"/>
+              </a:rPr>
+              <a:t>objs.length</a:t>
+            </a:r>
+            <a:r>
+              <a:rPr lang="en-US" altLang="ko-KR" sz="1600" dirty="0">
+                <a:latin typeface="Consolas" panose="020B0609020204030204" pitchFamily="49" charset="0"/>
+              </a:rPr>
+              <a:t>];</a:t>
+            </a:r>
+          </a:p>
+          <a:p>
+            <a:r>
+              <a:rPr lang="en-US" altLang="ko-KR" sz="1600" dirty="0">
+                <a:latin typeface="Consolas" panose="020B0609020204030204" pitchFamily="49" charset="0"/>
+              </a:rPr>
+              <a:t>        int </a:t>
+            </a:r>
+            <a:r>
+              <a:rPr lang="en-US" altLang="ko-KR" sz="1600" dirty="0" err="1">
+                <a:latin typeface="Consolas" panose="020B0609020204030204" pitchFamily="49" charset="0"/>
+              </a:rPr>
+              <a:t>smsCount</a:t>
+            </a:r>
+            <a:r>
+              <a:rPr lang="en-US" altLang="ko-KR" sz="1600" dirty="0">
+                <a:latin typeface="Consolas" panose="020B0609020204030204" pitchFamily="49" charset="0"/>
+              </a:rPr>
+              <a:t> = </a:t>
+            </a:r>
+            <a:r>
+              <a:rPr lang="en-US" altLang="ko-KR" sz="1600" dirty="0" err="1">
+                <a:latin typeface="Consolas" panose="020B0609020204030204" pitchFamily="49" charset="0"/>
+              </a:rPr>
+              <a:t>objs.length</a:t>
+            </a:r>
+            <a:r>
+              <a:rPr lang="en-US" altLang="ko-KR" sz="1600" dirty="0">
+                <a:latin typeface="Consolas" panose="020B0609020204030204" pitchFamily="49" charset="0"/>
+              </a:rPr>
+              <a:t>;</a:t>
+            </a:r>
+          </a:p>
+          <a:p>
+            <a:r>
+              <a:rPr lang="en-US" altLang="ko-KR" sz="1600" dirty="0">
+                <a:latin typeface="Consolas" panose="020B0609020204030204" pitchFamily="49" charset="0"/>
+              </a:rPr>
+              <a:t>        for (int i = 0; i &lt; </a:t>
+            </a:r>
+            <a:r>
+              <a:rPr lang="en-US" altLang="ko-KR" sz="1600" dirty="0" err="1">
+                <a:latin typeface="Consolas" panose="020B0609020204030204" pitchFamily="49" charset="0"/>
+              </a:rPr>
+              <a:t>smsCount</a:t>
+            </a:r>
+            <a:r>
+              <a:rPr lang="en-US" altLang="ko-KR" sz="1600" dirty="0">
+                <a:latin typeface="Consolas" panose="020B0609020204030204" pitchFamily="49" charset="0"/>
+              </a:rPr>
+              <a:t>; i++) {</a:t>
+            </a:r>
+          </a:p>
+          <a:p>
+            <a:r>
+              <a:rPr lang="en-US" altLang="ko-KR" sz="1600" dirty="0">
+                <a:latin typeface="Consolas" panose="020B0609020204030204" pitchFamily="49" charset="0"/>
+              </a:rPr>
+              <a:t>            if (</a:t>
+            </a:r>
+            <a:r>
+              <a:rPr lang="en-US" altLang="ko-KR" sz="1600" dirty="0" err="1">
+                <a:latin typeface="Consolas" panose="020B0609020204030204" pitchFamily="49" charset="0"/>
+              </a:rPr>
+              <a:t>Build.VERSION.SDK_INT</a:t>
+            </a:r>
+            <a:r>
+              <a:rPr lang="en-US" altLang="ko-KR" sz="1600" dirty="0">
+                <a:latin typeface="Consolas" panose="020B0609020204030204" pitchFamily="49" charset="0"/>
+              </a:rPr>
+              <a:t> &gt;= </a:t>
+            </a:r>
+            <a:r>
+              <a:rPr lang="en-US" altLang="ko-KR" sz="1600" dirty="0" err="1">
+                <a:latin typeface="Consolas" panose="020B0609020204030204" pitchFamily="49" charset="0"/>
+              </a:rPr>
+              <a:t>Build.VERSION_CODES.M</a:t>
+            </a:r>
+            <a:r>
+              <a:rPr lang="en-US" altLang="ko-KR" sz="1600" dirty="0">
+                <a:latin typeface="Consolas" panose="020B0609020204030204" pitchFamily="49" charset="0"/>
+              </a:rPr>
+              <a:t>) {</a:t>
+            </a:r>
+          </a:p>
+          <a:p>
+            <a:r>
+              <a:rPr lang="en-US" altLang="ko-KR" sz="1600" dirty="0">
+                <a:latin typeface="Consolas" panose="020B0609020204030204" pitchFamily="49" charset="0"/>
+              </a:rPr>
+              <a:t>                String format = </a:t>
+            </a:r>
+            <a:r>
+              <a:rPr lang="en-US" altLang="ko-KR" sz="1600" dirty="0" err="1">
+                <a:latin typeface="Consolas" panose="020B0609020204030204" pitchFamily="49" charset="0"/>
+              </a:rPr>
+              <a:t>bundle.getString</a:t>
+            </a:r>
+            <a:r>
+              <a:rPr lang="en-US" altLang="ko-KR" sz="1600" dirty="0">
+                <a:latin typeface="Consolas" panose="020B0609020204030204" pitchFamily="49" charset="0"/>
+              </a:rPr>
+              <a:t>("format");</a:t>
+            </a:r>
+          </a:p>
+          <a:p>
+            <a:r>
+              <a:rPr lang="en-US" altLang="ko-KR" sz="1600" dirty="0">
+                <a:latin typeface="Consolas" panose="020B0609020204030204" pitchFamily="49" charset="0"/>
+              </a:rPr>
+              <a:t>                messages[i] = </a:t>
+            </a:r>
+            <a:r>
+              <a:rPr lang="en-US" altLang="ko-KR" sz="1600" dirty="0" err="1">
+                <a:latin typeface="Consolas" panose="020B0609020204030204" pitchFamily="49" charset="0"/>
+              </a:rPr>
+              <a:t>SmsMessage.createFromPdu</a:t>
+            </a:r>
+            <a:r>
+              <a:rPr lang="en-US" altLang="ko-KR" sz="1600" dirty="0">
+                <a:latin typeface="Consolas" panose="020B0609020204030204" pitchFamily="49" charset="0"/>
+              </a:rPr>
+              <a:t>((byte[]) </a:t>
+            </a:r>
+            <a:r>
+              <a:rPr lang="en-US" altLang="ko-KR" sz="1600" dirty="0" err="1">
+                <a:latin typeface="Consolas" panose="020B0609020204030204" pitchFamily="49" charset="0"/>
+              </a:rPr>
+              <a:t>objs</a:t>
+            </a:r>
+            <a:r>
+              <a:rPr lang="en-US" altLang="ko-KR" sz="1600" dirty="0">
+                <a:latin typeface="Consolas" panose="020B0609020204030204" pitchFamily="49" charset="0"/>
+              </a:rPr>
+              <a:t>[i], format);</a:t>
+            </a:r>
+          </a:p>
+          <a:p>
+            <a:r>
+              <a:rPr lang="en-US" altLang="ko-KR" sz="1600" dirty="0">
+                <a:latin typeface="Consolas" panose="020B0609020204030204" pitchFamily="49" charset="0"/>
+              </a:rPr>
+              <a:t>            } else {</a:t>
+            </a:r>
+          </a:p>
+          <a:p>
+            <a:r>
+              <a:rPr lang="en-US" altLang="ko-KR" sz="1600" dirty="0">
+                <a:latin typeface="Consolas" panose="020B0609020204030204" pitchFamily="49" charset="0"/>
+              </a:rPr>
+              <a:t>                messages[i] = </a:t>
+            </a:r>
+            <a:r>
+              <a:rPr lang="en-US" altLang="ko-KR" sz="1600" dirty="0" err="1">
+                <a:latin typeface="Consolas" panose="020B0609020204030204" pitchFamily="49" charset="0"/>
+              </a:rPr>
+              <a:t>SmsMessage.createFromPdu</a:t>
+            </a:r>
+            <a:r>
+              <a:rPr lang="en-US" altLang="ko-KR" sz="1600" dirty="0">
+                <a:latin typeface="Consolas" panose="020B0609020204030204" pitchFamily="49" charset="0"/>
+              </a:rPr>
+              <a:t>((byte[]) </a:t>
+            </a:r>
+            <a:r>
+              <a:rPr lang="en-US" altLang="ko-KR" sz="1600" dirty="0" err="1">
+                <a:latin typeface="Consolas" panose="020B0609020204030204" pitchFamily="49" charset="0"/>
+              </a:rPr>
+              <a:t>objs</a:t>
+            </a:r>
+            <a:r>
+              <a:rPr lang="en-US" altLang="ko-KR" sz="1600" dirty="0">
+                <a:latin typeface="Consolas" panose="020B0609020204030204" pitchFamily="49" charset="0"/>
+              </a:rPr>
+              <a:t>[i]);</a:t>
+            </a:r>
+          </a:p>
+          <a:p>
+            <a:r>
+              <a:rPr lang="en-US" altLang="ko-KR" sz="1600" dirty="0">
+                <a:latin typeface="Consolas" panose="020B0609020204030204" pitchFamily="49" charset="0"/>
+              </a:rPr>
+              <a:t>            }</a:t>
+            </a:r>
+          </a:p>
+          <a:p>
+            <a:r>
+              <a:rPr lang="en-US" altLang="ko-KR" sz="1600" dirty="0">
+                <a:latin typeface="Consolas" panose="020B0609020204030204" pitchFamily="49" charset="0"/>
+              </a:rPr>
+              <a:t>        </a:t>
+            </a:r>
+            <a:r>
               <a:rPr lang="en-US" altLang="ko-KR" sz="1600" dirty="0" smtClean="0">
                 <a:latin typeface="Consolas" panose="020B0609020204030204" pitchFamily="49" charset="0"/>
               </a:rPr>
-              <a:t>myIntent.addFlags( Intent.FLAG_ACTIVITY_NEW_TASK |</a:t>
-            </a:r>
-          </a:p>
-          <a:p>
+              <a:t>}</a:t>
+            </a:r>
+            <a:endParaRPr lang="en-US" altLang="ko-KR" sz="1600" dirty="0">
+              <a:latin typeface="Consolas" panose="020B0609020204030204" pitchFamily="49" charset="0"/>
+            </a:endParaRPr>
+          </a:p>
+          <a:p>
+            <a:r>
+              <a:rPr lang="en-US" altLang="ko-KR" sz="1600" dirty="0">
+                <a:latin typeface="Consolas" panose="020B0609020204030204" pitchFamily="49" charset="0"/>
+              </a:rPr>
+              <a:t>        return messages;</a:t>
+            </a:r>
+          </a:p>
+          <a:p>
+            <a:r>
+              <a:rPr lang="en-US" altLang="ko-KR" sz="1600" dirty="0">
+                <a:latin typeface="Consolas" panose="020B0609020204030204" pitchFamily="49" charset="0"/>
+              </a:rPr>
+              <a:t>    </a:t>
+            </a:r>
             <a:r>
               <a:rPr lang="en-US" altLang="ko-KR" sz="1600" dirty="0" smtClean="0">
                 <a:latin typeface="Consolas" panose="020B0609020204030204" pitchFamily="49" charset="0"/>
               </a:rPr>
-              <a:t>                           Intent.FLAG_ACTIVITY_SINGLE_TOP |</a:t>
+              <a:t>}</a:t>
             </a:r>
           </a:p>
           <a:p>
@@ -22656,394 +23055,15 @@
               <a:rPr lang="en-US" altLang="ko-KR" sz="1600" dirty="0" smtClean="0">
                 <a:latin typeface="Consolas" panose="020B0609020204030204" pitchFamily="49" charset="0"/>
               </a:rPr>
-              <a:t>                           Intent.FLAG_ACTIVITY_CLEAR_TOP</a:t>
-            </a:r>
-            <a:r>
-              <a:rPr lang="en-US" altLang="ko-KR" sz="1600" dirty="0">
-                <a:latin typeface="Consolas" panose="020B0609020204030204" pitchFamily="49" charset="0"/>
-              </a:rPr>
-              <a:t>);</a:t>
-            </a:r>
-          </a:p>
-          <a:p>
-            <a:r>
-              <a:rPr lang="en-US" altLang="ko-KR" sz="1600" dirty="0">
-                <a:latin typeface="Consolas" panose="020B0609020204030204" pitchFamily="49" charset="0"/>
-              </a:rPr>
-              <a:t>        </a:t>
-            </a:r>
-            <a:endParaRPr lang="en-US" altLang="ko-KR" sz="1600" dirty="0" smtClean="0">
-              <a:latin typeface="Consolas" panose="020B0609020204030204" pitchFamily="49" charset="0"/>
-            </a:endParaRPr>
-          </a:p>
-          <a:p>
-            <a:r>
-              <a:rPr lang="en-US" altLang="ko-KR" sz="1600" dirty="0">
-                <a:latin typeface="Consolas" panose="020B0609020204030204" pitchFamily="49" charset="0"/>
-              </a:rPr>
-              <a:t> </a:t>
-            </a:r>
-            <a:r>
-              <a:rPr lang="en-US" altLang="ko-KR" sz="1600" dirty="0" smtClean="0">
-                <a:latin typeface="Consolas" panose="020B0609020204030204" pitchFamily="49" charset="0"/>
-              </a:rPr>
-              <a:t>       myIntent.putExtra</a:t>
-            </a:r>
-            <a:r>
-              <a:rPr lang="en-US" altLang="ko-KR" sz="1600" dirty="0">
-                <a:latin typeface="Consolas" panose="020B0609020204030204" pitchFamily="49" charset="0"/>
-              </a:rPr>
-              <a:t>("sender", sender);</a:t>
-            </a:r>
-          </a:p>
-          <a:p>
-            <a:r>
-              <a:rPr lang="en-US" altLang="ko-KR" sz="1600" dirty="0">
-                <a:latin typeface="Consolas" panose="020B0609020204030204" pitchFamily="49" charset="0"/>
-              </a:rPr>
-              <a:t>        myIntent.putExtra("contents", contents);</a:t>
-            </a:r>
-          </a:p>
-          <a:p>
-            <a:r>
-              <a:rPr lang="en-US" altLang="ko-KR" sz="1600" dirty="0">
-                <a:latin typeface="Consolas" panose="020B0609020204030204" pitchFamily="49" charset="0"/>
-              </a:rPr>
-              <a:t>        myIntent.putExtra("receivedDate", </a:t>
-            </a:r>
-            <a:r>
-              <a:rPr lang="en-US" altLang="ko-KR" sz="1600" dirty="0" err="1">
-                <a:latin typeface="Consolas" panose="020B0609020204030204" pitchFamily="49" charset="0"/>
-              </a:rPr>
-              <a:t>format.format</a:t>
-            </a:r>
-            <a:r>
-              <a:rPr lang="en-US" altLang="ko-KR" sz="1600" dirty="0">
-                <a:latin typeface="Consolas" panose="020B0609020204030204" pitchFamily="49" charset="0"/>
-              </a:rPr>
-              <a:t>(receivedDate));</a:t>
-            </a:r>
-          </a:p>
-          <a:p>
-            <a:r>
-              <a:rPr lang="en-US" altLang="ko-KR" sz="1600" dirty="0">
-                <a:latin typeface="Consolas" panose="020B0609020204030204" pitchFamily="49" charset="0"/>
-              </a:rPr>
-              <a:t>        </a:t>
-            </a:r>
-            <a:r>
-              <a:rPr lang="en-US" altLang="ko-KR" sz="1600" dirty="0" err="1">
-                <a:latin typeface="Consolas" panose="020B0609020204030204" pitchFamily="49" charset="0"/>
-              </a:rPr>
-              <a:t>context.startActivity</a:t>
-            </a:r>
-            <a:r>
-              <a:rPr lang="en-US" altLang="ko-KR" sz="1600" dirty="0">
-                <a:latin typeface="Consolas" panose="020B0609020204030204" pitchFamily="49" charset="0"/>
-              </a:rPr>
-              <a:t>(</a:t>
-            </a:r>
-            <a:r>
-              <a:rPr lang="en-US" altLang="ko-KR" sz="1600" dirty="0" err="1">
-                <a:latin typeface="Consolas" panose="020B0609020204030204" pitchFamily="49" charset="0"/>
-              </a:rPr>
-              <a:t>myIntent</a:t>
-            </a:r>
-            <a:r>
-              <a:rPr lang="en-US" altLang="ko-KR" sz="1600" dirty="0">
-                <a:latin typeface="Consolas" panose="020B0609020204030204" pitchFamily="49" charset="0"/>
-              </a:rPr>
-              <a:t>);</a:t>
-            </a:r>
-          </a:p>
-          <a:p>
-            <a:r>
-              <a:rPr lang="en-US" altLang="ko-KR" sz="1600" dirty="0">
-                <a:latin typeface="Consolas" panose="020B0609020204030204" pitchFamily="49" charset="0"/>
-              </a:rPr>
-              <a:t>    </a:t>
-            </a:r>
-            <a:r>
-              <a:rPr lang="en-US" altLang="ko-KR" sz="1600" dirty="0" smtClean="0">
-                <a:latin typeface="Consolas" panose="020B0609020204030204" pitchFamily="49" charset="0"/>
-              </a:rPr>
-              <a:t>}</a:t>
-            </a:r>
-          </a:p>
-          <a:p>
-            <a:endParaRPr lang="en-US" altLang="ko-KR" sz="1600" dirty="0" smtClean="0">
-              <a:latin typeface="Consolas" panose="020B0609020204030204" pitchFamily="49" charset="0"/>
-            </a:endParaRPr>
-          </a:p>
-          <a:p>
-            <a:r>
-              <a:rPr lang="en-US" altLang="ko-KR" sz="1600" dirty="0" smtClean="0">
-                <a:latin typeface="Consolas" panose="020B0609020204030204" pitchFamily="49" charset="0"/>
-              </a:rPr>
               <a:t>} // end of class SmsReceiver </a:t>
             </a:r>
-          </a:p>
-        </p:txBody>
-      </p:sp>
-      <p:sp>
-        <p:nvSpPr>
-          <p:cNvPr id="9" name="직사각형 8"/>
-          <p:cNvSpPr/>
-          <p:nvPr/>
-        </p:nvSpPr>
-        <p:spPr>
-          <a:xfrm>
-            <a:off x="7221732" y="2132856"/>
-            <a:ext cx="4752528" cy="1323439"/>
-          </a:xfrm>
-          <a:prstGeom prst="rect">
-            <a:avLst/>
-          </a:prstGeom>
-          <a:solidFill>
-            <a:srgbClr val="FFC000"/>
-          </a:solidFill>
-          <a:ln>
-            <a:solidFill>
-              <a:schemeClr val="bg1">
-                <a:lumMod val="75000"/>
-              </a:schemeClr>
-            </a:solidFill>
-          </a:ln>
-        </p:spPr>
-        <p:txBody>
-          <a:bodyPr wrap="square">
-            <a:spAutoFit/>
-          </a:bodyPr>
-          <a:lstStyle/>
-          <a:p>
-            <a:pPr latinLnBrk="0"/>
-            <a:r>
-              <a:rPr lang="ko-KR" altLang="en-US" sz="1600" dirty="0" smtClean="0">
-                <a:sym typeface="Wingdings" panose="05000000000000000000" pitchFamily="2" charset="2"/>
-              </a:rPr>
-              <a:t>브로드캐스트 수신자는 화면이 없으므로 </a:t>
-            </a:r>
-            <a:r>
-              <a:rPr lang="ko-KR" altLang="en-US" sz="1600" dirty="0" err="1" smtClean="0">
-                <a:sym typeface="Wingdings" panose="05000000000000000000" pitchFamily="2" charset="2"/>
-              </a:rPr>
-              <a:t>인텐트에</a:t>
-            </a:r>
-            <a:r>
-              <a:rPr lang="ko-KR" altLang="en-US" sz="1600" dirty="0" smtClean="0">
-                <a:sym typeface="Wingdings" panose="05000000000000000000" pitchFamily="2" charset="2"/>
-              </a:rPr>
-              <a:t>  </a:t>
-            </a:r>
-            <a:r>
-              <a:rPr lang="en-US" altLang="ko-KR" sz="1600" dirty="0" smtClean="0">
-                <a:sym typeface="Wingdings" panose="05000000000000000000" pitchFamily="2" charset="2"/>
-              </a:rPr>
-              <a:t>FLAG_ACTIVITY_NEW_TASK </a:t>
-            </a:r>
-            <a:r>
-              <a:rPr lang="ko-KR" altLang="en-US" sz="1600" dirty="0" smtClean="0">
-                <a:sym typeface="Wingdings" panose="05000000000000000000" pitchFamily="2" charset="2"/>
-              </a:rPr>
-              <a:t>플래그를 추가해야 합니다</a:t>
-            </a:r>
-            <a:r>
-              <a:rPr lang="en-US" altLang="ko-KR" sz="1600" dirty="0" smtClean="0">
-                <a:sym typeface="Wingdings" panose="05000000000000000000" pitchFamily="2" charset="2"/>
-              </a:rPr>
-              <a:t>. </a:t>
-            </a:r>
-            <a:r>
-              <a:rPr lang="ko-KR" altLang="en-US" sz="1600" dirty="0">
-                <a:sym typeface="Wingdings" panose="05000000000000000000" pitchFamily="2" charset="2"/>
-              </a:rPr>
-              <a:t> </a:t>
-            </a:r>
-            <a:r>
-              <a:rPr lang="ko-KR" altLang="en-US" sz="1600" dirty="0" smtClean="0">
-                <a:sym typeface="Wingdings" panose="05000000000000000000" pitchFamily="2" charset="2"/>
-              </a:rPr>
-              <a:t>이미 메모리에 </a:t>
-            </a:r>
-            <a:r>
-              <a:rPr lang="en-US" altLang="ko-KR" sz="1600" dirty="0" smtClean="0">
-                <a:sym typeface="Wingdings" panose="05000000000000000000" pitchFamily="2" charset="2"/>
-              </a:rPr>
-              <a:t>SmsActivity</a:t>
-            </a:r>
-            <a:r>
-              <a:rPr lang="ko-KR" altLang="en-US" sz="1600" dirty="0" smtClean="0">
-                <a:sym typeface="Wingdings" panose="05000000000000000000" pitchFamily="2" charset="2"/>
-              </a:rPr>
-              <a:t>가 있으므로 액티비티를 중복해서 만들지 않도록 </a:t>
-            </a:r>
-            <a:r>
-              <a:rPr lang="en-US" altLang="ko-KR" sz="1600" dirty="0" smtClean="0">
-                <a:sym typeface="Wingdings" panose="05000000000000000000" pitchFamily="2" charset="2"/>
-              </a:rPr>
-              <a:t>FLAG_ACTIVITY_SINGLE_TOP</a:t>
-            </a:r>
-            <a:r>
-              <a:rPr lang="ko-KR" altLang="en-US" sz="1600" dirty="0">
-                <a:sym typeface="Wingdings" panose="05000000000000000000" pitchFamily="2" charset="2"/>
-              </a:rPr>
-              <a:t> </a:t>
-            </a:r>
-            <a:r>
-              <a:rPr lang="ko-KR" altLang="en-US" sz="1600" dirty="0" smtClean="0">
-                <a:sym typeface="Wingdings" panose="05000000000000000000" pitchFamily="2" charset="2"/>
-              </a:rPr>
-              <a:t>도 추가해야 합니다 </a:t>
-            </a:r>
-            <a:endParaRPr lang="en-US" altLang="ko-KR" sz="1600" dirty="0" smtClean="0">
-              <a:sym typeface="Wingdings" panose="05000000000000000000" pitchFamily="2" charset="2"/>
-            </a:endParaRPr>
-          </a:p>
-        </p:txBody>
-      </p:sp>
-      <p:sp>
-        <p:nvSpPr>
-          <p:cNvPr id="6" name="직사각형 5"/>
-          <p:cNvSpPr/>
-          <p:nvPr/>
-        </p:nvSpPr>
-        <p:spPr>
-          <a:xfrm>
-            <a:off x="392807" y="5293579"/>
-            <a:ext cx="11337396" cy="1077218"/>
-          </a:xfrm>
-          <a:prstGeom prst="rect">
-            <a:avLst/>
-          </a:prstGeom>
-        </p:spPr>
-        <p:txBody>
-          <a:bodyPr wrap="square">
-            <a:spAutoFit/>
-          </a:bodyPr>
-          <a:lstStyle/>
-          <a:p>
-            <a:pPr marL="285750" indent="-285750">
-              <a:buFont typeface="Arial" panose="020B0604020202020204" pitchFamily="34" charset="0"/>
-              <a:buChar char="•"/>
-            </a:pPr>
-            <a:r>
-              <a:rPr lang="ko-KR" altLang="en-US" sz="1600" dirty="0" smtClean="0">
-                <a:sym typeface="Wingdings" panose="05000000000000000000" pitchFamily="2" charset="2"/>
-              </a:rPr>
-              <a:t>이번 실습에서 브로드캐스트 수신자는 </a:t>
-            </a:r>
-            <a:r>
-              <a:rPr lang="ko-KR" altLang="en-US" sz="1600" dirty="0" err="1" smtClean="0">
-                <a:sym typeface="Wingdings" panose="05000000000000000000" pitchFamily="2" charset="2"/>
-              </a:rPr>
-              <a:t>매니페스트</a:t>
-            </a:r>
-            <a:r>
-              <a:rPr lang="ko-KR" altLang="en-US" sz="1600" dirty="0" smtClean="0">
-                <a:sym typeface="Wingdings" panose="05000000000000000000" pitchFamily="2" charset="2"/>
-              </a:rPr>
-              <a:t> 파일 안에 </a:t>
-            </a:r>
-            <a:r>
-              <a:rPr lang="en-US" altLang="ko-KR" sz="1600" dirty="0" smtClean="0">
-                <a:sym typeface="Wingdings" panose="05000000000000000000" pitchFamily="2" charset="2"/>
-              </a:rPr>
-              <a:t>&lt;receiver&gt; </a:t>
-            </a:r>
-            <a:r>
-              <a:rPr lang="ko-KR" altLang="en-US" sz="1600" dirty="0" smtClean="0">
-                <a:sym typeface="Wingdings" panose="05000000000000000000" pitchFamily="2" charset="2"/>
-              </a:rPr>
-              <a:t>태그로 추가되어 있지만 </a:t>
-            </a:r>
-            <a:r>
-              <a:rPr lang="ko-KR" altLang="en-US" sz="1600" dirty="0" err="1" smtClean="0">
-                <a:sym typeface="Wingdings" panose="05000000000000000000" pitchFamily="2" charset="2"/>
-              </a:rPr>
-              <a:t>매니페스트에</a:t>
-            </a:r>
-            <a:r>
-              <a:rPr lang="ko-KR" altLang="en-US" sz="1600" dirty="0" smtClean="0">
-                <a:sym typeface="Wingdings" panose="05000000000000000000" pitchFamily="2" charset="2"/>
-              </a:rPr>
-              <a:t> 등록하지 않고 소스 파일에서 </a:t>
-            </a:r>
-            <a:r>
-              <a:rPr lang="en-US" altLang="ko-KR" sz="1600" dirty="0" err="1" smtClean="0">
-                <a:sym typeface="Wingdings" panose="05000000000000000000" pitchFamily="2" charset="2"/>
-              </a:rPr>
-              <a:t>registerReceiver</a:t>
-            </a:r>
-            <a:r>
-              <a:rPr lang="en-US" altLang="ko-KR" sz="1600" dirty="0" smtClean="0">
-                <a:sym typeface="Wingdings" panose="05000000000000000000" pitchFamily="2" charset="2"/>
-              </a:rPr>
-              <a:t>() </a:t>
-            </a:r>
-            <a:r>
-              <a:rPr lang="ko-KR" altLang="en-US" sz="1600" dirty="0" smtClean="0">
-                <a:sym typeface="Wingdings" panose="05000000000000000000" pitchFamily="2" charset="2"/>
-              </a:rPr>
-              <a:t>메소드를 사용해 등록할 수도 있습니다</a:t>
-            </a:r>
-            <a:r>
-              <a:rPr lang="en-US" altLang="ko-KR" sz="1600" dirty="0" smtClean="0">
-                <a:sym typeface="Wingdings" panose="05000000000000000000" pitchFamily="2" charset="2"/>
-              </a:rPr>
-              <a:t>. </a:t>
-            </a:r>
-          </a:p>
-          <a:p>
-            <a:pPr marL="285750" indent="-285750">
-              <a:buFont typeface="Arial" panose="020B0604020202020204" pitchFamily="34" charset="0"/>
-              <a:buChar char="•"/>
-            </a:pPr>
-            <a:r>
-              <a:rPr lang="ko-KR" altLang="en-US" sz="1600" dirty="0" smtClean="0">
-                <a:sym typeface="Wingdings" panose="05000000000000000000" pitchFamily="2" charset="2"/>
-              </a:rPr>
-              <a:t>이렇게 소스 파일에서 등록하면 화면이 사용자에게 보일 때만 브로드캐스트 수신자에서 메시지를 받도록 만들 수 있습니다</a:t>
-            </a:r>
-            <a:r>
-              <a:rPr lang="en-US" altLang="ko-KR" sz="1600" dirty="0" smtClean="0">
-                <a:sym typeface="Wingdings" panose="05000000000000000000" pitchFamily="2" charset="2"/>
-              </a:rPr>
-              <a:t>. </a:t>
-            </a:r>
-            <a:r>
-              <a:rPr lang="ko-KR" altLang="en-US" sz="1600" dirty="0" smtClean="0">
-                <a:sym typeface="Wingdings" panose="05000000000000000000" pitchFamily="2" charset="2"/>
-              </a:rPr>
-              <a:t>따라서 필요에 따라 </a:t>
-            </a:r>
-            <a:r>
-              <a:rPr lang="ko-KR" altLang="en-US" sz="1600" dirty="0" err="1" smtClean="0">
-                <a:sym typeface="Wingdings" panose="05000000000000000000" pitchFamily="2" charset="2"/>
-              </a:rPr>
-              <a:t>매니페스트</a:t>
-            </a:r>
-            <a:r>
-              <a:rPr lang="ko-KR" altLang="en-US" sz="1600" dirty="0" smtClean="0">
-                <a:sym typeface="Wingdings" panose="05000000000000000000" pitchFamily="2" charset="2"/>
-              </a:rPr>
-              <a:t> 파일에 등록하거나 또는 소스 파일에서 등록하여 사용합니다</a:t>
-            </a:r>
-            <a:r>
-              <a:rPr lang="en-US" altLang="ko-KR" sz="1600" dirty="0" smtClean="0">
-                <a:sym typeface="Wingdings" panose="05000000000000000000" pitchFamily="2" charset="2"/>
-              </a:rPr>
-              <a:t>. </a:t>
-            </a:r>
-            <a:endParaRPr lang="en-US" altLang="ko-KR" sz="1600" dirty="0">
-              <a:sym typeface="Wingdings" panose="05000000000000000000" pitchFamily="2" charset="2"/>
-            </a:endParaRPr>
           </a:p>
         </p:txBody>
       </p:sp>
     </p:spTree>
     <p:extLst>
       <p:ext uri="{BB962C8B-B14F-4D97-AF65-F5344CB8AC3E}">
-        <p14:creationId xmlns:p14="http://schemas.microsoft.com/office/powerpoint/2010/main" val="2312025971"/>
+        <p14:creationId xmlns:p14="http://schemas.microsoft.com/office/powerpoint/2010/main" val="26870592"/>
       </p:ext>
     </p:extLst>
   </p:cSld>
@@ -25921,8 +25941,8 @@
         </p:nvSpPr>
         <p:spPr>
           <a:xfrm>
-            <a:off x="6913682" y="1617601"/>
-            <a:ext cx="1481496" cy="338554"/>
+            <a:off x="6997840" y="1617601"/>
+            <a:ext cx="1313180" cy="338554"/>
           </a:xfrm>
           <a:prstGeom prst="rect">
             <a:avLst/>
@@ -25937,8 +25957,8 @@
           <a:p>
             <a:pPr algn="ctr"/>
             <a:r>
-              <a:rPr lang="en-US" altLang="ko-KR" sz="1600" b="1" dirty="0" err="1" smtClean="0"/>
-              <a:t>SmartActivity</a:t>
+              <a:rPr lang="en-US" altLang="ko-KR" sz="1600" b="1" dirty="0" smtClean="0"/>
+              <a:t>SmsActivity</a:t>
             </a:r>
             <a:endParaRPr lang="ko-KR" altLang="en-US" sz="1600" b="1" dirty="0"/>
           </a:p>
@@ -27103,8 +27123,8 @@
         </p:nvSpPr>
         <p:spPr>
           <a:xfrm>
-            <a:off x="6913682" y="1617601"/>
-            <a:ext cx="1481496" cy="338554"/>
+            <a:off x="6997840" y="1617601"/>
+            <a:ext cx="1313180" cy="338554"/>
           </a:xfrm>
           <a:prstGeom prst="rect">
             <a:avLst/>
@@ -27119,8 +27139,8 @@
           <a:p>
             <a:pPr algn="ctr"/>
             <a:r>
-              <a:rPr lang="en-US" altLang="ko-KR" sz="1600" b="1" dirty="0" err="1" smtClean="0"/>
-              <a:t>SmartActivity</a:t>
+              <a:rPr lang="en-US" altLang="ko-KR" sz="1600" b="1" dirty="0" smtClean="0"/>
+              <a:t>SmsActivity</a:t>
             </a:r>
             <a:endParaRPr lang="ko-KR" altLang="en-US" sz="1600" b="1" dirty="0"/>
           </a:p>
@@ -27421,6 +27441,11 @@
               </a:rPr>
               <a:t>. </a:t>
             </a:r>
+            <a:br>
+              <a:rPr lang="en-US" altLang="ko-KR" dirty="0" smtClean="0">
+                <a:sym typeface="Wingdings" panose="05000000000000000000" pitchFamily="2" charset="2"/>
+              </a:rPr>
+            </a:br>
             <a:r>
               <a:rPr lang="ko-KR" altLang="en-US" dirty="0" smtClean="0">
                 <a:sym typeface="Wingdings" panose="05000000000000000000" pitchFamily="2" charset="2"/>
@@ -27454,7 +27479,7 @@
               <a:t>위험 권한으로 분류되는 </a:t>
             </a:r>
             <a:r>
-              <a:rPr lang="en-US" altLang="ko-KR" dirty="0" smtClean="0">
+              <a:rPr lang="en-US" altLang="ko-KR" b="1" dirty="0" smtClean="0">
                 <a:sym typeface="Wingdings" panose="05000000000000000000" pitchFamily="2" charset="2"/>
               </a:rPr>
               <a:t>RECEIVE_SMS</a:t>
@@ -27572,6 +27597,11 @@
               </a:rPr>
               <a:t>.  </a:t>
             </a:r>
+            <a:br>
+              <a:rPr lang="en-US" altLang="ko-KR" dirty="0" smtClean="0">
+                <a:sym typeface="Wingdings" panose="05000000000000000000" pitchFamily="2" charset="2"/>
+              </a:rPr>
+            </a:br>
             <a:r>
               <a:rPr lang="ko-KR" altLang="en-US" dirty="0" smtClean="0">
                 <a:sym typeface="Wingdings" panose="05000000000000000000" pitchFamily="2" charset="2"/>
@@ -29932,9 +29962,6 @@
               </a:rPr>
               <a:t>. </a:t>
             </a:r>
-            <a:endParaRPr lang="en-US" altLang="ko-KR" dirty="0" smtClean="0">
-              <a:sym typeface="Wingdings" panose="05000000000000000000" pitchFamily="2" charset="2"/>
-            </a:endParaRPr>
           </a:p>
           <a:p>
             <a:r>
@@ -32057,12 +32084,6 @@
               </a:rPr>
               <a:t>. </a:t>
             </a:r>
-            <a:r>
-              <a:rPr lang="en-US" altLang="ko-KR" dirty="0" smtClean="0">
-                <a:sym typeface="Wingdings" panose="05000000000000000000" pitchFamily="2" charset="2"/>
-              </a:rPr>
-              <a:t/>
-            </a:r>
             <a:br>
               <a:rPr lang="en-US" altLang="ko-KR" dirty="0" smtClean="0">
                 <a:sym typeface="Wingdings" panose="05000000000000000000" pitchFamily="2" charset="2"/>
@@ -32072,13 +32093,7 @@
               <a:rPr lang="ko-KR" altLang="en-US" dirty="0" smtClean="0">
                 <a:sym typeface="Wingdings" panose="05000000000000000000" pitchFamily="2" charset="2"/>
               </a:rPr>
-              <a:t>프로젝트가 </a:t>
-            </a:r>
-            <a:r>
-              <a:rPr lang="ko-KR" altLang="en-US" dirty="0" smtClean="0">
-                <a:sym typeface="Wingdings" panose="05000000000000000000" pitchFamily="2" charset="2"/>
-              </a:rPr>
-              <a:t>만들어지면 기본으로 만들어 지는데</a:t>
+              <a:t>프로젝트가 만들어지면 기본으로 만들어 지는데</a:t>
             </a:r>
             <a:r>
               <a:rPr lang="en-US" altLang="ko-KR" dirty="0" smtClean="0">

--- a/ppts/06Service.pptx
+++ b/ppts/06Service.pptx
@@ -13534,25 +13534,13 @@
               <a:rPr lang="en-US" altLang="ko-KR" sz="1600" dirty="0">
                 <a:latin typeface="Consolas" panose="020B0609020204030204" pitchFamily="49" charset="0"/>
               </a:rPr>
-              <a:t>        </a:t>
-            </a:r>
-            <a:r>
-              <a:rPr lang="en-US" altLang="ko-KR" sz="1600" dirty="0" err="1">
-                <a:latin typeface="Consolas" panose="020B0609020204030204" pitchFamily="49" charset="0"/>
-              </a:rPr>
-              <a:t>Log.d</a:t>
-            </a:r>
-            <a:r>
-              <a:rPr lang="en-US" altLang="ko-KR" sz="1600" dirty="0">
-                <a:latin typeface="Consolas" panose="020B0609020204030204" pitchFamily="49" charset="0"/>
-              </a:rPr>
-              <a:t>(TAG, "&lt;</a:t>
-            </a:r>
-            <a:r>
-              <a:rPr lang="en-US" altLang="ko-KR" sz="1600" dirty="0" err="1">
-                <a:latin typeface="Consolas" panose="020B0609020204030204" pitchFamily="49" charset="0"/>
-              </a:rPr>
-              <a:t>sendSmsMessage</a:t>
+              <a:t>        Log.d(TAG, "&lt;</a:t>
+            </a:r>
+            <a:r>
+              <a:rPr lang="en-US" altLang="ko-KR" sz="1600" dirty="0" err="1" smtClean="0">
+                <a:latin typeface="Consolas" panose="020B0609020204030204" pitchFamily="49" charset="0"/>
+              </a:rPr>
+              <a:t>send_message</a:t>
             </a:r>
             <a:r>
               <a:rPr lang="en-US" altLang="ko-KR" sz="1600" dirty="0">
@@ -16513,22 +16501,22 @@
               <a:t>단말기의 </a:t>
             </a:r>
             <a:r>
-              <a:rPr lang="en-US" altLang="ko-KR" dirty="0" smtClean="0">
+              <a:rPr lang="en-US" altLang="ko-KR" b="1" dirty="0" smtClean="0">
                 <a:sym typeface="Wingdings" panose="05000000000000000000" pitchFamily="2" charset="2"/>
               </a:rPr>
               <a:t>"</a:t>
             </a:r>
             <a:r>
-              <a:rPr lang="ko-KR" altLang="en-US" dirty="0" smtClean="0">
+              <a:rPr lang="ko-KR" altLang="en-US" b="1" dirty="0" smtClean="0">
                 <a:sym typeface="Wingdings" panose="05000000000000000000" pitchFamily="2" charset="2"/>
               </a:rPr>
               <a:t>설정</a:t>
             </a:r>
             <a:r>
-              <a:rPr lang="en-US" altLang="ko-KR" dirty="0" smtClean="0">
-                <a:sym typeface="Wingdings" panose="05000000000000000000" pitchFamily="2" charset="2"/>
-              </a:rPr>
-              <a:t>"</a:t>
+              <a:rPr lang="en-US" altLang="ko-KR" b="1" dirty="0" smtClean="0">
+                <a:sym typeface="Wingdings" panose="05000000000000000000" pitchFamily="2" charset="2"/>
+              </a:rPr>
+              <a:t>"(Setting)</a:t>
             </a:r>
             <a:r>
               <a:rPr lang="ko-KR" altLang="en-US" dirty="0" smtClean="0">
@@ -16540,13 +16528,31 @@
               <a:rPr lang="en-US" altLang="ko-KR" dirty="0" smtClean="0">
                 <a:sym typeface="Wingdings" panose="05000000000000000000" pitchFamily="2" charset="2"/>
               </a:rPr>
-              <a:t>, "About emulated device</a:t>
-            </a:r>
-            <a:r>
-              <a:rPr lang="ko-KR" altLang="en-US" dirty="0" smtClean="0">
-                <a:sym typeface="Wingdings" panose="05000000000000000000" pitchFamily="2" charset="2"/>
-              </a:rPr>
-              <a:t>에서도 번호를 찾을 </a:t>
+              <a:t>, </a:t>
+            </a:r>
+            <a:r>
+              <a:rPr lang="en-US" altLang="ko-KR" b="1" dirty="0" smtClean="0">
+                <a:sym typeface="Wingdings" panose="05000000000000000000" pitchFamily="2" charset="2"/>
+              </a:rPr>
+              <a:t>"About emulated </a:t>
+            </a:r>
+            <a:r>
+              <a:rPr lang="en-US" altLang="ko-KR" b="1" smtClean="0">
+                <a:sym typeface="Wingdings" panose="05000000000000000000" pitchFamily="2" charset="2"/>
+              </a:rPr>
+              <a:t>device"</a:t>
+            </a:r>
+            <a:r>
+              <a:rPr lang="ko-KR" altLang="en-US" smtClean="0">
+                <a:sym typeface="Wingdings" panose="05000000000000000000" pitchFamily="2" charset="2"/>
+              </a:rPr>
+              <a:t>에서도 </a:t>
+            </a:r>
+            <a:r>
+              <a:rPr lang="ko-KR" altLang="en-US" dirty="0" smtClean="0">
+                <a:sym typeface="Wingdings" panose="05000000000000000000" pitchFamily="2" charset="2"/>
+              </a:rPr>
+              <a:t>번호를 찾을 </a:t>
             </a:r>
             <a:r>
               <a:rPr lang="ko-KR" altLang="en-US" dirty="0">
@@ -16633,19 +16639,19 @@
               <a:t>. </a:t>
             </a:r>
             <a:r>
-              <a:rPr lang="ko-KR" altLang="en-US" dirty="0" smtClean="0">
+              <a:rPr lang="ko-KR" altLang="en-US" b="1" dirty="0" smtClean="0">
                 <a:sym typeface="Wingdings" panose="05000000000000000000" pitchFamily="2" charset="2"/>
               </a:rPr>
               <a:t>번호의 끝 </a:t>
             </a:r>
             <a:r>
-              <a:rPr lang="en-US" altLang="ko-KR" dirty="0" smtClean="0">
+              <a:rPr lang="en-US" altLang="ko-KR" b="1" dirty="0" smtClean="0">
                 <a:sym typeface="Wingdings" panose="05000000000000000000" pitchFamily="2" charset="2"/>
               </a:rPr>
               <a:t>4 </a:t>
             </a:r>
             <a:r>
-              <a:rPr lang="ko-KR" altLang="en-US" dirty="0" smtClean="0">
+              <a:rPr lang="ko-KR" altLang="en-US" b="1" dirty="0" smtClean="0">
                 <a:sym typeface="Wingdings" panose="05000000000000000000" pitchFamily="2" charset="2"/>
               </a:rPr>
               <a:t>자리만 사용도 가능합니다</a:t>
@@ -16806,33 +16812,7 @@
               <a:rPr lang="ko-KR" altLang="en-US" dirty="0" smtClean="0">
                 <a:sym typeface="Wingdings" panose="05000000000000000000" pitchFamily="2" charset="2"/>
               </a:rPr>
-              <a:t>끊는 것도 시도해보십시오</a:t>
-            </a:r>
-            <a:r>
-              <a:rPr lang="en-US" altLang="ko-KR" dirty="0" smtClean="0">
-                <a:sym typeface="Wingdings" panose="05000000000000000000" pitchFamily="2" charset="2"/>
-              </a:rPr>
-              <a:t>. </a:t>
-            </a:r>
-          </a:p>
-          <a:p>
-            <a:r>
-              <a:rPr lang="ko-KR" altLang="en-US" dirty="0" smtClean="0">
-                <a:sym typeface="Wingdings" panose="05000000000000000000" pitchFamily="2" charset="2"/>
-              </a:rPr>
-              <a:t>관찰</a:t>
-            </a:r>
-            <a:r>
-              <a:rPr lang="en-US" altLang="ko-KR" dirty="0" smtClean="0">
-                <a:sym typeface="Wingdings" panose="05000000000000000000" pitchFamily="2" charset="2"/>
-              </a:rPr>
-              <a:t>: </a:t>
-            </a:r>
-            <a:r>
-              <a:rPr lang="ko-KR" altLang="en-US" dirty="0" smtClean="0">
-                <a:sym typeface="Wingdings" panose="05000000000000000000" pitchFamily="2" charset="2"/>
-              </a:rPr>
-              <a:t>두 개의 단말기가 있을 때 앱을 실행하면</a:t>
+              <a:t>끊는 것도 시도해보고</a:t>
             </a:r>
             <a:r>
               <a:rPr lang="en-US" altLang="ko-KR" dirty="0" smtClean="0">
@@ -16844,59 +16824,78 @@
               <a:rPr lang="ko-KR" altLang="en-US" dirty="0" smtClean="0">
                 <a:sym typeface="Wingdings" panose="05000000000000000000" pitchFamily="2" charset="2"/>
               </a:rPr>
-              <a:t>최근에 생성된 </a:t>
-            </a:r>
-            <a:r>
-              <a:rPr lang="en-US" altLang="ko-KR" dirty="0" smtClean="0">
-                <a:sym typeface="Wingdings" panose="05000000000000000000" pitchFamily="2" charset="2"/>
-              </a:rPr>
-              <a:t/>
-            </a:r>
-            <a:br>
-              <a:rPr lang="en-US" altLang="ko-KR" dirty="0" smtClean="0">
-                <a:sym typeface="Wingdings" panose="05000000000000000000" pitchFamily="2" charset="2"/>
-              </a:rPr>
-            </a:br>
-            <a:r>
-              <a:rPr lang="ko-KR" altLang="en-US" dirty="0" smtClean="0">
-                <a:sym typeface="Wingdings" panose="05000000000000000000" pitchFamily="2" charset="2"/>
-              </a:rPr>
-              <a:t>단말기로 앱이 </a:t>
-            </a:r>
-            <a:r>
-              <a:rPr lang="en-US" altLang="ko-KR" dirty="0" smtClean="0">
-                <a:sym typeface="Wingdings" panose="05000000000000000000" pitchFamily="2" charset="2"/>
-              </a:rPr>
-              <a:t>Load</a:t>
-            </a:r>
-            <a:r>
-              <a:rPr lang="ko-KR" altLang="en-US" dirty="0" smtClean="0">
-                <a:sym typeface="Wingdings" panose="05000000000000000000" pitchFamily="2" charset="2"/>
-              </a:rPr>
-              <a:t>되고 실행되는 것을 관찰할 수 있었습니다</a:t>
-            </a:r>
-            <a:r>
-              <a:rPr lang="en-US" altLang="ko-KR" dirty="0" smtClean="0">
-                <a:sym typeface="Wingdings" panose="05000000000000000000" pitchFamily="2" charset="2"/>
-              </a:rPr>
-              <a:t>. </a:t>
-            </a:r>
-          </a:p>
-          <a:p>
-            <a:pPr marL="0" indent="0">
-              <a:buNone/>
-            </a:pPr>
-            <a:endParaRPr lang="en-US" altLang="ko-KR" dirty="0">
-              <a:sym typeface="Wingdings" panose="05000000000000000000" pitchFamily="2" charset="2"/>
-            </a:endParaRPr>
-          </a:p>
-          <a:p>
-            <a:pPr marL="0" indent="0">
-              <a:buNone/>
-            </a:pPr>
+              <a:t>메시지 전송도 해보길 바랍니다</a:t>
+            </a:r>
             <a:endParaRPr lang="en-US" altLang="ko-KR" dirty="0" smtClean="0">
               <a:sym typeface="Wingdings" panose="05000000000000000000" pitchFamily="2" charset="2"/>
             </a:endParaRPr>
+          </a:p>
+          <a:p>
+            <a:r>
+              <a:rPr lang="ko-KR" altLang="en-US" dirty="0" smtClean="0">
+                <a:sym typeface="Wingdings" panose="05000000000000000000" pitchFamily="2" charset="2"/>
+              </a:rPr>
+              <a:t>관찰</a:t>
+            </a:r>
+            <a:r>
+              <a:rPr lang="en-US" altLang="ko-KR" dirty="0" smtClean="0">
+                <a:sym typeface="Wingdings" panose="05000000000000000000" pitchFamily="2" charset="2"/>
+              </a:rPr>
+              <a:t>: </a:t>
+            </a:r>
+            <a:r>
+              <a:rPr lang="ko-KR" altLang="en-US" dirty="0" smtClean="0">
+                <a:sym typeface="Wingdings" panose="05000000000000000000" pitchFamily="2" charset="2"/>
+              </a:rPr>
+              <a:t>두 개의 단말기가 있을 때 앱을 실행하면</a:t>
+            </a:r>
+            <a:r>
+              <a:rPr lang="en-US" altLang="ko-KR" dirty="0" smtClean="0">
+                <a:sym typeface="Wingdings" panose="05000000000000000000" pitchFamily="2" charset="2"/>
+              </a:rPr>
+              <a:t>, </a:t>
+            </a:r>
+            <a:r>
+              <a:rPr lang="ko-KR" altLang="en-US" dirty="0" smtClean="0">
+                <a:sym typeface="Wingdings" panose="05000000000000000000" pitchFamily="2" charset="2"/>
+              </a:rPr>
+              <a:t>최근에 생성된 </a:t>
+            </a:r>
+            <a:r>
+              <a:rPr lang="en-US" altLang="ko-KR" dirty="0" smtClean="0">
+                <a:sym typeface="Wingdings" panose="05000000000000000000" pitchFamily="2" charset="2"/>
+              </a:rPr>
+              <a:t/>
+            </a:r>
+            <a:br>
+              <a:rPr lang="en-US" altLang="ko-KR" dirty="0" smtClean="0">
+                <a:sym typeface="Wingdings" panose="05000000000000000000" pitchFamily="2" charset="2"/>
+              </a:rPr>
+            </a:br>
+            <a:r>
+              <a:rPr lang="ko-KR" altLang="en-US" dirty="0" smtClean="0">
+                <a:sym typeface="Wingdings" panose="05000000000000000000" pitchFamily="2" charset="2"/>
+              </a:rPr>
+              <a:t>단말기로 앱이 </a:t>
+            </a:r>
+            <a:r>
+              <a:rPr lang="en-US" altLang="ko-KR" dirty="0" smtClean="0">
+                <a:sym typeface="Wingdings" panose="05000000000000000000" pitchFamily="2" charset="2"/>
+              </a:rPr>
+              <a:t>Load</a:t>
+            </a:r>
+            <a:r>
+              <a:rPr lang="ko-KR" altLang="en-US" dirty="0" smtClean="0">
+                <a:sym typeface="Wingdings" panose="05000000000000000000" pitchFamily="2" charset="2"/>
+              </a:rPr>
+              <a:t>되고 실행되는 것을 관찰할 수 있었습니다</a:t>
+            </a:r>
+            <a:r>
+              <a:rPr lang="en-US" altLang="ko-KR" dirty="0" smtClean="0">
+                <a:sym typeface="Wingdings" panose="05000000000000000000" pitchFamily="2" charset="2"/>
+              </a:rPr>
+              <a:t>. </a:t>
+            </a:r>
           </a:p>
           <a:p>
             <a:pPr marL="0" indent="0">
@@ -16953,7 +16952,7 @@
         </p:blipFill>
         <p:spPr>
           <a:xfrm>
-            <a:off x="7762056" y="2448993"/>
+            <a:off x="7762056" y="2881041"/>
             <a:ext cx="3847861" cy="3212255"/>
           </a:xfrm>
           <a:prstGeom prst="rect">
@@ -16977,7 +16976,7 @@
         </p:blipFill>
         <p:spPr>
           <a:xfrm>
-            <a:off x="3391204" y="2886267"/>
+            <a:off x="4174793" y="2929338"/>
             <a:ext cx="3490262" cy="1265030"/>
           </a:xfrm>
           <a:prstGeom prst="rect">
@@ -17001,7 +17000,7 @@
         </p:blipFill>
         <p:spPr>
           <a:xfrm>
-            <a:off x="842032" y="2821752"/>
+            <a:off x="1917552" y="2882692"/>
             <a:ext cx="2160240" cy="1831384"/>
           </a:xfrm>
           <a:prstGeom prst="rect">
@@ -17017,7 +17016,7 @@
         </p:nvSpPr>
         <p:spPr>
           <a:xfrm>
-            <a:off x="8904312" y="4132538"/>
+            <a:off x="8904312" y="4564586"/>
             <a:ext cx="1296144" cy="720080"/>
           </a:xfrm>
           <a:prstGeom prst="leftArrow">
@@ -17069,6 +17068,30 @@
           </a:p>
         </p:txBody>
       </p:sp>
+      <p:pic>
+        <p:nvPicPr>
+          <p:cNvPr id="8" name="그림 7"/>
+          <p:cNvPicPr>
+            <a:picLocks noChangeAspect="1"/>
+          </p:cNvPicPr>
+          <p:nvPr/>
+        </p:nvPicPr>
+        <p:blipFill>
+          <a:blip r:embed="rId5"/>
+          <a:stretch>
+            <a:fillRect/>
+          </a:stretch>
+        </p:blipFill>
+        <p:spPr>
+          <a:xfrm>
+            <a:off x="737231" y="2929338"/>
+            <a:ext cx="896190" cy="664522"/>
+          </a:xfrm>
+          <a:prstGeom prst="rect">
+            <a:avLst/>
+          </a:prstGeom>
+        </p:spPr>
+      </p:pic>
     </p:spTree>
     <p:extLst>
       <p:ext uri="{BB962C8B-B14F-4D97-AF65-F5344CB8AC3E}">

--- a/ppts/06Service.pptx
+++ b/ppts/06Service.pptx
@@ -48,9 +48,9 @@
     <p:sldId id="1094" r:id="rId39"/>
     <p:sldId id="1095" r:id="rId40"/>
     <p:sldId id="1098" r:id="rId41"/>
-    <p:sldId id="1096" r:id="rId42"/>
-    <p:sldId id="1097" r:id="rId43"/>
-    <p:sldId id="1265" r:id="rId44"/>
+    <p:sldId id="1275" r:id="rId42"/>
+    <p:sldId id="1276" r:id="rId43"/>
+    <p:sldId id="1277" r:id="rId44"/>
     <p:sldId id="1099" r:id="rId45"/>
     <p:sldId id="1100" r:id="rId46"/>
     <p:sldId id="1266" r:id="rId47"/>
@@ -2280,7 +2280,7 @@
           </a:ln>
           <a:extLst>
             <a:ext uri="{C572A759-6A51-4108-AA02-DFA0A04FC94B}">
-              <ma14:wrappingTextBoxFlag xmlns:ma14="http://schemas.microsoft.com/office/mac/drawingml/2011/main" xmlns="" val="1"/>
+              <ma14:wrappingTextBoxFlag xmlns="" xmlns:ma14="http://schemas.microsoft.com/office/mac/drawingml/2011/main" val="1"/>
             </a:ext>
           </a:extLst>
         </p:spPr>
@@ -25986,7 +25986,7 @@
               <a:rPr lang="ko-KR" altLang="en-US" b="1" dirty="0" smtClean="0">
                 <a:sym typeface="Wingdings" panose="05000000000000000000" pitchFamily="2" charset="2"/>
               </a:rPr>
-              <a:t>실행 결과</a:t>
+              <a:t>실행 하기</a:t>
             </a:r>
             <a:r>
               <a:rPr lang="en-US" altLang="ko-KR" b="1" dirty="0" smtClean="0">
@@ -26035,6 +26035,44 @@
                 <a:sym typeface="Wingdings" panose="05000000000000000000" pitchFamily="2" charset="2"/>
               </a:rPr>
               <a:t>위험 권한에 관하여 좀 더 자세히 다음 단원에서 다루게 됩니다</a:t>
+            </a:r>
+            <a:r>
+              <a:rPr lang="en-US" altLang="ko-KR" dirty="0" smtClean="0">
+                <a:sym typeface="Wingdings" panose="05000000000000000000" pitchFamily="2" charset="2"/>
+              </a:rPr>
+              <a:t>. </a:t>
+            </a:r>
+          </a:p>
+          <a:p>
+            <a:r>
+              <a:rPr lang="ko-KR" altLang="en-US" dirty="0" smtClean="0">
+                <a:sym typeface="Wingdings" panose="05000000000000000000" pitchFamily="2" charset="2"/>
+              </a:rPr>
+              <a:t>아래 그림과 같이 가상으로 </a:t>
+            </a:r>
+            <a:r>
+              <a:rPr lang="en-US" altLang="ko-KR" dirty="0" smtClean="0">
+                <a:sym typeface="Wingdings" panose="05000000000000000000" pitchFamily="2" charset="2"/>
+              </a:rPr>
+              <a:t>SMS</a:t>
+            </a:r>
+            <a:r>
+              <a:rPr lang="ko-KR" altLang="en-US" dirty="0" smtClean="0">
+                <a:sym typeface="Wingdings" panose="05000000000000000000" pitchFamily="2" charset="2"/>
+              </a:rPr>
+              <a:t>를 전송할 수 있습니다</a:t>
+            </a:r>
+            <a:r>
+              <a:rPr lang="en-US" altLang="ko-KR" dirty="0" smtClean="0">
+                <a:sym typeface="Wingdings" panose="05000000000000000000" pitchFamily="2" charset="2"/>
+              </a:rPr>
+              <a:t>. </a:t>
+            </a:r>
+            <a:r>
+              <a:rPr lang="ko-KR" altLang="en-US" dirty="0" smtClean="0">
+                <a:sym typeface="Wingdings" panose="05000000000000000000" pitchFamily="2" charset="2"/>
+              </a:rPr>
+              <a:t>다음 페이지 설명을 참조하십시오</a:t>
             </a:r>
             <a:r>
               <a:rPr lang="en-US" altLang="ko-KR" dirty="0" smtClean="0">
@@ -26125,6 +26163,1099 @@
                 <a:defRPr/>
               </a:pPr>
               <a:t>41</a:t>
+            </a:fld>
+            <a:endParaRPr lang="ko-KR" altLang="en-US"/>
+          </a:p>
+        </p:txBody>
+      </p:sp>
+      <p:pic>
+        <p:nvPicPr>
+          <p:cNvPr id="7" name="그림 6"/>
+          <p:cNvPicPr>
+            <a:picLocks noChangeAspect="1"/>
+          </p:cNvPicPr>
+          <p:nvPr/>
+        </p:nvPicPr>
+        <p:blipFill>
+          <a:blip r:embed="rId2"/>
+          <a:stretch>
+            <a:fillRect/>
+          </a:stretch>
+        </p:blipFill>
+        <p:spPr>
+          <a:xfrm>
+            <a:off x="492148" y="3321325"/>
+            <a:ext cx="1714671" cy="2952328"/>
+          </a:xfrm>
+          <a:prstGeom prst="rect">
+            <a:avLst/>
+          </a:prstGeom>
+        </p:spPr>
+      </p:pic>
+      <p:pic>
+        <p:nvPicPr>
+          <p:cNvPr id="8" name="그림 7"/>
+          <p:cNvPicPr>
+            <a:picLocks noChangeAspect="1"/>
+          </p:cNvPicPr>
+          <p:nvPr/>
+        </p:nvPicPr>
+        <p:blipFill>
+          <a:blip r:embed="rId3"/>
+          <a:stretch>
+            <a:fillRect/>
+          </a:stretch>
+        </p:blipFill>
+        <p:spPr>
+          <a:xfrm>
+            <a:off x="2305406" y="3304872"/>
+            <a:ext cx="1713559" cy="2952328"/>
+          </a:xfrm>
+          <a:prstGeom prst="rect">
+            <a:avLst/>
+          </a:prstGeom>
+        </p:spPr>
+      </p:pic>
+      <p:pic>
+        <p:nvPicPr>
+          <p:cNvPr id="9" name="그림 8"/>
+          <p:cNvPicPr>
+            <a:picLocks noChangeAspect="1"/>
+          </p:cNvPicPr>
+          <p:nvPr/>
+        </p:nvPicPr>
+        <p:blipFill>
+          <a:blip r:embed="rId4"/>
+          <a:stretch>
+            <a:fillRect/>
+          </a:stretch>
+        </p:blipFill>
+        <p:spPr>
+          <a:xfrm>
+            <a:off x="4511824" y="3034683"/>
+            <a:ext cx="4325182" cy="3222517"/>
+          </a:xfrm>
+          <a:prstGeom prst="rect">
+            <a:avLst/>
+          </a:prstGeom>
+        </p:spPr>
+      </p:pic>
+      <p:sp>
+        <p:nvSpPr>
+          <p:cNvPr id="11" name="직사각형 10"/>
+          <p:cNvSpPr/>
+          <p:nvPr/>
+        </p:nvSpPr>
+        <p:spPr>
+          <a:xfrm>
+            <a:off x="4377390" y="5085184"/>
+            <a:ext cx="1080120" cy="360040"/>
+          </a:xfrm>
+          <a:prstGeom prst="rect">
+            <a:avLst/>
+          </a:prstGeom>
+          <a:noFill/>
+          <a:ln w="28575">
+            <a:solidFill>
+              <a:srgbClr val="C00000"/>
+            </a:solidFill>
+          </a:ln>
+        </p:spPr>
+        <p:style>
+          <a:lnRef idx="2">
+            <a:schemeClr val="accent1">
+              <a:shade val="50000"/>
+            </a:schemeClr>
+          </a:lnRef>
+          <a:fillRef idx="1">
+            <a:schemeClr val="accent1"/>
+          </a:fillRef>
+          <a:effectRef idx="0">
+            <a:schemeClr val="accent1"/>
+          </a:effectRef>
+          <a:fontRef idx="minor">
+            <a:schemeClr val="lt1"/>
+          </a:fontRef>
+        </p:style>
+        <p:txBody>
+          <a:bodyPr rtlCol="0" anchor="ctr"/>
+          <a:lstStyle/>
+          <a:p>
+            <a:pPr algn="ctr"/>
+            <a:endParaRPr lang="ko-KR" altLang="en-US"/>
+          </a:p>
+        </p:txBody>
+      </p:sp>
+      <p:sp>
+        <p:nvSpPr>
+          <p:cNvPr id="12" name="직사각형 11"/>
+          <p:cNvSpPr/>
+          <p:nvPr/>
+        </p:nvSpPr>
+        <p:spPr>
+          <a:xfrm>
+            <a:off x="6265543" y="4488664"/>
+            <a:ext cx="1812146" cy="360040"/>
+          </a:xfrm>
+          <a:prstGeom prst="rect">
+            <a:avLst/>
+          </a:prstGeom>
+          <a:noFill/>
+          <a:ln w="28575">
+            <a:solidFill>
+              <a:srgbClr val="C00000"/>
+            </a:solidFill>
+          </a:ln>
+        </p:spPr>
+        <p:style>
+          <a:lnRef idx="2">
+            <a:schemeClr val="accent1">
+              <a:shade val="50000"/>
+            </a:schemeClr>
+          </a:lnRef>
+          <a:fillRef idx="1">
+            <a:schemeClr val="accent1"/>
+          </a:fillRef>
+          <a:effectRef idx="0">
+            <a:schemeClr val="accent1"/>
+          </a:effectRef>
+          <a:fontRef idx="minor">
+            <a:schemeClr val="lt1"/>
+          </a:fontRef>
+        </p:style>
+        <p:txBody>
+          <a:bodyPr rtlCol="0" anchor="ctr"/>
+          <a:lstStyle/>
+          <a:p>
+            <a:pPr algn="ctr"/>
+            <a:endParaRPr lang="ko-KR" altLang="en-US"/>
+          </a:p>
+        </p:txBody>
+      </p:sp>
+      <p:sp>
+        <p:nvSpPr>
+          <p:cNvPr id="5" name="직사각형 4"/>
+          <p:cNvSpPr/>
+          <p:nvPr/>
+        </p:nvSpPr>
+        <p:spPr>
+          <a:xfrm>
+            <a:off x="5591944" y="2545449"/>
+            <a:ext cx="1723549" cy="276999"/>
+          </a:xfrm>
+          <a:prstGeom prst="rect">
+            <a:avLst/>
+          </a:prstGeom>
+        </p:spPr>
+        <p:txBody>
+          <a:bodyPr wrap="none">
+            <a:spAutoFit/>
+          </a:bodyPr>
+          <a:lstStyle/>
+          <a:p>
+            <a:r>
+              <a:rPr lang="ko-KR" altLang="en-US" sz="1200" b="1" dirty="0" smtClean="0">
+                <a:solidFill>
+                  <a:srgbClr val="C00000"/>
+                </a:solidFill>
+                <a:sym typeface="Wingdings" panose="05000000000000000000" pitchFamily="2" charset="2"/>
+              </a:rPr>
+              <a:t>가상으로 </a:t>
+            </a:r>
+            <a:r>
+              <a:rPr lang="en-US" altLang="ko-KR" sz="1200" b="1" dirty="0">
+                <a:solidFill>
+                  <a:srgbClr val="C00000"/>
+                </a:solidFill>
+                <a:sym typeface="Wingdings" panose="05000000000000000000" pitchFamily="2" charset="2"/>
+              </a:rPr>
+              <a:t>SMS </a:t>
+            </a:r>
+            <a:r>
+              <a:rPr lang="ko-KR" altLang="en-US" sz="1200" b="1" dirty="0">
+                <a:solidFill>
+                  <a:srgbClr val="C00000"/>
+                </a:solidFill>
+                <a:sym typeface="Wingdings" panose="05000000000000000000" pitchFamily="2" charset="2"/>
+              </a:rPr>
+              <a:t>전송하기</a:t>
+            </a:r>
+            <a:endParaRPr lang="en-US" altLang="ko-KR" sz="1200" b="1" dirty="0">
+              <a:solidFill>
+                <a:srgbClr val="C00000"/>
+              </a:solidFill>
+              <a:sym typeface="Wingdings" panose="05000000000000000000" pitchFamily="2" charset="2"/>
+            </a:endParaRPr>
+          </a:p>
+        </p:txBody>
+      </p:sp>
+      <p:sp>
+        <p:nvSpPr>
+          <p:cNvPr id="19" name="직사각형 18"/>
+          <p:cNvSpPr/>
+          <p:nvPr/>
+        </p:nvSpPr>
+        <p:spPr>
+          <a:xfrm>
+            <a:off x="7536160" y="5805265"/>
+            <a:ext cx="1435280" cy="451935"/>
+          </a:xfrm>
+          <a:prstGeom prst="rect">
+            <a:avLst/>
+          </a:prstGeom>
+          <a:noFill/>
+          <a:ln w="28575">
+            <a:solidFill>
+              <a:srgbClr val="C00000"/>
+            </a:solidFill>
+          </a:ln>
+        </p:spPr>
+        <p:style>
+          <a:lnRef idx="2">
+            <a:schemeClr val="accent1">
+              <a:shade val="50000"/>
+            </a:schemeClr>
+          </a:lnRef>
+          <a:fillRef idx="1">
+            <a:schemeClr val="accent1"/>
+          </a:fillRef>
+          <a:effectRef idx="0">
+            <a:schemeClr val="accent1"/>
+          </a:effectRef>
+          <a:fontRef idx="minor">
+            <a:schemeClr val="lt1"/>
+          </a:fontRef>
+        </p:style>
+        <p:txBody>
+          <a:bodyPr rtlCol="0" anchor="ctr"/>
+          <a:lstStyle/>
+          <a:p>
+            <a:pPr algn="ctr"/>
+            <a:endParaRPr lang="ko-KR" altLang="en-US"/>
+          </a:p>
+        </p:txBody>
+      </p:sp>
+    </p:spTree>
+    <p:extLst>
+      <p:ext uri="{BB962C8B-B14F-4D97-AF65-F5344CB8AC3E}">
+        <p14:creationId xmlns:p14="http://schemas.microsoft.com/office/powerpoint/2010/main" val="3127467173"/>
+      </p:ext>
+    </p:extLst>
+  </p:cSld>
+  <p:clrMapOvr>
+    <a:masterClrMapping/>
+  </p:clrMapOvr>
+  <p:timing>
+    <p:tnLst>
+      <p:par>
+        <p:cTn id="1" dur="indefinite" restart="never" nodeType="tmRoot"/>
+      </p:par>
+    </p:tnLst>
+  </p:timing>
+</p:sld>
+</file>
+
+<file path=ppt/slides/slide42.xml><?xml version="1.0" encoding="utf-8"?>
+<p:sld xmlns:a="http://schemas.openxmlformats.org/drawingml/2006/main" xmlns:r="http://schemas.openxmlformats.org/officeDocument/2006/relationships" xmlns:p="http://schemas.openxmlformats.org/presentationml/2006/main">
+  <p:cSld>
+    <p:spTree>
+      <p:nvGrpSpPr>
+        <p:cNvPr id="1" name=""/>
+        <p:cNvGrpSpPr/>
+        <p:nvPr/>
+      </p:nvGrpSpPr>
+      <p:grpSpPr>
+        <a:xfrm>
+          <a:off x="0" y="0"/>
+          <a:ext cx="0" cy="0"/>
+          <a:chOff x="0" y="0"/>
+          <a:chExt cx="0" cy="0"/>
+        </a:xfrm>
+      </p:grpSpPr>
+      <p:sp>
+        <p:nvSpPr>
+          <p:cNvPr id="2" name="제목 1"/>
+          <p:cNvSpPr>
+            <a:spLocks noGrp="1"/>
+          </p:cNvSpPr>
+          <p:nvPr>
+            <p:ph type="title"/>
+          </p:nvPr>
+        </p:nvSpPr>
+        <p:spPr/>
+        <p:txBody>
+          <a:bodyPr>
+            <a:normAutofit/>
+          </a:bodyPr>
+          <a:lstStyle/>
+          <a:p>
+            <a:r>
+              <a:rPr lang="en-US" altLang="ko-KR" dirty="0">
+                <a:latin typeface="나눔고딕" panose="020D0604000000000000" pitchFamily="50" charset="-127"/>
+                <a:ea typeface="나눔고딕" panose="020D0604000000000000" pitchFamily="50" charset="-127"/>
+              </a:rPr>
+              <a:t>06-2 </a:t>
+            </a:r>
+            <a:r>
+              <a:rPr lang="ko-KR" altLang="en-US" dirty="0">
+                <a:latin typeface="나눔고딕" panose="020D0604000000000000" pitchFamily="50" charset="-127"/>
+                <a:ea typeface="나눔고딕" panose="020D0604000000000000" pitchFamily="50" charset="-127"/>
+              </a:rPr>
+              <a:t>브로드캐스트 수신자 이해하기</a:t>
+            </a:r>
+            <a:endParaRPr lang="ko-KR" altLang="en-US" dirty="0">
+              <a:solidFill>
+                <a:srgbClr val="C00000"/>
+              </a:solidFill>
+            </a:endParaRPr>
+          </a:p>
+        </p:txBody>
+      </p:sp>
+      <p:sp>
+        <p:nvSpPr>
+          <p:cNvPr id="3" name="내용 개체 틀 2"/>
+          <p:cNvSpPr>
+            <a:spLocks noGrp="1"/>
+          </p:cNvSpPr>
+          <p:nvPr>
+            <p:ph idx="10"/>
+          </p:nvPr>
+        </p:nvSpPr>
+        <p:spPr/>
+        <p:txBody>
+          <a:bodyPr>
+            <a:normAutofit/>
+          </a:bodyPr>
+          <a:lstStyle/>
+          <a:p>
+            <a:pPr marL="0" indent="0">
+              <a:buNone/>
+            </a:pPr>
+            <a:r>
+              <a:rPr lang="en-US" altLang="ko-KR" b="1" dirty="0" smtClean="0">
+                <a:solidFill>
+                  <a:srgbClr val="C00000"/>
+                </a:solidFill>
+                <a:sym typeface="Wingdings" panose="05000000000000000000" pitchFamily="2" charset="2"/>
+              </a:rPr>
+              <a:t>Step 5: </a:t>
+            </a:r>
+            <a:r>
+              <a:rPr lang="ko-KR" altLang="en-US" b="1" dirty="0" smtClean="0">
+                <a:solidFill>
+                  <a:srgbClr val="C00000"/>
+                </a:solidFill>
+                <a:sym typeface="Wingdings" panose="05000000000000000000" pitchFamily="2" charset="2"/>
+              </a:rPr>
+              <a:t>가상으로 </a:t>
+            </a:r>
+            <a:r>
+              <a:rPr lang="en-US" altLang="ko-KR" b="1" dirty="0" smtClean="0">
+                <a:solidFill>
+                  <a:srgbClr val="C00000"/>
+                </a:solidFill>
+                <a:sym typeface="Wingdings" panose="05000000000000000000" pitchFamily="2" charset="2"/>
+              </a:rPr>
+              <a:t>SMS </a:t>
+            </a:r>
+            <a:r>
+              <a:rPr lang="ko-KR" altLang="en-US" b="1" dirty="0" smtClean="0">
+                <a:solidFill>
+                  <a:srgbClr val="C00000"/>
+                </a:solidFill>
+                <a:sym typeface="Wingdings" panose="05000000000000000000" pitchFamily="2" charset="2"/>
+              </a:rPr>
+              <a:t>전송하기</a:t>
+            </a:r>
+            <a:endParaRPr lang="en-US" altLang="ko-KR" b="1" dirty="0" smtClean="0">
+              <a:solidFill>
+                <a:srgbClr val="C00000"/>
+              </a:solidFill>
+              <a:sym typeface="Wingdings" panose="05000000000000000000" pitchFamily="2" charset="2"/>
+            </a:endParaRPr>
+          </a:p>
+          <a:p>
+            <a:r>
+              <a:rPr lang="en-US" altLang="ko-KR" dirty="0" smtClean="0">
+                <a:sym typeface="Wingdings" panose="05000000000000000000" pitchFamily="2" charset="2"/>
+              </a:rPr>
+              <a:t>SMS</a:t>
+            </a:r>
+            <a:r>
+              <a:rPr lang="ko-KR" altLang="en-US" dirty="0" smtClean="0">
+                <a:sym typeface="Wingdings" panose="05000000000000000000" pitchFamily="2" charset="2"/>
+              </a:rPr>
+              <a:t>는 이동통신사에 연결되어 있어야 다른 </a:t>
+            </a:r>
+            <a:r>
+              <a:rPr lang="ko-KR" altLang="en-US" dirty="0" err="1" smtClean="0">
+                <a:sym typeface="Wingdings" panose="05000000000000000000" pitchFamily="2" charset="2"/>
+              </a:rPr>
+              <a:t>단말로부터</a:t>
+            </a:r>
+            <a:r>
+              <a:rPr lang="ko-KR" altLang="en-US" dirty="0" smtClean="0">
+                <a:sym typeface="Wingdings" panose="05000000000000000000" pitchFamily="2" charset="2"/>
+              </a:rPr>
+              <a:t> 수신할 수 있습니다</a:t>
+            </a:r>
+            <a:r>
+              <a:rPr lang="en-US" altLang="ko-KR" dirty="0" smtClean="0">
+                <a:sym typeface="Wingdings" panose="05000000000000000000" pitchFamily="2" charset="2"/>
+              </a:rPr>
+              <a:t>. </a:t>
+            </a:r>
+            <a:r>
+              <a:rPr lang="ko-KR" altLang="en-US" dirty="0" smtClean="0">
+                <a:sym typeface="Wingdings" panose="05000000000000000000" pitchFamily="2" charset="2"/>
+              </a:rPr>
+              <a:t>따라서 에뮬레이터에서는 실제 </a:t>
+            </a:r>
+            <a:r>
+              <a:rPr lang="en-US" altLang="ko-KR" dirty="0" smtClean="0">
+                <a:sym typeface="Wingdings" panose="05000000000000000000" pitchFamily="2" charset="2"/>
+              </a:rPr>
+              <a:t>SMS</a:t>
+            </a:r>
+            <a:r>
+              <a:rPr lang="ko-KR" altLang="en-US" dirty="0" smtClean="0">
+                <a:sym typeface="Wingdings" panose="05000000000000000000" pitchFamily="2" charset="2"/>
+              </a:rPr>
+              <a:t>를 받을 수 없습니다</a:t>
+            </a:r>
+            <a:r>
+              <a:rPr lang="en-US" altLang="ko-KR" dirty="0" smtClean="0">
+                <a:sym typeface="Wingdings" panose="05000000000000000000" pitchFamily="2" charset="2"/>
+              </a:rPr>
+              <a:t>. </a:t>
+            </a:r>
+            <a:r>
+              <a:rPr lang="ko-KR" altLang="en-US" dirty="0" smtClean="0">
+                <a:sym typeface="Wingdings" panose="05000000000000000000" pitchFamily="2" charset="2"/>
+              </a:rPr>
+              <a:t>이 때문에 에뮬레이터에는 가상으로 </a:t>
+            </a:r>
+            <a:r>
+              <a:rPr lang="en-US" altLang="ko-KR" dirty="0" smtClean="0">
+                <a:sym typeface="Wingdings" panose="05000000000000000000" pitchFamily="2" charset="2"/>
+              </a:rPr>
+              <a:t>SMS</a:t>
+            </a:r>
+            <a:r>
+              <a:rPr lang="ko-KR" altLang="en-US" dirty="0" smtClean="0">
+                <a:sym typeface="Wingdings" panose="05000000000000000000" pitchFamily="2" charset="2"/>
+              </a:rPr>
+              <a:t>를 전송할 수 있는 기능이 들어 있습니다</a:t>
+            </a:r>
+            <a:r>
+              <a:rPr lang="en-US" altLang="ko-KR" dirty="0" smtClean="0">
+                <a:sym typeface="Wingdings" panose="05000000000000000000" pitchFamily="2" charset="2"/>
+              </a:rPr>
+              <a:t>. </a:t>
+            </a:r>
+          </a:p>
+          <a:p>
+            <a:pPr lvl="1"/>
+            <a:r>
+              <a:rPr lang="ko-KR" altLang="en-US" dirty="0" smtClean="0">
+                <a:sym typeface="Wingdings" panose="05000000000000000000" pitchFamily="2" charset="2"/>
+              </a:rPr>
+              <a:t>앱을 실행한 후</a:t>
+            </a:r>
+            <a:r>
+              <a:rPr lang="en-US" altLang="ko-KR" dirty="0" smtClean="0">
+                <a:sym typeface="Wingdings" panose="05000000000000000000" pitchFamily="2" charset="2"/>
+              </a:rPr>
+              <a:t>, </a:t>
+            </a:r>
+            <a:r>
+              <a:rPr lang="ko-KR" altLang="en-US" dirty="0" smtClean="0">
+                <a:sym typeface="Wingdings" panose="05000000000000000000" pitchFamily="2" charset="2"/>
+              </a:rPr>
+              <a:t>에뮬레이터 옆에 보이는 아이콘 중에서 가장 </a:t>
+            </a:r>
+            <a:r>
+              <a:rPr lang="ko-KR" altLang="en-US" b="1" dirty="0" smtClean="0">
+                <a:solidFill>
+                  <a:srgbClr val="C00000"/>
+                </a:solidFill>
+                <a:sym typeface="Wingdings" panose="05000000000000000000" pitchFamily="2" charset="2"/>
+              </a:rPr>
+              <a:t>아래 쪽에 있는 </a:t>
+            </a:r>
+            <a:r>
+              <a:rPr lang="en-US" altLang="ko-KR" b="1" dirty="0" smtClean="0">
+                <a:solidFill>
+                  <a:srgbClr val="C00000"/>
+                </a:solidFill>
+                <a:sym typeface="Wingdings" panose="05000000000000000000" pitchFamily="2" charset="2"/>
+              </a:rPr>
+              <a:t>[…]</a:t>
+            </a:r>
+            <a:r>
+              <a:rPr lang="ko-KR" altLang="en-US" b="1" dirty="0" smtClean="0">
+                <a:solidFill>
+                  <a:srgbClr val="C00000"/>
+                </a:solidFill>
+                <a:sym typeface="Wingdings" panose="05000000000000000000" pitchFamily="2" charset="2"/>
+              </a:rPr>
+              <a:t>아이콘을 클릭합니다</a:t>
+            </a:r>
+            <a:r>
+              <a:rPr lang="en-US" altLang="ko-KR" dirty="0" smtClean="0">
+                <a:sym typeface="Wingdings" panose="05000000000000000000" pitchFamily="2" charset="2"/>
+              </a:rPr>
+              <a:t>. </a:t>
+            </a:r>
+          </a:p>
+          <a:p>
+            <a:pPr lvl="1"/>
+            <a:r>
+              <a:rPr lang="en-US" altLang="ko-KR" dirty="0" smtClean="0">
+                <a:sym typeface="Wingdings" panose="05000000000000000000" pitchFamily="2" charset="2"/>
+              </a:rPr>
+              <a:t>[Extended controls] </a:t>
+            </a:r>
+            <a:r>
+              <a:rPr lang="ko-KR" altLang="en-US" dirty="0" smtClean="0">
+                <a:sym typeface="Wingdings" panose="05000000000000000000" pitchFamily="2" charset="2"/>
+              </a:rPr>
+              <a:t>대화상자가 나오면</a:t>
+            </a:r>
+            <a:r>
+              <a:rPr lang="en-US" altLang="ko-KR" dirty="0" smtClean="0">
+                <a:sym typeface="Wingdings" panose="05000000000000000000" pitchFamily="2" charset="2"/>
+              </a:rPr>
+              <a:t>, </a:t>
+            </a:r>
+            <a:r>
+              <a:rPr lang="ko-KR" altLang="en-US" dirty="0" smtClean="0">
+                <a:sym typeface="Wingdings" panose="05000000000000000000" pitchFamily="2" charset="2"/>
+              </a:rPr>
+              <a:t>왼쪽 메뉴에서 </a:t>
+            </a:r>
+            <a:r>
+              <a:rPr lang="en-US" altLang="ko-KR" dirty="0" smtClean="0">
+                <a:sym typeface="Wingdings" panose="05000000000000000000" pitchFamily="2" charset="2"/>
+              </a:rPr>
+              <a:t>[Phone] </a:t>
+            </a:r>
+            <a:r>
+              <a:rPr lang="ko-KR" altLang="en-US" dirty="0" smtClean="0">
+                <a:sym typeface="Wingdings" panose="05000000000000000000" pitchFamily="2" charset="2"/>
+              </a:rPr>
+              <a:t>을 선택합니다</a:t>
+            </a:r>
+            <a:r>
+              <a:rPr lang="en-US" altLang="ko-KR" dirty="0" smtClean="0">
+                <a:sym typeface="Wingdings" panose="05000000000000000000" pitchFamily="2" charset="2"/>
+              </a:rPr>
+              <a:t>. </a:t>
+            </a:r>
+          </a:p>
+          <a:p>
+            <a:pPr lvl="1"/>
+            <a:r>
+              <a:rPr lang="en-US" altLang="ko-KR" dirty="0" smtClean="0">
+                <a:sym typeface="Wingdings" panose="05000000000000000000" pitchFamily="2" charset="2"/>
+              </a:rPr>
+              <a:t>SMS message </a:t>
+            </a:r>
+            <a:r>
+              <a:rPr lang="ko-KR" altLang="en-US" dirty="0" smtClean="0">
+                <a:sym typeface="Wingdings" panose="05000000000000000000" pitchFamily="2" charset="2"/>
+              </a:rPr>
+              <a:t>입력란에 </a:t>
+            </a:r>
+            <a:r>
+              <a:rPr lang="en-US" altLang="ko-KR" b="1" dirty="0" smtClean="0">
+                <a:sym typeface="Wingdings" panose="05000000000000000000" pitchFamily="2" charset="2"/>
+              </a:rPr>
+              <a:t>'God is good all the time</a:t>
+            </a:r>
+            <a:r>
+              <a:rPr lang="en-US" altLang="ko-KR" dirty="0" smtClean="0">
+                <a:sym typeface="Wingdings" panose="05000000000000000000" pitchFamily="2" charset="2"/>
+              </a:rPr>
+              <a:t>'</a:t>
+            </a:r>
+            <a:r>
+              <a:rPr lang="ko-KR" altLang="en-US" dirty="0" smtClean="0">
+                <a:sym typeface="Wingdings" panose="05000000000000000000" pitchFamily="2" charset="2"/>
+              </a:rPr>
+              <a:t>이라고 입력하고 </a:t>
+            </a:r>
+            <a:r>
+              <a:rPr lang="en-US" altLang="ko-KR" dirty="0" smtClean="0">
+                <a:sym typeface="Wingdings" panose="05000000000000000000" pitchFamily="2" charset="2"/>
+              </a:rPr>
+              <a:t>[SEND MESSAGE]</a:t>
+            </a:r>
+            <a:r>
+              <a:rPr lang="ko-KR" altLang="en-US" dirty="0" smtClean="0">
+                <a:sym typeface="Wingdings" panose="05000000000000000000" pitchFamily="2" charset="2"/>
+              </a:rPr>
+              <a:t>버튼을 누릅니다</a:t>
+            </a:r>
+            <a:r>
+              <a:rPr lang="en-US" altLang="ko-KR" dirty="0" smtClean="0">
+                <a:sym typeface="Wingdings" panose="05000000000000000000" pitchFamily="2" charset="2"/>
+              </a:rPr>
+              <a:t>. </a:t>
+            </a:r>
+          </a:p>
+          <a:p>
+            <a:pPr lvl="1"/>
+            <a:r>
+              <a:rPr lang="ko-KR" altLang="en-US" dirty="0" smtClean="0">
+                <a:sym typeface="Wingdings" panose="05000000000000000000" pitchFamily="2" charset="2"/>
+              </a:rPr>
+              <a:t>에뮬레이터로 </a:t>
+            </a:r>
+            <a:r>
+              <a:rPr lang="en-US" altLang="ko-KR" dirty="0" smtClean="0">
+                <a:sym typeface="Wingdings" panose="05000000000000000000" pitchFamily="2" charset="2"/>
+              </a:rPr>
+              <a:t>SMS </a:t>
+            </a:r>
+            <a:r>
+              <a:rPr lang="ko-KR" altLang="en-US" dirty="0" smtClean="0">
+                <a:sym typeface="Wingdings" panose="05000000000000000000" pitchFamily="2" charset="2"/>
+              </a:rPr>
+              <a:t>문자가 전송되면 상단에 알림 메시지가 표시됩니다</a:t>
+            </a:r>
+            <a:r>
+              <a:rPr lang="en-US" altLang="ko-KR" dirty="0" smtClean="0">
+                <a:sym typeface="Wingdings" panose="05000000000000000000" pitchFamily="2" charset="2"/>
+              </a:rPr>
+              <a:t>. </a:t>
+            </a:r>
+          </a:p>
+          <a:p>
+            <a:pPr lvl="1"/>
+            <a:r>
+              <a:rPr lang="ko-KR" altLang="en-US" dirty="0" smtClean="0">
+                <a:sym typeface="Wingdings" panose="05000000000000000000" pitchFamily="2" charset="2"/>
+              </a:rPr>
+              <a:t>그리고</a:t>
+            </a:r>
+            <a:r>
+              <a:rPr lang="en-US" altLang="ko-KR" dirty="0" smtClean="0">
+                <a:sym typeface="Wingdings" panose="05000000000000000000" pitchFamily="2" charset="2"/>
+              </a:rPr>
+              <a:t>, </a:t>
+            </a:r>
+            <a:r>
+              <a:rPr lang="ko-KR" altLang="en-US" dirty="0" smtClean="0">
+                <a:sym typeface="Wingdings" panose="05000000000000000000" pitchFamily="2" charset="2"/>
+              </a:rPr>
+              <a:t>여러분이 만든 앱도 </a:t>
+            </a:r>
+            <a:r>
+              <a:rPr lang="en-US" altLang="ko-KR" dirty="0" smtClean="0">
+                <a:sym typeface="Wingdings" panose="05000000000000000000" pitchFamily="2" charset="2"/>
+              </a:rPr>
+              <a:t>SMS</a:t>
+            </a:r>
+            <a:r>
+              <a:rPr lang="ko-KR" altLang="en-US" dirty="0" smtClean="0">
+                <a:sym typeface="Wingdings" panose="05000000000000000000" pitchFamily="2" charset="2"/>
+              </a:rPr>
+              <a:t>를 받은 후 로그로 출력된 것은 </a:t>
+            </a:r>
+            <a:r>
+              <a:rPr lang="en-US" altLang="ko-KR" dirty="0" smtClean="0">
+                <a:sym typeface="Wingdings" panose="05000000000000000000" pitchFamily="2" charset="2"/>
+              </a:rPr>
+              <a:t>[Logcat] </a:t>
+            </a:r>
+            <a:r>
+              <a:rPr lang="ko-KR" altLang="en-US" dirty="0" smtClean="0">
+                <a:sym typeface="Wingdings" panose="05000000000000000000" pitchFamily="2" charset="2"/>
+              </a:rPr>
+              <a:t>탭에서 볼 수 있습니다</a:t>
+            </a:r>
+            <a:r>
+              <a:rPr lang="en-US" altLang="ko-KR" dirty="0" smtClean="0">
+                <a:sym typeface="Wingdings" panose="05000000000000000000" pitchFamily="2" charset="2"/>
+              </a:rPr>
+              <a:t>. </a:t>
+            </a:r>
+          </a:p>
+          <a:p>
+            <a:pPr marL="0" indent="0">
+              <a:buNone/>
+            </a:pPr>
+            <a:endParaRPr lang="en-US" altLang="ko-KR" dirty="0">
+              <a:sym typeface="Wingdings" panose="05000000000000000000" pitchFamily="2" charset="2"/>
+            </a:endParaRPr>
+          </a:p>
+          <a:p>
+            <a:pPr marL="0" indent="0">
+              <a:buNone/>
+            </a:pPr>
+            <a:endParaRPr lang="en-US" altLang="ko-KR" dirty="0" smtClean="0">
+              <a:sym typeface="Wingdings" panose="05000000000000000000" pitchFamily="2" charset="2"/>
+            </a:endParaRPr>
+          </a:p>
+          <a:p>
+            <a:pPr marL="0" indent="0">
+              <a:buNone/>
+            </a:pPr>
+            <a:endParaRPr lang="en-US" altLang="ko-KR" dirty="0">
+              <a:sym typeface="Wingdings" panose="05000000000000000000" pitchFamily="2" charset="2"/>
+            </a:endParaRPr>
+          </a:p>
+          <a:p>
+            <a:pPr marL="0" indent="0">
+              <a:buNone/>
+            </a:pPr>
+            <a:endParaRPr lang="en-US" altLang="ko-KR" dirty="0" smtClean="0">
+              <a:sym typeface="Wingdings" panose="05000000000000000000" pitchFamily="2" charset="2"/>
+            </a:endParaRPr>
+          </a:p>
+          <a:p>
+            <a:pPr marL="0" indent="0">
+              <a:buNone/>
+            </a:pPr>
+            <a:endParaRPr lang="en-US" altLang="ko-KR" dirty="0">
+              <a:sym typeface="Wingdings" panose="05000000000000000000" pitchFamily="2" charset="2"/>
+            </a:endParaRPr>
+          </a:p>
+          <a:p>
+            <a:pPr marL="0" indent="0">
+              <a:buNone/>
+            </a:pPr>
+            <a:endParaRPr lang="en-US" altLang="ko-KR" dirty="0" smtClean="0">
+              <a:sym typeface="Wingdings" panose="05000000000000000000" pitchFamily="2" charset="2"/>
+            </a:endParaRPr>
+          </a:p>
+          <a:p>
+            <a:pPr marL="0" indent="0">
+              <a:buNone/>
+            </a:pPr>
+            <a:endParaRPr lang="en-US" altLang="ko-KR" dirty="0">
+              <a:sym typeface="Wingdings" panose="05000000000000000000" pitchFamily="2" charset="2"/>
+            </a:endParaRPr>
+          </a:p>
+        </p:txBody>
+      </p:sp>
+      <p:sp>
+        <p:nvSpPr>
+          <p:cNvPr id="4" name="슬라이드 번호 개체 틀 3"/>
+          <p:cNvSpPr>
+            <a:spLocks noGrp="1"/>
+          </p:cNvSpPr>
+          <p:nvPr>
+            <p:ph type="sldNum" sz="quarter" idx="14"/>
+          </p:nvPr>
+        </p:nvSpPr>
+        <p:spPr/>
+        <p:txBody>
+          <a:bodyPr/>
+          <a:lstStyle/>
+          <a:p>
+            <a:pPr>
+              <a:defRPr/>
+            </a:pPr>
+            <a:fld id="{3D493B47-E977-46F8-8C2F-7DA674317049}" type="slidenum">
+              <a:rPr lang="ko-KR" altLang="en-US" smtClean="0"/>
+              <a:pPr>
+                <a:defRPr/>
+              </a:pPr>
+              <a:t>42</a:t>
+            </a:fld>
+            <a:endParaRPr lang="ko-KR" altLang="en-US"/>
+          </a:p>
+        </p:txBody>
+      </p:sp>
+      <p:pic>
+        <p:nvPicPr>
+          <p:cNvPr id="5" name="그림 4"/>
+          <p:cNvPicPr>
+            <a:picLocks noChangeAspect="1"/>
+          </p:cNvPicPr>
+          <p:nvPr/>
+        </p:nvPicPr>
+        <p:blipFill>
+          <a:blip r:embed="rId2"/>
+          <a:stretch>
+            <a:fillRect/>
+          </a:stretch>
+        </p:blipFill>
+        <p:spPr>
+          <a:xfrm>
+            <a:off x="983432" y="3656602"/>
+            <a:ext cx="9001000" cy="2869410"/>
+          </a:xfrm>
+          <a:prstGeom prst="rect">
+            <a:avLst/>
+          </a:prstGeom>
+        </p:spPr>
+      </p:pic>
+    </p:spTree>
+    <p:extLst>
+      <p:ext uri="{BB962C8B-B14F-4D97-AF65-F5344CB8AC3E}">
+        <p14:creationId xmlns:p14="http://schemas.microsoft.com/office/powerpoint/2010/main" val="1963875087"/>
+      </p:ext>
+    </p:extLst>
+  </p:cSld>
+  <p:clrMapOvr>
+    <a:masterClrMapping/>
+  </p:clrMapOvr>
+  <p:timing>
+    <p:tnLst>
+      <p:par>
+        <p:cTn id="1" dur="indefinite" restart="never" nodeType="tmRoot"/>
+      </p:par>
+    </p:tnLst>
+  </p:timing>
+</p:sld>
+</file>
+
+<file path=ppt/slides/slide43.xml><?xml version="1.0" encoding="utf-8"?>
+<p:sld xmlns:a="http://schemas.openxmlformats.org/drawingml/2006/main" xmlns:r="http://schemas.openxmlformats.org/officeDocument/2006/relationships" xmlns:p="http://schemas.openxmlformats.org/presentationml/2006/main">
+  <p:cSld>
+    <p:spTree>
+      <p:nvGrpSpPr>
+        <p:cNvPr id="1" name=""/>
+        <p:cNvGrpSpPr/>
+        <p:nvPr/>
+      </p:nvGrpSpPr>
+      <p:grpSpPr>
+        <a:xfrm>
+          <a:off x="0" y="0"/>
+          <a:ext cx="0" cy="0"/>
+          <a:chOff x="0" y="0"/>
+          <a:chExt cx="0" cy="0"/>
+        </a:xfrm>
+      </p:grpSpPr>
+      <p:sp>
+        <p:nvSpPr>
+          <p:cNvPr id="2" name="제목 1"/>
+          <p:cNvSpPr>
+            <a:spLocks noGrp="1"/>
+          </p:cNvSpPr>
+          <p:nvPr>
+            <p:ph type="title"/>
+          </p:nvPr>
+        </p:nvSpPr>
+        <p:spPr/>
+        <p:txBody>
+          <a:bodyPr>
+            <a:normAutofit/>
+          </a:bodyPr>
+          <a:lstStyle/>
+          <a:p>
+            <a:r>
+              <a:rPr lang="en-US" altLang="ko-KR" dirty="0">
+                <a:latin typeface="나눔고딕" panose="020D0604000000000000" pitchFamily="50" charset="-127"/>
+                <a:ea typeface="나눔고딕" panose="020D0604000000000000" pitchFamily="50" charset="-127"/>
+              </a:rPr>
+              <a:t>06-2 </a:t>
+            </a:r>
+            <a:r>
+              <a:rPr lang="ko-KR" altLang="en-US" dirty="0">
+                <a:latin typeface="나눔고딕" panose="020D0604000000000000" pitchFamily="50" charset="-127"/>
+                <a:ea typeface="나눔고딕" panose="020D0604000000000000" pitchFamily="50" charset="-127"/>
+              </a:rPr>
+              <a:t>브로드캐스트 수신자 이해하기</a:t>
+            </a:r>
+            <a:endParaRPr lang="ko-KR" altLang="en-US" dirty="0">
+              <a:solidFill>
+                <a:srgbClr val="C00000"/>
+              </a:solidFill>
+            </a:endParaRPr>
+          </a:p>
+        </p:txBody>
+      </p:sp>
+      <p:sp>
+        <p:nvSpPr>
+          <p:cNvPr id="3" name="내용 개체 틀 2"/>
+          <p:cNvSpPr>
+            <a:spLocks noGrp="1"/>
+          </p:cNvSpPr>
+          <p:nvPr>
+            <p:ph idx="10"/>
+          </p:nvPr>
+        </p:nvSpPr>
+        <p:spPr/>
+        <p:txBody>
+          <a:bodyPr>
+            <a:normAutofit/>
+          </a:bodyPr>
+          <a:lstStyle/>
+          <a:p>
+            <a:pPr marL="0" indent="0">
+              <a:buNone/>
+            </a:pPr>
+            <a:r>
+              <a:rPr lang="ko-KR" altLang="en-US" b="1" dirty="0" smtClean="0">
+                <a:sym typeface="Wingdings" panose="05000000000000000000" pitchFamily="2" charset="2"/>
+              </a:rPr>
+              <a:t>실행 결과</a:t>
+            </a:r>
+            <a:r>
+              <a:rPr lang="en-US" altLang="ko-KR" b="1" dirty="0" smtClean="0">
+                <a:sym typeface="Wingdings" panose="05000000000000000000" pitchFamily="2" charset="2"/>
+              </a:rPr>
+              <a:t>:  </a:t>
+            </a:r>
+            <a:r>
+              <a:rPr lang="ko-KR" altLang="en-US" dirty="0" smtClean="0">
+                <a:sym typeface="Wingdings" panose="05000000000000000000" pitchFamily="2" charset="2"/>
+              </a:rPr>
+              <a:t>가상 </a:t>
+            </a:r>
+            <a:r>
+              <a:rPr lang="en-US" altLang="ko-KR" dirty="0" smtClean="0">
+                <a:sym typeface="Wingdings" panose="05000000000000000000" pitchFamily="2" charset="2"/>
+              </a:rPr>
+              <a:t>Embedded Control </a:t>
+            </a:r>
+            <a:r>
+              <a:rPr lang="ko-KR" altLang="en-US" dirty="0" smtClean="0">
+                <a:sym typeface="Wingdings" panose="05000000000000000000" pitchFamily="2" charset="2"/>
+              </a:rPr>
+              <a:t>대화상자에서 메시지를 보내면</a:t>
+            </a:r>
+            <a:r>
+              <a:rPr lang="en-US" altLang="ko-KR" dirty="0" smtClean="0">
+                <a:sym typeface="Wingdings" panose="05000000000000000000" pitchFamily="2" charset="2"/>
+              </a:rPr>
+              <a:t>, </a:t>
+            </a:r>
+            <a:r>
+              <a:rPr lang="ko-KR" altLang="en-US" dirty="0" smtClean="0">
+                <a:sym typeface="Wingdings" panose="05000000000000000000" pitchFamily="2" charset="2"/>
+              </a:rPr>
+              <a:t>단말이 메시지를 받고 가상 단말기의 기본 앱에 저장하고 알림을 띄어 줍니다</a:t>
+            </a:r>
+            <a:r>
+              <a:rPr lang="en-US" altLang="ko-KR" dirty="0" smtClean="0">
+                <a:sym typeface="Wingdings" panose="05000000000000000000" pitchFamily="2" charset="2"/>
+              </a:rPr>
+              <a:t>. </a:t>
+            </a:r>
+            <a:r>
+              <a:rPr lang="ko-KR" altLang="en-US" dirty="0" smtClean="0">
+                <a:sym typeface="Wingdings" panose="05000000000000000000" pitchFamily="2" charset="2"/>
+              </a:rPr>
+              <a:t>이를 사용자도 더 자세히 </a:t>
+            </a:r>
+            <a:r>
+              <a:rPr lang="ko-KR" altLang="en-US" b="1" dirty="0" smtClean="0">
+                <a:sym typeface="Wingdings" panose="05000000000000000000" pitchFamily="2" charset="2"/>
+              </a:rPr>
+              <a:t>추가적인 액티비티 만들어 자신 만의 방법으로 </a:t>
+            </a:r>
+            <a:r>
+              <a:rPr lang="ko-KR" altLang="en-US" dirty="0" smtClean="0">
+                <a:sym typeface="Wingdings" panose="05000000000000000000" pitchFamily="2" charset="2"/>
+              </a:rPr>
+              <a:t>메시지를 보여 줄 수 있는데</a:t>
+            </a:r>
+            <a:r>
+              <a:rPr lang="en-US" altLang="ko-KR" dirty="0" smtClean="0">
+                <a:sym typeface="Wingdings" panose="05000000000000000000" pitchFamily="2" charset="2"/>
+              </a:rPr>
+              <a:t>, </a:t>
+            </a:r>
+            <a:r>
+              <a:rPr lang="ko-KR" altLang="en-US" dirty="0" smtClean="0">
+                <a:sym typeface="Wingdings" panose="05000000000000000000" pitchFamily="2" charset="2"/>
+              </a:rPr>
+              <a:t>이 부분을 이어서 구현해 보기로 합니다</a:t>
+            </a:r>
+            <a:r>
+              <a:rPr lang="en-US" altLang="ko-KR" dirty="0" smtClean="0">
+                <a:sym typeface="Wingdings" panose="05000000000000000000" pitchFamily="2" charset="2"/>
+              </a:rPr>
+              <a:t>.  </a:t>
+            </a:r>
+          </a:p>
+          <a:p>
+            <a:pPr marL="0" indent="0">
+              <a:buNone/>
+            </a:pPr>
+            <a:endParaRPr lang="en-US" altLang="ko-KR" dirty="0">
+              <a:sym typeface="Wingdings" panose="05000000000000000000" pitchFamily="2" charset="2"/>
+            </a:endParaRPr>
+          </a:p>
+          <a:p>
+            <a:pPr marL="0" indent="0">
+              <a:buNone/>
+            </a:pPr>
+            <a:endParaRPr lang="en-US" altLang="ko-KR" dirty="0" smtClean="0">
+              <a:sym typeface="Wingdings" panose="05000000000000000000" pitchFamily="2" charset="2"/>
+            </a:endParaRPr>
+          </a:p>
+          <a:p>
+            <a:pPr marL="0" indent="0">
+              <a:buNone/>
+            </a:pPr>
+            <a:endParaRPr lang="en-US" altLang="ko-KR" dirty="0">
+              <a:sym typeface="Wingdings" panose="05000000000000000000" pitchFamily="2" charset="2"/>
+            </a:endParaRPr>
+          </a:p>
+          <a:p>
+            <a:pPr marL="0" indent="0">
+              <a:buNone/>
+            </a:pPr>
+            <a:endParaRPr lang="en-US" altLang="ko-KR" dirty="0" smtClean="0">
+              <a:sym typeface="Wingdings" panose="05000000000000000000" pitchFamily="2" charset="2"/>
+            </a:endParaRPr>
+          </a:p>
+          <a:p>
+            <a:pPr marL="0" indent="0">
+              <a:buNone/>
+            </a:pPr>
+            <a:endParaRPr lang="en-US" altLang="ko-KR" dirty="0">
+              <a:sym typeface="Wingdings" panose="05000000000000000000" pitchFamily="2" charset="2"/>
+            </a:endParaRPr>
+          </a:p>
+          <a:p>
+            <a:pPr marL="0" indent="0">
+              <a:buNone/>
+            </a:pPr>
+            <a:endParaRPr lang="en-US" altLang="ko-KR" dirty="0" smtClean="0">
+              <a:sym typeface="Wingdings" panose="05000000000000000000" pitchFamily="2" charset="2"/>
+            </a:endParaRPr>
+          </a:p>
+          <a:p>
+            <a:pPr marL="0" indent="0">
+              <a:buNone/>
+            </a:pPr>
+            <a:endParaRPr lang="en-US" altLang="ko-KR" dirty="0">
+              <a:sym typeface="Wingdings" panose="05000000000000000000" pitchFamily="2" charset="2"/>
+            </a:endParaRPr>
+          </a:p>
+        </p:txBody>
+      </p:sp>
+      <p:sp>
+        <p:nvSpPr>
+          <p:cNvPr id="4" name="슬라이드 번호 개체 틀 3"/>
+          <p:cNvSpPr>
+            <a:spLocks noGrp="1"/>
+          </p:cNvSpPr>
+          <p:nvPr>
+            <p:ph type="sldNum" sz="quarter" idx="14"/>
+          </p:nvPr>
+        </p:nvSpPr>
+        <p:spPr/>
+        <p:txBody>
+          <a:bodyPr/>
+          <a:lstStyle/>
+          <a:p>
+            <a:pPr>
+              <a:defRPr/>
+            </a:pPr>
+            <a:fld id="{3D493B47-E977-46F8-8C2F-7DA674317049}" type="slidenum">
+              <a:rPr lang="ko-KR" altLang="en-US" smtClean="0"/>
+              <a:pPr>
+                <a:defRPr/>
+              </a:pPr>
+              <a:t>43</a:t>
             </a:fld>
             <a:endParaRPr lang="ko-KR" altLang="en-US"/>
           </a:p>
@@ -26544,830 +27675,79 @@
           </a:p>
         </p:txBody>
       </p:sp>
-    </p:spTree>
-    <p:extLst>
-      <p:ext uri="{BB962C8B-B14F-4D97-AF65-F5344CB8AC3E}">
-        <p14:creationId xmlns:p14="http://schemas.microsoft.com/office/powerpoint/2010/main" val="4227737143"/>
-      </p:ext>
-    </p:extLst>
-  </p:cSld>
-  <p:clrMapOvr>
-    <a:masterClrMapping/>
-  </p:clrMapOvr>
-  <p:timing>
-    <p:tnLst>
-      <p:par>
-        <p:cTn id="1" dur="indefinite" restart="never" nodeType="tmRoot"/>
-      </p:par>
-    </p:tnLst>
-  </p:timing>
-</p:sld>
-</file>
-
-<file path=ppt/slides/slide42.xml><?xml version="1.0" encoding="utf-8"?>
-<p:sld xmlns:a="http://schemas.openxmlformats.org/drawingml/2006/main" xmlns:r="http://schemas.openxmlformats.org/officeDocument/2006/relationships" xmlns:p="http://schemas.openxmlformats.org/presentationml/2006/main">
-  <p:cSld>
-    <p:spTree>
-      <p:nvGrpSpPr>
-        <p:cNvPr id="1" name=""/>
-        <p:cNvGrpSpPr/>
-        <p:nvPr/>
-      </p:nvGrpSpPr>
-      <p:grpSpPr>
-        <a:xfrm>
-          <a:off x="0" y="0"/>
-          <a:ext cx="0" cy="0"/>
-          <a:chOff x="0" y="0"/>
-          <a:chExt cx="0" cy="0"/>
-        </a:xfrm>
-      </p:grpSpPr>
       <p:sp>
         <p:nvSpPr>
-          <p:cNvPr id="2" name="제목 1"/>
-          <p:cNvSpPr>
-            <a:spLocks noGrp="1"/>
-          </p:cNvSpPr>
-          <p:nvPr>
-            <p:ph type="title"/>
-          </p:nvPr>
+          <p:cNvPr id="5" name="직사각형 4"/>
+          <p:cNvSpPr/>
+          <p:nvPr/>
         </p:nvSpPr>
-        <p:spPr/>
-        <p:txBody>
-          <a:bodyPr>
-            <a:normAutofit/>
-          </a:bodyPr>
-          <a:lstStyle/>
-          <a:p>
-            <a:r>
-              <a:rPr lang="en-US" altLang="ko-KR" dirty="0">
-                <a:latin typeface="나눔고딕" panose="020D0604000000000000" pitchFamily="50" charset="-127"/>
-                <a:ea typeface="나눔고딕" panose="020D0604000000000000" pitchFamily="50" charset="-127"/>
-              </a:rPr>
-              <a:t>06-2 </a:t>
-            </a:r>
-            <a:r>
-              <a:rPr lang="ko-KR" altLang="en-US" dirty="0">
-                <a:latin typeface="나눔고딕" panose="020D0604000000000000" pitchFamily="50" charset="-127"/>
-                <a:ea typeface="나눔고딕" panose="020D0604000000000000" pitchFamily="50" charset="-127"/>
-              </a:rPr>
-              <a:t>브로드캐스트 수신자 이해하기</a:t>
-            </a:r>
-            <a:endParaRPr lang="ko-KR" altLang="en-US" dirty="0">
-              <a:solidFill>
-                <a:srgbClr val="C00000"/>
-              </a:solidFill>
-            </a:endParaRPr>
-          </a:p>
-        </p:txBody>
-      </p:sp>
-      <p:sp>
-        <p:nvSpPr>
-          <p:cNvPr id="3" name="내용 개체 틀 2"/>
-          <p:cNvSpPr>
-            <a:spLocks noGrp="1"/>
-          </p:cNvSpPr>
-          <p:nvPr>
-            <p:ph idx="10"/>
-          </p:nvPr>
-        </p:nvSpPr>
-        <p:spPr/>
-        <p:txBody>
-          <a:bodyPr>
-            <a:normAutofit/>
-          </a:bodyPr>
-          <a:lstStyle/>
-          <a:p>
-            <a:pPr marL="0" indent="0">
-              <a:buNone/>
-            </a:pPr>
-            <a:r>
-              <a:rPr lang="en-US" altLang="ko-KR" b="1" dirty="0" smtClean="0">
-                <a:solidFill>
-                  <a:srgbClr val="C00000"/>
-                </a:solidFill>
-                <a:sym typeface="Wingdings" panose="05000000000000000000" pitchFamily="2" charset="2"/>
-              </a:rPr>
-              <a:t>Step 5: </a:t>
-            </a:r>
-            <a:r>
-              <a:rPr lang="ko-KR" altLang="en-US" b="1" dirty="0" smtClean="0">
-                <a:solidFill>
-                  <a:srgbClr val="C00000"/>
-                </a:solidFill>
-                <a:sym typeface="Wingdings" panose="05000000000000000000" pitchFamily="2" charset="2"/>
-              </a:rPr>
-              <a:t>가상으로 </a:t>
-            </a:r>
-            <a:r>
-              <a:rPr lang="en-US" altLang="ko-KR" b="1" dirty="0" smtClean="0">
-                <a:solidFill>
-                  <a:srgbClr val="C00000"/>
-                </a:solidFill>
-                <a:sym typeface="Wingdings" panose="05000000000000000000" pitchFamily="2" charset="2"/>
-              </a:rPr>
-              <a:t>SMS </a:t>
-            </a:r>
-            <a:r>
-              <a:rPr lang="ko-KR" altLang="en-US" b="1" dirty="0" smtClean="0">
-                <a:solidFill>
-                  <a:srgbClr val="C00000"/>
-                </a:solidFill>
-                <a:sym typeface="Wingdings" panose="05000000000000000000" pitchFamily="2" charset="2"/>
-              </a:rPr>
-              <a:t>전송하기</a:t>
-            </a:r>
-            <a:endParaRPr lang="en-US" altLang="ko-KR" b="1" dirty="0" smtClean="0">
-              <a:solidFill>
-                <a:srgbClr val="C00000"/>
-              </a:solidFill>
-              <a:sym typeface="Wingdings" panose="05000000000000000000" pitchFamily="2" charset="2"/>
-            </a:endParaRPr>
-          </a:p>
-          <a:p>
-            <a:r>
-              <a:rPr lang="en-US" altLang="ko-KR" dirty="0" smtClean="0">
-                <a:sym typeface="Wingdings" panose="05000000000000000000" pitchFamily="2" charset="2"/>
-              </a:rPr>
-              <a:t>SMS</a:t>
-            </a:r>
-            <a:r>
-              <a:rPr lang="ko-KR" altLang="en-US" dirty="0" smtClean="0">
-                <a:sym typeface="Wingdings" panose="05000000000000000000" pitchFamily="2" charset="2"/>
-              </a:rPr>
-              <a:t>는 이동통신사에 연결되어 있어야 다른 </a:t>
-            </a:r>
-            <a:r>
-              <a:rPr lang="ko-KR" altLang="en-US" dirty="0" err="1" smtClean="0">
-                <a:sym typeface="Wingdings" panose="05000000000000000000" pitchFamily="2" charset="2"/>
-              </a:rPr>
-              <a:t>단말로부터</a:t>
-            </a:r>
-            <a:r>
-              <a:rPr lang="ko-KR" altLang="en-US" dirty="0" smtClean="0">
-                <a:sym typeface="Wingdings" panose="05000000000000000000" pitchFamily="2" charset="2"/>
-              </a:rPr>
-              <a:t> 수신할 수 있습니다</a:t>
-            </a:r>
-            <a:r>
-              <a:rPr lang="en-US" altLang="ko-KR" dirty="0" smtClean="0">
-                <a:sym typeface="Wingdings" panose="05000000000000000000" pitchFamily="2" charset="2"/>
-              </a:rPr>
-              <a:t>. </a:t>
-            </a:r>
-            <a:r>
-              <a:rPr lang="ko-KR" altLang="en-US" dirty="0" smtClean="0">
-                <a:sym typeface="Wingdings" panose="05000000000000000000" pitchFamily="2" charset="2"/>
-              </a:rPr>
-              <a:t>따라서 에뮬레이터에서는 실제 </a:t>
-            </a:r>
-            <a:r>
-              <a:rPr lang="en-US" altLang="ko-KR" dirty="0" smtClean="0">
-                <a:sym typeface="Wingdings" panose="05000000000000000000" pitchFamily="2" charset="2"/>
-              </a:rPr>
-              <a:t>SMS</a:t>
-            </a:r>
-            <a:r>
-              <a:rPr lang="ko-KR" altLang="en-US" dirty="0" smtClean="0">
-                <a:sym typeface="Wingdings" panose="05000000000000000000" pitchFamily="2" charset="2"/>
-              </a:rPr>
-              <a:t>를 받을 수 없습니다</a:t>
-            </a:r>
-            <a:r>
-              <a:rPr lang="en-US" altLang="ko-KR" dirty="0" smtClean="0">
-                <a:sym typeface="Wingdings" panose="05000000000000000000" pitchFamily="2" charset="2"/>
-              </a:rPr>
-              <a:t>. </a:t>
-            </a:r>
-            <a:r>
-              <a:rPr lang="ko-KR" altLang="en-US" dirty="0" smtClean="0">
-                <a:sym typeface="Wingdings" panose="05000000000000000000" pitchFamily="2" charset="2"/>
-              </a:rPr>
-              <a:t>이 때문에 에뮬레이터에는 가상으로 </a:t>
-            </a:r>
-            <a:r>
-              <a:rPr lang="en-US" altLang="ko-KR" dirty="0" smtClean="0">
-                <a:sym typeface="Wingdings" panose="05000000000000000000" pitchFamily="2" charset="2"/>
-              </a:rPr>
-              <a:t>SMS</a:t>
-            </a:r>
-            <a:r>
-              <a:rPr lang="ko-KR" altLang="en-US" dirty="0" smtClean="0">
-                <a:sym typeface="Wingdings" panose="05000000000000000000" pitchFamily="2" charset="2"/>
-              </a:rPr>
-              <a:t>를 전송할 수 있는 기능이 들어 있습니다</a:t>
-            </a:r>
-            <a:r>
-              <a:rPr lang="en-US" altLang="ko-KR" dirty="0" smtClean="0">
-                <a:sym typeface="Wingdings" panose="05000000000000000000" pitchFamily="2" charset="2"/>
-              </a:rPr>
-              <a:t>. </a:t>
-            </a:r>
-          </a:p>
-          <a:p>
-            <a:pPr lvl="1"/>
-            <a:r>
-              <a:rPr lang="ko-KR" altLang="en-US" dirty="0" smtClean="0">
-                <a:sym typeface="Wingdings" panose="05000000000000000000" pitchFamily="2" charset="2"/>
-              </a:rPr>
-              <a:t>앱을 실행한 후</a:t>
-            </a:r>
-            <a:r>
-              <a:rPr lang="en-US" altLang="ko-KR" dirty="0" smtClean="0">
-                <a:sym typeface="Wingdings" panose="05000000000000000000" pitchFamily="2" charset="2"/>
-              </a:rPr>
-              <a:t>, </a:t>
-            </a:r>
-            <a:r>
-              <a:rPr lang="ko-KR" altLang="en-US" dirty="0" smtClean="0">
-                <a:sym typeface="Wingdings" panose="05000000000000000000" pitchFamily="2" charset="2"/>
-              </a:rPr>
-              <a:t>에뮬레이터 옆에 보이는 아이콘 중에서 가장 </a:t>
-            </a:r>
-            <a:r>
-              <a:rPr lang="ko-KR" altLang="en-US" b="1" dirty="0" smtClean="0">
-                <a:solidFill>
-                  <a:srgbClr val="C00000"/>
-                </a:solidFill>
-                <a:sym typeface="Wingdings" panose="05000000000000000000" pitchFamily="2" charset="2"/>
-              </a:rPr>
-              <a:t>아래 쪽에 있는 </a:t>
-            </a:r>
-            <a:r>
-              <a:rPr lang="en-US" altLang="ko-KR" b="1" dirty="0" smtClean="0">
-                <a:solidFill>
-                  <a:srgbClr val="C00000"/>
-                </a:solidFill>
-                <a:sym typeface="Wingdings" panose="05000000000000000000" pitchFamily="2" charset="2"/>
-              </a:rPr>
-              <a:t>[…]</a:t>
-            </a:r>
-            <a:r>
-              <a:rPr lang="ko-KR" altLang="en-US" b="1" dirty="0" smtClean="0">
-                <a:solidFill>
-                  <a:srgbClr val="C00000"/>
-                </a:solidFill>
-                <a:sym typeface="Wingdings" panose="05000000000000000000" pitchFamily="2" charset="2"/>
-              </a:rPr>
-              <a:t>아이콘을 클릭합니다</a:t>
-            </a:r>
-            <a:r>
-              <a:rPr lang="en-US" altLang="ko-KR" dirty="0" smtClean="0">
-                <a:sym typeface="Wingdings" panose="05000000000000000000" pitchFamily="2" charset="2"/>
-              </a:rPr>
-              <a:t>. </a:t>
-            </a:r>
-          </a:p>
-          <a:p>
-            <a:pPr lvl="1"/>
-            <a:r>
-              <a:rPr lang="en-US" altLang="ko-KR" dirty="0" smtClean="0">
-                <a:sym typeface="Wingdings" panose="05000000000000000000" pitchFamily="2" charset="2"/>
-              </a:rPr>
-              <a:t>[Extended controls] </a:t>
-            </a:r>
-            <a:r>
-              <a:rPr lang="ko-KR" altLang="en-US" dirty="0" smtClean="0">
-                <a:sym typeface="Wingdings" panose="05000000000000000000" pitchFamily="2" charset="2"/>
-              </a:rPr>
-              <a:t>대화상자가 나오면</a:t>
-            </a:r>
-            <a:r>
-              <a:rPr lang="en-US" altLang="ko-KR" dirty="0" smtClean="0">
-                <a:sym typeface="Wingdings" panose="05000000000000000000" pitchFamily="2" charset="2"/>
-              </a:rPr>
-              <a:t>, </a:t>
-            </a:r>
-            <a:r>
-              <a:rPr lang="ko-KR" altLang="en-US" dirty="0" smtClean="0">
-                <a:sym typeface="Wingdings" panose="05000000000000000000" pitchFamily="2" charset="2"/>
-              </a:rPr>
-              <a:t>왼쪽 메뉴에서 </a:t>
-            </a:r>
-            <a:r>
-              <a:rPr lang="en-US" altLang="ko-KR" dirty="0" smtClean="0">
-                <a:sym typeface="Wingdings" panose="05000000000000000000" pitchFamily="2" charset="2"/>
-              </a:rPr>
-              <a:t>[Phone] </a:t>
-            </a:r>
-            <a:r>
-              <a:rPr lang="ko-KR" altLang="en-US" dirty="0" smtClean="0">
-                <a:sym typeface="Wingdings" panose="05000000000000000000" pitchFamily="2" charset="2"/>
-              </a:rPr>
-              <a:t>을 선택합니다</a:t>
-            </a:r>
-            <a:r>
-              <a:rPr lang="en-US" altLang="ko-KR" dirty="0" smtClean="0">
-                <a:sym typeface="Wingdings" panose="05000000000000000000" pitchFamily="2" charset="2"/>
-              </a:rPr>
-              <a:t>. </a:t>
-            </a:r>
-          </a:p>
-          <a:p>
-            <a:pPr lvl="1"/>
-            <a:r>
-              <a:rPr lang="en-US" altLang="ko-KR" dirty="0" smtClean="0">
-                <a:sym typeface="Wingdings" panose="05000000000000000000" pitchFamily="2" charset="2"/>
-              </a:rPr>
-              <a:t>SMS message </a:t>
-            </a:r>
-            <a:r>
-              <a:rPr lang="ko-KR" altLang="en-US" dirty="0" smtClean="0">
-                <a:sym typeface="Wingdings" panose="05000000000000000000" pitchFamily="2" charset="2"/>
-              </a:rPr>
-              <a:t>입력란에 </a:t>
-            </a:r>
-            <a:r>
-              <a:rPr lang="en-US" altLang="ko-KR" b="1" dirty="0" smtClean="0">
-                <a:sym typeface="Wingdings" panose="05000000000000000000" pitchFamily="2" charset="2"/>
-              </a:rPr>
-              <a:t>'God is good all the time</a:t>
-            </a:r>
-            <a:r>
-              <a:rPr lang="en-US" altLang="ko-KR" dirty="0" smtClean="0">
-                <a:sym typeface="Wingdings" panose="05000000000000000000" pitchFamily="2" charset="2"/>
-              </a:rPr>
-              <a:t>'</a:t>
-            </a:r>
-            <a:r>
-              <a:rPr lang="ko-KR" altLang="en-US" dirty="0" smtClean="0">
-                <a:sym typeface="Wingdings" panose="05000000000000000000" pitchFamily="2" charset="2"/>
-              </a:rPr>
-              <a:t>이라고 입력하고 </a:t>
-            </a:r>
-            <a:r>
-              <a:rPr lang="en-US" altLang="ko-KR" dirty="0" smtClean="0">
-                <a:sym typeface="Wingdings" panose="05000000000000000000" pitchFamily="2" charset="2"/>
-              </a:rPr>
-              <a:t>[SEND MESSAGE]</a:t>
-            </a:r>
-            <a:r>
-              <a:rPr lang="ko-KR" altLang="en-US" dirty="0" smtClean="0">
-                <a:sym typeface="Wingdings" panose="05000000000000000000" pitchFamily="2" charset="2"/>
-              </a:rPr>
-              <a:t>버튼을 누릅니다</a:t>
-            </a:r>
-            <a:r>
-              <a:rPr lang="en-US" altLang="ko-KR" dirty="0" smtClean="0">
-                <a:sym typeface="Wingdings" panose="05000000000000000000" pitchFamily="2" charset="2"/>
-              </a:rPr>
-              <a:t>. </a:t>
-            </a:r>
-          </a:p>
-          <a:p>
-            <a:pPr lvl="1"/>
-            <a:r>
-              <a:rPr lang="ko-KR" altLang="en-US" dirty="0" smtClean="0">
-                <a:sym typeface="Wingdings" panose="05000000000000000000" pitchFamily="2" charset="2"/>
-              </a:rPr>
-              <a:t>에뮬레이터로 </a:t>
-            </a:r>
-            <a:r>
-              <a:rPr lang="en-US" altLang="ko-KR" dirty="0" smtClean="0">
-                <a:sym typeface="Wingdings" panose="05000000000000000000" pitchFamily="2" charset="2"/>
-              </a:rPr>
-              <a:t>SMS </a:t>
-            </a:r>
-            <a:r>
-              <a:rPr lang="ko-KR" altLang="en-US" dirty="0" smtClean="0">
-                <a:sym typeface="Wingdings" panose="05000000000000000000" pitchFamily="2" charset="2"/>
-              </a:rPr>
-              <a:t>문자가 전송되면 상단에 알림 메시지가 표시됩니다</a:t>
-            </a:r>
-            <a:r>
-              <a:rPr lang="en-US" altLang="ko-KR" dirty="0" smtClean="0">
-                <a:sym typeface="Wingdings" panose="05000000000000000000" pitchFamily="2" charset="2"/>
-              </a:rPr>
-              <a:t>. </a:t>
-            </a:r>
-          </a:p>
-          <a:p>
-            <a:pPr lvl="1"/>
-            <a:r>
-              <a:rPr lang="ko-KR" altLang="en-US" dirty="0" smtClean="0">
-                <a:sym typeface="Wingdings" panose="05000000000000000000" pitchFamily="2" charset="2"/>
-              </a:rPr>
-              <a:t>그리고</a:t>
-            </a:r>
-            <a:r>
-              <a:rPr lang="en-US" altLang="ko-KR" dirty="0" smtClean="0">
-                <a:sym typeface="Wingdings" panose="05000000000000000000" pitchFamily="2" charset="2"/>
-              </a:rPr>
-              <a:t>, </a:t>
-            </a:r>
-            <a:r>
-              <a:rPr lang="ko-KR" altLang="en-US" dirty="0" smtClean="0">
-                <a:sym typeface="Wingdings" panose="05000000000000000000" pitchFamily="2" charset="2"/>
-              </a:rPr>
-              <a:t>여러분이 만든 앱도 </a:t>
-            </a:r>
-            <a:r>
-              <a:rPr lang="en-US" altLang="ko-KR" dirty="0" smtClean="0">
-                <a:sym typeface="Wingdings" panose="05000000000000000000" pitchFamily="2" charset="2"/>
-              </a:rPr>
-              <a:t>SMS</a:t>
-            </a:r>
-            <a:r>
-              <a:rPr lang="ko-KR" altLang="en-US" dirty="0" smtClean="0">
-                <a:sym typeface="Wingdings" panose="05000000000000000000" pitchFamily="2" charset="2"/>
-              </a:rPr>
-              <a:t>를 받은 후 로그로 출력된 것은 </a:t>
-            </a:r>
-            <a:r>
-              <a:rPr lang="en-US" altLang="ko-KR" dirty="0" smtClean="0">
-                <a:sym typeface="Wingdings" panose="05000000000000000000" pitchFamily="2" charset="2"/>
-              </a:rPr>
-              <a:t>[Logcat] </a:t>
-            </a:r>
-            <a:r>
-              <a:rPr lang="ko-KR" altLang="en-US" dirty="0" smtClean="0">
-                <a:sym typeface="Wingdings" panose="05000000000000000000" pitchFamily="2" charset="2"/>
-              </a:rPr>
-              <a:t>탭에서 볼 수 있습니다</a:t>
-            </a:r>
-            <a:r>
-              <a:rPr lang="en-US" altLang="ko-KR" dirty="0" smtClean="0">
-                <a:sym typeface="Wingdings" panose="05000000000000000000" pitchFamily="2" charset="2"/>
-              </a:rPr>
-              <a:t>. </a:t>
-            </a:r>
-          </a:p>
-          <a:p>
-            <a:pPr marL="0" indent="0">
-              <a:buNone/>
-            </a:pPr>
-            <a:endParaRPr lang="en-US" altLang="ko-KR" dirty="0">
-              <a:sym typeface="Wingdings" panose="05000000000000000000" pitchFamily="2" charset="2"/>
-            </a:endParaRPr>
-          </a:p>
-          <a:p>
-            <a:pPr marL="0" indent="0">
-              <a:buNone/>
-            </a:pPr>
-            <a:endParaRPr lang="en-US" altLang="ko-KR" dirty="0" smtClean="0">
-              <a:sym typeface="Wingdings" panose="05000000000000000000" pitchFamily="2" charset="2"/>
-            </a:endParaRPr>
-          </a:p>
-          <a:p>
-            <a:pPr marL="0" indent="0">
-              <a:buNone/>
-            </a:pPr>
-            <a:endParaRPr lang="en-US" altLang="ko-KR" dirty="0">
-              <a:sym typeface="Wingdings" panose="05000000000000000000" pitchFamily="2" charset="2"/>
-            </a:endParaRPr>
-          </a:p>
-          <a:p>
-            <a:pPr marL="0" indent="0">
-              <a:buNone/>
-            </a:pPr>
-            <a:endParaRPr lang="en-US" altLang="ko-KR" dirty="0" smtClean="0">
-              <a:sym typeface="Wingdings" panose="05000000000000000000" pitchFamily="2" charset="2"/>
-            </a:endParaRPr>
-          </a:p>
-          <a:p>
-            <a:pPr marL="0" indent="0">
-              <a:buNone/>
-            </a:pPr>
-            <a:endParaRPr lang="en-US" altLang="ko-KR" dirty="0">
-              <a:sym typeface="Wingdings" panose="05000000000000000000" pitchFamily="2" charset="2"/>
-            </a:endParaRPr>
-          </a:p>
-          <a:p>
-            <a:pPr marL="0" indent="0">
-              <a:buNone/>
-            </a:pPr>
-            <a:endParaRPr lang="en-US" altLang="ko-KR" dirty="0" smtClean="0">
-              <a:sym typeface="Wingdings" panose="05000000000000000000" pitchFamily="2" charset="2"/>
-            </a:endParaRPr>
-          </a:p>
-          <a:p>
-            <a:pPr marL="0" indent="0">
-              <a:buNone/>
-            </a:pPr>
-            <a:endParaRPr lang="en-US" altLang="ko-KR" dirty="0">
-              <a:sym typeface="Wingdings" panose="05000000000000000000" pitchFamily="2" charset="2"/>
-            </a:endParaRPr>
-          </a:p>
-        </p:txBody>
-      </p:sp>
-      <p:sp>
-        <p:nvSpPr>
-          <p:cNvPr id="4" name="슬라이드 번호 개체 틀 3"/>
-          <p:cNvSpPr>
-            <a:spLocks noGrp="1"/>
-          </p:cNvSpPr>
-          <p:nvPr>
-            <p:ph type="sldNum" sz="quarter" idx="14"/>
-          </p:nvPr>
-        </p:nvSpPr>
-        <p:spPr/>
-        <p:txBody>
-          <a:bodyPr/>
-          <a:lstStyle/>
-          <a:p>
-            <a:pPr>
-              <a:defRPr/>
-            </a:pPr>
-            <a:fld id="{3D493B47-E977-46F8-8C2F-7DA674317049}" type="slidenum">
-              <a:rPr lang="ko-KR" altLang="en-US" smtClean="0"/>
-              <a:pPr>
-                <a:defRPr/>
-              </a:pPr>
-              <a:t>42</a:t>
-            </a:fld>
-            <a:endParaRPr lang="ko-KR" altLang="en-US"/>
-          </a:p>
-        </p:txBody>
-      </p:sp>
-      <p:pic>
-        <p:nvPicPr>
-          <p:cNvPr id="5" name="그림 4"/>
-          <p:cNvPicPr>
-            <a:picLocks noChangeAspect="1"/>
-          </p:cNvPicPr>
-          <p:nvPr/>
-        </p:nvPicPr>
-        <p:blipFill>
-          <a:blip r:embed="rId2"/>
-          <a:stretch>
-            <a:fillRect/>
-          </a:stretch>
-        </p:blipFill>
         <p:spPr>
           <a:xfrm>
-            <a:off x="983432" y="3656602"/>
-            <a:ext cx="9001000" cy="2869410"/>
+            <a:off x="3531818" y="5927407"/>
+            <a:ext cx="1723549" cy="276999"/>
           </a:xfrm>
           <a:prstGeom prst="rect">
             <a:avLst/>
           </a:prstGeom>
         </p:spPr>
-      </p:pic>
-    </p:spTree>
-    <p:extLst>
-      <p:ext uri="{BB962C8B-B14F-4D97-AF65-F5344CB8AC3E}">
-        <p14:creationId xmlns:p14="http://schemas.microsoft.com/office/powerpoint/2010/main" val="23821365"/>
-      </p:ext>
-    </p:extLst>
-  </p:cSld>
-  <p:clrMapOvr>
-    <a:masterClrMapping/>
-  </p:clrMapOvr>
-  <p:timing>
-    <p:tnLst>
-      <p:par>
-        <p:cTn id="1" dur="indefinite" restart="never" nodeType="tmRoot"/>
-      </p:par>
-    </p:tnLst>
-  </p:timing>
-</p:sld>
-</file>
-
-<file path=ppt/slides/slide43.xml><?xml version="1.0" encoding="utf-8"?>
-<p:sld xmlns:a="http://schemas.openxmlformats.org/drawingml/2006/main" xmlns:r="http://schemas.openxmlformats.org/officeDocument/2006/relationships" xmlns:p="http://schemas.openxmlformats.org/presentationml/2006/main">
-  <p:cSld>
-    <p:spTree>
-      <p:nvGrpSpPr>
-        <p:cNvPr id="1" name=""/>
-        <p:cNvGrpSpPr/>
-        <p:nvPr/>
-      </p:nvGrpSpPr>
-      <p:grpSpPr>
-        <a:xfrm>
-          <a:off x="0" y="0"/>
-          <a:ext cx="0" cy="0"/>
-          <a:chOff x="0" y="0"/>
-          <a:chExt cx="0" cy="0"/>
-        </a:xfrm>
-      </p:grpSpPr>
-      <p:sp>
-        <p:nvSpPr>
-          <p:cNvPr id="2" name="제목 1"/>
-          <p:cNvSpPr>
-            <a:spLocks noGrp="1"/>
-          </p:cNvSpPr>
-          <p:nvPr>
-            <p:ph type="title"/>
-          </p:nvPr>
-        </p:nvSpPr>
-        <p:spPr/>
         <p:txBody>
-          <a:bodyPr>
-            <a:normAutofit/>
+          <a:bodyPr wrap="none">
+            <a:spAutoFit/>
           </a:bodyPr>
           <a:lstStyle/>
           <a:p>
             <a:r>
-              <a:rPr lang="en-US" altLang="ko-KR" dirty="0">
-                <a:latin typeface="나눔고딕" panose="020D0604000000000000" pitchFamily="50" charset="-127"/>
-                <a:ea typeface="나눔고딕" panose="020D0604000000000000" pitchFamily="50" charset="-127"/>
-              </a:rPr>
-              <a:t>06-2 </a:t>
-            </a:r>
-            <a:r>
-              <a:rPr lang="ko-KR" altLang="en-US" dirty="0">
-                <a:latin typeface="나눔고딕" panose="020D0604000000000000" pitchFamily="50" charset="-127"/>
-                <a:ea typeface="나눔고딕" panose="020D0604000000000000" pitchFamily="50" charset="-127"/>
-              </a:rPr>
-              <a:t>브로드캐스트 수신자 이해하기</a:t>
-            </a:r>
-            <a:endParaRPr lang="ko-KR" altLang="en-US" dirty="0">
+              <a:rPr lang="ko-KR" altLang="en-US" sz="1200" b="1" dirty="0" smtClean="0">
+                <a:solidFill>
+                  <a:srgbClr val="C00000"/>
+                </a:solidFill>
+                <a:sym typeface="Wingdings" panose="05000000000000000000" pitchFamily="2" charset="2"/>
+              </a:rPr>
+              <a:t>가상으로 </a:t>
+            </a:r>
+            <a:r>
+              <a:rPr lang="en-US" altLang="ko-KR" sz="1200" b="1" dirty="0">
+                <a:solidFill>
+                  <a:srgbClr val="C00000"/>
+                </a:solidFill>
+                <a:sym typeface="Wingdings" panose="05000000000000000000" pitchFamily="2" charset="2"/>
+              </a:rPr>
+              <a:t>SMS </a:t>
+            </a:r>
+            <a:r>
+              <a:rPr lang="ko-KR" altLang="en-US" sz="1200" b="1" dirty="0">
+                <a:solidFill>
+                  <a:srgbClr val="C00000"/>
+                </a:solidFill>
+                <a:sym typeface="Wingdings" panose="05000000000000000000" pitchFamily="2" charset="2"/>
+              </a:rPr>
+              <a:t>전송하기</a:t>
+            </a:r>
+            <a:endParaRPr lang="en-US" altLang="ko-KR" sz="1200" b="1" dirty="0">
               <a:solidFill>
                 <a:srgbClr val="C00000"/>
               </a:solidFill>
+              <a:sym typeface="Wingdings" panose="05000000000000000000" pitchFamily="2" charset="2"/>
             </a:endParaRPr>
           </a:p>
         </p:txBody>
       </p:sp>
       <p:sp>
         <p:nvSpPr>
-          <p:cNvPr id="3" name="내용 개체 틀 2"/>
-          <p:cNvSpPr>
-            <a:spLocks noGrp="1"/>
-          </p:cNvSpPr>
-          <p:nvPr>
-            <p:ph idx="10"/>
-          </p:nvPr>
-        </p:nvSpPr>
-        <p:spPr/>
-        <p:txBody>
-          <a:bodyPr>
-            <a:normAutofit/>
-          </a:bodyPr>
-          <a:lstStyle/>
-          <a:p>
-            <a:pPr marL="0" indent="0">
-              <a:buNone/>
-            </a:pPr>
-            <a:r>
-              <a:rPr lang="en-US" altLang="ko-KR" b="1" dirty="0" smtClean="0">
-                <a:solidFill>
-                  <a:srgbClr val="C00000"/>
-                </a:solidFill>
-                <a:sym typeface="Wingdings" panose="05000000000000000000" pitchFamily="2" charset="2"/>
-              </a:rPr>
-              <a:t>Step 5: </a:t>
-            </a:r>
-            <a:r>
-              <a:rPr lang="ko-KR" altLang="en-US" b="1" dirty="0" smtClean="0">
-                <a:solidFill>
-                  <a:srgbClr val="C00000"/>
-                </a:solidFill>
-                <a:sym typeface="Wingdings" panose="05000000000000000000" pitchFamily="2" charset="2"/>
-              </a:rPr>
-              <a:t>가상으로 </a:t>
-            </a:r>
-            <a:r>
-              <a:rPr lang="en-US" altLang="ko-KR" b="1" dirty="0" smtClean="0">
-                <a:solidFill>
-                  <a:srgbClr val="C00000"/>
-                </a:solidFill>
-                <a:sym typeface="Wingdings" panose="05000000000000000000" pitchFamily="2" charset="2"/>
-              </a:rPr>
-              <a:t>SMS </a:t>
-            </a:r>
-            <a:r>
-              <a:rPr lang="ko-KR" altLang="en-US" b="1" dirty="0" smtClean="0">
-                <a:solidFill>
-                  <a:srgbClr val="C00000"/>
-                </a:solidFill>
-                <a:sym typeface="Wingdings" panose="05000000000000000000" pitchFamily="2" charset="2"/>
-              </a:rPr>
-              <a:t>전송하기</a:t>
-            </a:r>
-            <a:endParaRPr lang="en-US" altLang="ko-KR" b="1" dirty="0" smtClean="0">
-              <a:solidFill>
-                <a:srgbClr val="C00000"/>
-              </a:solidFill>
-              <a:sym typeface="Wingdings" panose="05000000000000000000" pitchFamily="2" charset="2"/>
-            </a:endParaRPr>
-          </a:p>
-          <a:p>
-            <a:pPr marL="0" indent="0">
-              <a:buNone/>
-            </a:pPr>
-            <a:endParaRPr lang="en-US" altLang="ko-KR" dirty="0">
-              <a:sym typeface="Wingdings" panose="05000000000000000000" pitchFamily="2" charset="2"/>
-            </a:endParaRPr>
-          </a:p>
-          <a:p>
-            <a:pPr marL="0" indent="0">
-              <a:buNone/>
-            </a:pPr>
-            <a:endParaRPr lang="en-US" altLang="ko-KR" dirty="0" smtClean="0">
-              <a:sym typeface="Wingdings" panose="05000000000000000000" pitchFamily="2" charset="2"/>
-            </a:endParaRPr>
-          </a:p>
-          <a:p>
-            <a:pPr marL="0" indent="0">
-              <a:buNone/>
-            </a:pPr>
-            <a:endParaRPr lang="en-US" altLang="ko-KR" dirty="0">
-              <a:sym typeface="Wingdings" panose="05000000000000000000" pitchFamily="2" charset="2"/>
-            </a:endParaRPr>
-          </a:p>
-          <a:p>
-            <a:pPr marL="0" indent="0">
-              <a:buNone/>
-            </a:pPr>
-            <a:endParaRPr lang="en-US" altLang="ko-KR" dirty="0" smtClean="0">
-              <a:sym typeface="Wingdings" panose="05000000000000000000" pitchFamily="2" charset="2"/>
-            </a:endParaRPr>
-          </a:p>
-          <a:p>
-            <a:pPr marL="0" indent="0">
-              <a:buNone/>
-            </a:pPr>
-            <a:endParaRPr lang="en-US" altLang="ko-KR" dirty="0">
-              <a:sym typeface="Wingdings" panose="05000000000000000000" pitchFamily="2" charset="2"/>
-            </a:endParaRPr>
-          </a:p>
-          <a:p>
-            <a:pPr marL="0" indent="0">
-              <a:buNone/>
-            </a:pPr>
-            <a:endParaRPr lang="en-US" altLang="ko-KR" dirty="0" smtClean="0">
-              <a:sym typeface="Wingdings" panose="05000000000000000000" pitchFamily="2" charset="2"/>
-            </a:endParaRPr>
-          </a:p>
-          <a:p>
-            <a:pPr marL="0" indent="0">
-              <a:buNone/>
-            </a:pPr>
-            <a:endParaRPr lang="en-US" altLang="ko-KR" dirty="0">
-              <a:sym typeface="Wingdings" panose="05000000000000000000" pitchFamily="2" charset="2"/>
-            </a:endParaRPr>
-          </a:p>
-        </p:txBody>
-      </p:sp>
-      <p:sp>
-        <p:nvSpPr>
-          <p:cNvPr id="4" name="슬라이드 번호 개체 틀 3"/>
-          <p:cNvSpPr>
-            <a:spLocks noGrp="1"/>
-          </p:cNvSpPr>
-          <p:nvPr>
-            <p:ph type="sldNum" sz="quarter" idx="14"/>
-          </p:nvPr>
-        </p:nvSpPr>
-        <p:spPr/>
-        <p:txBody>
-          <a:bodyPr/>
-          <a:lstStyle/>
-          <a:p>
-            <a:pPr>
-              <a:defRPr/>
-            </a:pPr>
-            <a:fld id="{3D493B47-E977-46F8-8C2F-7DA674317049}" type="slidenum">
-              <a:rPr lang="ko-KR" altLang="en-US" smtClean="0"/>
-              <a:pPr>
-                <a:defRPr/>
-              </a:pPr>
-              <a:t>43</a:t>
-            </a:fld>
-            <a:endParaRPr lang="ko-KR" altLang="en-US"/>
-          </a:p>
-        </p:txBody>
-      </p:sp>
-      <p:pic>
-        <p:nvPicPr>
-          <p:cNvPr id="5" name="그림 4"/>
-          <p:cNvPicPr>
-            <a:picLocks noChangeAspect="1"/>
-          </p:cNvPicPr>
-          <p:nvPr/>
-        </p:nvPicPr>
-        <p:blipFill>
-          <a:blip r:embed="rId2"/>
-          <a:stretch>
-            <a:fillRect/>
-          </a:stretch>
-        </p:blipFill>
-        <p:spPr>
-          <a:xfrm>
-            <a:off x="481388" y="1566354"/>
-            <a:ext cx="4741746" cy="3384376"/>
-          </a:xfrm>
-          <a:prstGeom prst="rect">
-            <a:avLst/>
-          </a:prstGeom>
-        </p:spPr>
-      </p:pic>
-      <p:sp>
-        <p:nvSpPr>
-          <p:cNvPr id="6" name="직사각형 5"/>
+          <p:cNvPr id="19" name="직사각형 18"/>
           <p:cNvSpPr/>
           <p:nvPr/>
         </p:nvSpPr>
         <p:spPr>
           <a:xfrm>
-            <a:off x="453100" y="3854607"/>
-            <a:ext cx="1224136" cy="288032"/>
+            <a:off x="4961038" y="5635282"/>
+            <a:ext cx="819207" cy="267581"/>
           </a:xfrm>
           <a:prstGeom prst="rect">
             <a:avLst/>
           </a:prstGeom>
           <a:noFill/>
-          <a:ln>
+          <a:ln w="28575">
             <a:solidFill>
               <a:srgbClr val="C00000"/>
             </a:solidFill>
@@ -27400,164 +27780,132 @@
       </p:sp>
       <p:sp>
         <p:nvSpPr>
-          <p:cNvPr id="11" name="직사각형 10"/>
+          <p:cNvPr id="20" name="직사각형 19"/>
           <p:cNvSpPr/>
           <p:nvPr/>
         </p:nvSpPr>
         <p:spPr>
           <a:xfrm>
-            <a:off x="2115298" y="3099417"/>
-            <a:ext cx="2252509" cy="366224"/>
+            <a:off x="5780245" y="2662484"/>
+            <a:ext cx="2190023" cy="276999"/>
+          </a:xfrm>
+          <a:prstGeom prst="rect">
+            <a:avLst/>
+          </a:prstGeom>
+        </p:spPr>
+        <p:txBody>
+          <a:bodyPr wrap="none">
+            <a:spAutoFit/>
+          </a:bodyPr>
+          <a:lstStyle/>
+          <a:p>
+            <a:r>
+              <a:rPr lang="ko-KR" altLang="en-US" sz="1200" b="1" dirty="0" smtClean="0">
+                <a:solidFill>
+                  <a:srgbClr val="C00000"/>
+                </a:solidFill>
+                <a:sym typeface="Wingdings" panose="05000000000000000000" pitchFamily="2" charset="2"/>
+              </a:rPr>
+              <a:t>단말기의 기본적인 메시지 알림</a:t>
+            </a:r>
+            <a:endParaRPr lang="en-US" altLang="ko-KR" sz="1200" b="1" dirty="0">
+              <a:solidFill>
+                <a:srgbClr val="C00000"/>
+              </a:solidFill>
+              <a:sym typeface="Wingdings" panose="05000000000000000000" pitchFamily="2" charset="2"/>
+            </a:endParaRPr>
+          </a:p>
+        </p:txBody>
+      </p:sp>
+      <p:cxnSp>
+        <p:nvCxnSpPr>
+          <p:cNvPr id="21" name="구부러진 연결선 20"/>
+          <p:cNvCxnSpPr>
+            <a:stCxn id="20" idx="1"/>
+            <a:endCxn id="13" idx="1"/>
+          </p:cNvCxnSpPr>
+          <p:nvPr/>
+        </p:nvCxnSpPr>
+        <p:spPr>
+          <a:xfrm rot="10800000" flipV="1">
+            <a:off x="5692057" y="2800984"/>
+            <a:ext cx="88189" cy="900272"/>
+          </a:xfrm>
+          <a:prstGeom prst="curvedConnector3">
+            <a:avLst>
+              <a:gd name="adj1" fmla="val 359216"/>
+            </a:avLst>
+          </a:prstGeom>
+          <a:ln>
+            <a:solidFill>
+              <a:srgbClr val="C00000"/>
+            </a:solidFill>
+            <a:headEnd type="triangle"/>
+            <a:tailEnd type="triangle"/>
+          </a:ln>
+        </p:spPr>
+        <p:style>
+          <a:lnRef idx="1">
+            <a:schemeClr val="accent1"/>
+          </a:lnRef>
+          <a:fillRef idx="0">
+            <a:schemeClr val="accent1"/>
+          </a:fillRef>
+          <a:effectRef idx="0">
+            <a:schemeClr val="accent1"/>
+          </a:effectRef>
+          <a:fontRef idx="minor">
+            <a:schemeClr val="tx1"/>
+          </a:fontRef>
+        </p:style>
+      </p:cxnSp>
+      <p:sp>
+        <p:nvSpPr>
+          <p:cNvPr id="23" name="직사각형 22"/>
+          <p:cNvSpPr/>
+          <p:nvPr/>
+        </p:nvSpPr>
+        <p:spPr>
+          <a:xfrm>
+            <a:off x="9098774" y="2758562"/>
+            <a:ext cx="1757212" cy="276999"/>
           </a:xfrm>
           <a:prstGeom prst="rect">
             <a:avLst/>
           </a:prstGeom>
           <a:noFill/>
           <a:ln>
-            <a:solidFill>
-              <a:srgbClr val="C00000"/>
-            </a:solidFill>
+            <a:noFill/>
           </a:ln>
         </p:spPr>
-        <p:style>
-          <a:lnRef idx="2">
-            <a:schemeClr val="accent1">
-              <a:shade val="50000"/>
-            </a:schemeClr>
-          </a:lnRef>
-          <a:fillRef idx="1">
-            <a:schemeClr val="accent1"/>
-          </a:fillRef>
-          <a:effectRef idx="0">
-            <a:schemeClr val="accent1"/>
-          </a:effectRef>
-          <a:fontRef idx="minor">
-            <a:schemeClr val="lt1"/>
-          </a:fontRef>
-        </p:style>
         <p:txBody>
-          <a:bodyPr rtlCol="0" anchor="ctr"/>
+          <a:bodyPr wrap="none">
+            <a:spAutoFit/>
+          </a:bodyPr>
           <a:lstStyle/>
           <a:p>
-            <a:pPr algn="ctr"/>
-            <a:endParaRPr lang="ko-KR" altLang="en-US"/>
-          </a:p>
-        </p:txBody>
-      </p:sp>
-      <p:sp>
-        <p:nvSpPr>
-          <p:cNvPr id="12" name="직사각형 11"/>
-          <p:cNvSpPr/>
-          <p:nvPr/>
-        </p:nvSpPr>
-        <p:spPr>
-          <a:xfrm>
-            <a:off x="3647728" y="4581636"/>
-            <a:ext cx="1368152" cy="366224"/>
-          </a:xfrm>
-          <a:prstGeom prst="rect">
-            <a:avLst/>
-          </a:prstGeom>
-          <a:noFill/>
-          <a:ln>
-            <a:solidFill>
-              <a:srgbClr val="C00000"/>
-            </a:solidFill>
-          </a:ln>
-        </p:spPr>
-        <p:style>
-          <a:lnRef idx="2">
-            <a:schemeClr val="accent1">
-              <a:shade val="50000"/>
-            </a:schemeClr>
-          </a:lnRef>
-          <a:fillRef idx="1">
-            <a:schemeClr val="accent1"/>
-          </a:fillRef>
-          <a:effectRef idx="0">
-            <a:schemeClr val="accent1"/>
-          </a:effectRef>
-          <a:fontRef idx="minor">
-            <a:schemeClr val="lt1"/>
-          </a:fontRef>
-        </p:style>
-        <p:txBody>
-          <a:bodyPr rtlCol="0" anchor="ctr"/>
-          <a:lstStyle/>
-          <a:p>
-            <a:pPr algn="ctr"/>
-            <a:endParaRPr lang="ko-KR" altLang="en-US"/>
-          </a:p>
-        </p:txBody>
-      </p:sp>
-      <p:pic>
-        <p:nvPicPr>
-          <p:cNvPr id="9" name="그림 8"/>
-          <p:cNvPicPr>
-            <a:picLocks noChangeAspect="1"/>
-          </p:cNvPicPr>
-          <p:nvPr/>
-        </p:nvPicPr>
-        <p:blipFill>
-          <a:blip r:embed="rId3"/>
-          <a:stretch>
-            <a:fillRect/>
-          </a:stretch>
-        </p:blipFill>
-        <p:spPr>
-          <a:xfrm>
-            <a:off x="6513802" y="1614934"/>
-            <a:ext cx="2678542" cy="4767378"/>
-          </a:xfrm>
-          <a:prstGeom prst="rect">
-            <a:avLst/>
-          </a:prstGeom>
-        </p:spPr>
-      </p:pic>
-      <p:sp>
-        <p:nvSpPr>
-          <p:cNvPr id="13" name="오른쪽 화살표 12"/>
-          <p:cNvSpPr/>
-          <p:nvPr/>
-        </p:nvSpPr>
-        <p:spPr>
-          <a:xfrm>
-            <a:off x="5753120" y="2132856"/>
-            <a:ext cx="648072" cy="338443"/>
-          </a:xfrm>
-          <a:prstGeom prst="rightArrow">
-            <a:avLst/>
-          </a:prstGeom>
-        </p:spPr>
-        <p:style>
-          <a:lnRef idx="2">
-            <a:schemeClr val="accent1">
-              <a:shade val="50000"/>
-            </a:schemeClr>
-          </a:lnRef>
-          <a:fillRef idx="1">
-            <a:schemeClr val="accent1"/>
-          </a:fillRef>
-          <a:effectRef idx="0">
-            <a:schemeClr val="accent1"/>
-          </a:effectRef>
-          <a:fontRef idx="minor">
-            <a:schemeClr val="lt1"/>
-          </a:fontRef>
-        </p:style>
-        <p:txBody>
-          <a:bodyPr rtlCol="0" anchor="ctr"/>
-          <a:lstStyle/>
-          <a:p>
-            <a:pPr algn="ctr"/>
-            <a:endParaRPr lang="ko-KR" altLang="en-US"/>
+            <a:r>
+              <a:rPr lang="ko-KR" altLang="en-US" sz="1200" b="1" dirty="0" smtClean="0">
+                <a:solidFill>
+                  <a:srgbClr val="C00000"/>
+                </a:solidFill>
+                <a:sym typeface="Wingdings" panose="05000000000000000000" pitchFamily="2" charset="2"/>
+              </a:rPr>
+              <a:t>단말기의 기본 메시지 앱</a:t>
+            </a:r>
+            <a:endParaRPr lang="en-US" altLang="ko-KR" sz="1200" b="1" dirty="0">
+              <a:solidFill>
+                <a:srgbClr val="C00000"/>
+              </a:solidFill>
+              <a:sym typeface="Wingdings" panose="05000000000000000000" pitchFamily="2" charset="2"/>
+            </a:endParaRPr>
           </a:p>
         </p:txBody>
       </p:sp>
     </p:spTree>
     <p:extLst>
       <p:ext uri="{BB962C8B-B14F-4D97-AF65-F5344CB8AC3E}">
-        <p14:creationId xmlns:p14="http://schemas.microsoft.com/office/powerpoint/2010/main" val="2041134731"/>
+        <p14:creationId xmlns:p14="http://schemas.microsoft.com/office/powerpoint/2010/main" val="3415675659"/>
       </p:ext>
     </p:extLst>
   </p:cSld>
@@ -28432,82 +28780,94 @@
               <a:rPr lang="en-US" altLang="ko-KR" dirty="0" smtClean="0">
                 <a:sym typeface="Wingdings" panose="05000000000000000000" pitchFamily="2" charset="2"/>
               </a:rPr>
+              <a:t>(</a:t>
+            </a:r>
+            <a:r>
+              <a:rPr lang="en-US" altLang="ko-KR" b="1" dirty="0" smtClean="0">
+                <a:sym typeface="Wingdings" panose="05000000000000000000" pitchFamily="2" charset="2"/>
+              </a:rPr>
+              <a:t>"</a:t>
+            </a:r>
+            <a:r>
+              <a:rPr lang="ko-KR" altLang="en-US" b="1" dirty="0" smtClean="0">
+                <a:sym typeface="Wingdings" panose="05000000000000000000" pitchFamily="2" charset="2"/>
+              </a:rPr>
+              <a:t>발신번호</a:t>
+            </a:r>
+            <a:r>
+              <a:rPr lang="en-US" altLang="ko-KR" b="1" dirty="0" smtClean="0">
+                <a:sym typeface="Wingdings" panose="05000000000000000000" pitchFamily="2" charset="2"/>
+              </a:rPr>
+              <a:t>: ", "</a:t>
+            </a:r>
+            <a:r>
+              <a:rPr lang="ko-KR" altLang="en-US" b="1" dirty="0" err="1" smtClean="0">
+                <a:sym typeface="Wingdings" panose="05000000000000000000" pitchFamily="2" charset="2"/>
+              </a:rPr>
+              <a:t>수신시간</a:t>
+            </a:r>
+            <a:r>
+              <a:rPr lang="en-US" altLang="ko-KR" b="1" dirty="0" smtClean="0">
+                <a:sym typeface="Wingdings" panose="05000000000000000000" pitchFamily="2" charset="2"/>
+              </a:rPr>
+              <a:t>: "</a:t>
+            </a:r>
+            <a:r>
+              <a:rPr lang="en-US" altLang="ko-KR" dirty="0" smtClean="0">
+                <a:sym typeface="Wingdings" panose="05000000000000000000" pitchFamily="2" charset="2"/>
+              </a:rPr>
+              <a:t>),  </a:t>
+            </a:r>
+            <a:r>
+              <a:rPr lang="ko-KR" altLang="en-US" dirty="0" err="1" smtClean="0">
+                <a:sym typeface="Wingdings" panose="05000000000000000000" pitchFamily="2" charset="2"/>
+              </a:rPr>
+              <a:t>입력상자</a:t>
+            </a:r>
+            <a:r>
+              <a:rPr lang="en-US" altLang="ko-KR" dirty="0" smtClean="0">
+                <a:sym typeface="Wingdings" panose="05000000000000000000" pitchFamily="2" charset="2"/>
+              </a:rPr>
+              <a:t>(</a:t>
+            </a:r>
+            <a:r>
+              <a:rPr lang="ko-KR" altLang="en-US" dirty="0" smtClean="0">
+                <a:sym typeface="Wingdings" panose="05000000000000000000" pitchFamily="2" charset="2"/>
+              </a:rPr>
+              <a:t>메시지 표시</a:t>
+            </a:r>
+            <a:r>
+              <a:rPr lang="en-US" altLang="ko-KR" dirty="0" smtClean="0">
+                <a:sym typeface="Wingdings" panose="05000000000000000000" pitchFamily="2" charset="2"/>
+              </a:rPr>
+              <a:t>)</a:t>
+            </a:r>
+            <a:r>
+              <a:rPr lang="ko-KR" altLang="en-US" dirty="0" smtClean="0">
+                <a:sym typeface="Wingdings" panose="05000000000000000000" pitchFamily="2" charset="2"/>
+              </a:rPr>
+              <a:t> 하나</a:t>
+            </a:r>
+            <a:r>
+              <a:rPr lang="en-US" altLang="ko-KR" dirty="0" smtClean="0">
+                <a:sym typeface="Wingdings" panose="05000000000000000000" pitchFamily="2" charset="2"/>
+              </a:rPr>
+              <a:t>, </a:t>
+            </a:r>
+            <a:r>
+              <a:rPr lang="ko-KR" altLang="en-US" dirty="0" smtClean="0">
+                <a:sym typeface="Wingdings" panose="05000000000000000000" pitchFamily="2" charset="2"/>
+              </a:rPr>
+              <a:t>버튼</a:t>
+            </a:r>
+            <a:r>
+              <a:rPr lang="en-US" altLang="ko-KR" dirty="0" smtClean="0">
+                <a:sym typeface="Wingdings" panose="05000000000000000000" pitchFamily="2" charset="2"/>
+              </a:rPr>
               <a:t>("</a:t>
             </a:r>
             <a:r>
-              <a:rPr lang="ko-KR" altLang="en-US" dirty="0" smtClean="0">
-                <a:sym typeface="Wingdings" panose="05000000000000000000" pitchFamily="2" charset="2"/>
-              </a:rPr>
-              <a:t>발신번호</a:t>
-            </a:r>
-            <a:r>
-              <a:rPr lang="en-US" altLang="ko-KR" dirty="0" smtClean="0">
-                <a:sym typeface="Wingdings" panose="05000000000000000000" pitchFamily="2" charset="2"/>
-              </a:rPr>
-              <a:t>: ", "</a:t>
-            </a:r>
-            <a:r>
-              <a:rPr lang="ko-KR" altLang="en-US" dirty="0" err="1" smtClean="0">
-                <a:sym typeface="Wingdings" panose="05000000000000000000" pitchFamily="2" charset="2"/>
-              </a:rPr>
-              <a:t>수신시간</a:t>
-            </a:r>
-            <a:r>
-              <a:rPr lang="en-US" altLang="ko-KR" dirty="0" smtClean="0">
-                <a:sym typeface="Wingdings" panose="05000000000000000000" pitchFamily="2" charset="2"/>
-              </a:rPr>
-              <a:t>: "),  </a:t>
-            </a:r>
-            <a:r>
-              <a:rPr lang="ko-KR" altLang="en-US" dirty="0" err="1" smtClean="0">
-                <a:sym typeface="Wingdings" panose="05000000000000000000" pitchFamily="2" charset="2"/>
-              </a:rPr>
-              <a:t>입력상자</a:t>
-            </a:r>
-            <a:r>
-              <a:rPr lang="en-US" altLang="ko-KR" dirty="0" smtClean="0">
-                <a:sym typeface="Wingdings" panose="05000000000000000000" pitchFamily="2" charset="2"/>
-              </a:rPr>
-              <a:t>(</a:t>
-            </a:r>
-            <a:r>
-              <a:rPr lang="ko-KR" altLang="en-US" dirty="0" smtClean="0">
-                <a:sym typeface="Wingdings" panose="05000000000000000000" pitchFamily="2" charset="2"/>
-              </a:rPr>
-              <a:t>메시지 표시</a:t>
-            </a:r>
-            <a:r>
-              <a:rPr lang="en-US" altLang="ko-KR" dirty="0" smtClean="0">
-                <a:sym typeface="Wingdings" panose="05000000000000000000" pitchFamily="2" charset="2"/>
-              </a:rPr>
-              <a:t>)</a:t>
-            </a:r>
-            <a:r>
-              <a:rPr lang="ko-KR" altLang="en-US" dirty="0" smtClean="0">
-                <a:sym typeface="Wingdings" panose="05000000000000000000" pitchFamily="2" charset="2"/>
-              </a:rPr>
-              <a:t> 하나</a:t>
-            </a:r>
-            <a:r>
-              <a:rPr lang="en-US" altLang="ko-KR" dirty="0" smtClean="0">
-                <a:sym typeface="Wingdings" panose="05000000000000000000" pitchFamily="2" charset="2"/>
-              </a:rPr>
-              <a:t>, </a:t>
-            </a:r>
-            <a:r>
-              <a:rPr lang="ko-KR" altLang="en-US" dirty="0" smtClean="0">
-                <a:sym typeface="Wingdings" panose="05000000000000000000" pitchFamily="2" charset="2"/>
-              </a:rPr>
-              <a:t>버튼</a:t>
-            </a:r>
-            <a:r>
-              <a:rPr lang="en-US" altLang="ko-KR" dirty="0" smtClean="0">
-                <a:sym typeface="Wingdings" panose="05000000000000000000" pitchFamily="2" charset="2"/>
-              </a:rPr>
-              <a:t>("</a:t>
-            </a:r>
-            <a:r>
-              <a:rPr lang="ko-KR" altLang="en-US" dirty="0" smtClean="0">
+              <a:rPr lang="ko-KR" altLang="en-US" b="1" dirty="0" smtClean="0">
                 <a:sym typeface="Wingdings" panose="05000000000000000000" pitchFamily="2" charset="2"/>
               </a:rPr>
               <a:t>확인</a:t>
@@ -29897,7 +30257,7 @@
                 </a:solidFill>
                 <a:sym typeface="Wingdings" panose="05000000000000000000" pitchFamily="2" charset="2"/>
               </a:rPr>
-              <a:t>Step 8</a:t>
+              <a:t>Step </a:t>
             </a:r>
             <a:r>
               <a:rPr lang="en-US" altLang="ko-KR" b="1" dirty="0" smtClean="0">
@@ -29906,7 +30266,7 @@
                 </a:solidFill>
                 <a:sym typeface="Wingdings" panose="05000000000000000000" pitchFamily="2" charset="2"/>
               </a:rPr>
-              <a:t>: </a:t>
+              <a:t>7: </a:t>
             </a:r>
             <a:r>
               <a:rPr lang="en-US" altLang="ko-KR" b="1" dirty="0" smtClean="0">
@@ -30795,7 +31155,7 @@
                 </a:solidFill>
                 <a:sym typeface="Wingdings" panose="05000000000000000000" pitchFamily="2" charset="2"/>
               </a:rPr>
-              <a:t>Step 8</a:t>
+              <a:t>Step </a:t>
             </a:r>
             <a:r>
               <a:rPr lang="en-US" altLang="ko-KR" b="1" dirty="0" smtClean="0">
@@ -30804,7 +31164,7 @@
                 </a:solidFill>
                 <a:sym typeface="Wingdings" panose="05000000000000000000" pitchFamily="2" charset="2"/>
               </a:rPr>
-              <a:t>(</a:t>
+              <a:t>7(</a:t>
             </a:r>
             <a:r>
               <a:rPr lang="ko-KR" altLang="en-US" b="1" dirty="0" smtClean="0">
@@ -30927,7 +31287,7 @@
                 </a:solidFill>
                 <a:sym typeface="Wingdings" panose="05000000000000000000" pitchFamily="2" charset="2"/>
               </a:rPr>
-              <a:t>Step 8</a:t>
+              <a:t>Step 7</a:t>
             </a:r>
             <a:r>
               <a:rPr lang="ko-KR" altLang="en-US" dirty="0" smtClean="0">
@@ -31665,7 +32025,7 @@
                 </a:solidFill>
                 <a:sym typeface="Wingdings" panose="05000000000000000000" pitchFamily="2" charset="2"/>
               </a:rPr>
-              <a:t>Step </a:t>
+              <a:t>Step 7</a:t>
             </a:r>
             <a:r>
               <a:rPr lang="en-US" altLang="ko-KR" b="1" dirty="0" smtClean="0">
@@ -31674,7 +32034,7 @@
                 </a:solidFill>
                 <a:sym typeface="Wingdings" panose="05000000000000000000" pitchFamily="2" charset="2"/>
               </a:rPr>
-              <a:t>8: </a:t>
+              <a:t>: </a:t>
             </a:r>
             <a:r>
               <a:rPr lang="en-US" altLang="ko-KR" b="1" dirty="0" smtClean="0">
@@ -32639,7 +32999,7 @@
                 </a:solidFill>
                 <a:sym typeface="Wingdings" panose="05000000000000000000" pitchFamily="2" charset="2"/>
               </a:rPr>
-              <a:t>Step 9</a:t>
+              <a:t>Step </a:t>
             </a:r>
             <a:r>
               <a:rPr lang="en-US" altLang="ko-KR" b="1" dirty="0" smtClean="0">
@@ -32648,7 +33008,7 @@
                 </a:solidFill>
                 <a:sym typeface="Wingdings" panose="05000000000000000000" pitchFamily="2" charset="2"/>
               </a:rPr>
-              <a:t>: </a:t>
+              <a:t>8: </a:t>
             </a:r>
             <a:r>
               <a:rPr lang="en-US" altLang="ko-KR" b="1" dirty="0" smtClean="0">
@@ -33189,7 +33549,7 @@
                 </a:solidFill>
                 <a:sym typeface="Wingdings" panose="05000000000000000000" pitchFamily="2" charset="2"/>
               </a:rPr>
-              <a:t>Step </a:t>
+              <a:t>Step 8</a:t>
             </a:r>
             <a:r>
               <a:rPr lang="en-US" altLang="ko-KR" b="1" dirty="0" smtClean="0">
@@ -33198,7 +33558,7 @@
                 </a:solidFill>
                 <a:sym typeface="Wingdings" panose="05000000000000000000" pitchFamily="2" charset="2"/>
               </a:rPr>
-              <a:t>9: </a:t>
+              <a:t>: </a:t>
             </a:r>
             <a:r>
               <a:rPr lang="en-US" altLang="ko-KR" b="1" dirty="0">
@@ -34026,7 +34386,7 @@
                 </a:solidFill>
                 <a:sym typeface="Wingdings" panose="05000000000000000000" pitchFamily="2" charset="2"/>
               </a:rPr>
-              <a:t>9: </a:t>
+              <a:t>8: </a:t>
             </a:r>
             <a:r>
               <a:rPr lang="en-US" altLang="ko-KR" b="1" dirty="0">
@@ -35014,6 +35374,78 @@
           </a:prstGeom>
         </p:spPr>
       </p:pic>
+      <p:sp>
+        <p:nvSpPr>
+          <p:cNvPr id="10" name="직사각형 9"/>
+          <p:cNvSpPr/>
+          <p:nvPr/>
+        </p:nvSpPr>
+        <p:spPr>
+          <a:xfrm>
+            <a:off x="6240016" y="5517232"/>
+            <a:ext cx="3960440" cy="276999"/>
+          </a:xfrm>
+          <a:prstGeom prst="rect">
+            <a:avLst/>
+          </a:prstGeom>
+          <a:solidFill>
+            <a:srgbClr val="FFC000"/>
+          </a:solidFill>
+          <a:ln>
+            <a:solidFill>
+              <a:schemeClr val="bg1">
+                <a:lumMod val="75000"/>
+              </a:schemeClr>
+            </a:solidFill>
+          </a:ln>
+        </p:spPr>
+        <p:txBody>
+          <a:bodyPr wrap="square">
+            <a:spAutoFit/>
+          </a:bodyPr>
+          <a:lstStyle/>
+          <a:p>
+            <a:pPr latinLnBrk="0"/>
+            <a:r>
+              <a:rPr lang="en-US" altLang="ko-KR" sz="1200" dirty="0" smtClean="0">
+                <a:sym typeface="Wingdings" panose="05000000000000000000" pitchFamily="2" charset="2"/>
+              </a:rPr>
+              <a:t>"</a:t>
+            </a:r>
+            <a:r>
+              <a:rPr lang="ko-KR" altLang="en-US" sz="1200" dirty="0" smtClean="0">
+                <a:sym typeface="Wingdings" panose="05000000000000000000" pitchFamily="2" charset="2"/>
+              </a:rPr>
+              <a:t>발신번호</a:t>
+            </a:r>
+            <a:r>
+              <a:rPr lang="en-US" altLang="ko-KR" sz="1200" dirty="0" smtClean="0">
+                <a:sym typeface="Wingdings" panose="05000000000000000000" pitchFamily="2" charset="2"/>
+              </a:rPr>
+              <a:t>", "</a:t>
+            </a:r>
+            <a:r>
+              <a:rPr lang="ko-KR" altLang="en-US" sz="1200" dirty="0" err="1" smtClean="0">
+                <a:sym typeface="Wingdings" panose="05000000000000000000" pitchFamily="2" charset="2"/>
+              </a:rPr>
+              <a:t>수신시간</a:t>
+            </a:r>
+            <a:r>
+              <a:rPr lang="en-US" altLang="ko-KR" sz="1200" dirty="0" smtClean="0">
+                <a:sym typeface="Wingdings" panose="05000000000000000000" pitchFamily="2" charset="2"/>
+              </a:rPr>
+              <a:t>"</a:t>
+            </a:r>
+            <a:r>
+              <a:rPr lang="ko-KR" altLang="en-US" sz="1200" dirty="0" smtClean="0">
+                <a:sym typeface="Wingdings" panose="05000000000000000000" pitchFamily="2" charset="2"/>
+              </a:rPr>
+              <a:t>을 표시하는 것도 잊지 맙시다</a:t>
+            </a:r>
+            <a:endParaRPr lang="ko-KR" altLang="en-US" sz="1200" dirty="0"/>
+          </a:p>
+        </p:txBody>
+      </p:sp>
     </p:spTree>
     <p:extLst>
       <p:ext uri="{BB962C8B-B14F-4D97-AF65-F5344CB8AC3E}">
